--- a/railsconf09-jschementi.pptx
+++ b/railsconf09-jschementi.pptx
@@ -22,24 +22,24 @@
     <p:sldId id="304" r:id="rId13"/>
     <p:sldId id="271" r:id="rId14"/>
     <p:sldId id="326" r:id="rId15"/>
-    <p:sldId id="295" r:id="rId16"/>
-    <p:sldId id="312" r:id="rId17"/>
-    <p:sldId id="314" r:id="rId18"/>
-    <p:sldId id="315" r:id="rId19"/>
-    <p:sldId id="327" r:id="rId20"/>
-    <p:sldId id="328" r:id="rId21"/>
-    <p:sldId id="322" r:id="rId22"/>
-    <p:sldId id="318" r:id="rId23"/>
-    <p:sldId id="330" r:id="rId24"/>
-    <p:sldId id="320" r:id="rId25"/>
-    <p:sldId id="325" r:id="rId26"/>
-    <p:sldId id="329" r:id="rId27"/>
-    <p:sldId id="291" r:id="rId28"/>
-    <p:sldId id="323" r:id="rId29"/>
-    <p:sldId id="324" r:id="rId30"/>
-    <p:sldId id="331" r:id="rId31"/>
-    <p:sldId id="311" r:id="rId32"/>
-    <p:sldId id="296" r:id="rId33"/>
+    <p:sldId id="325" r:id="rId16"/>
+    <p:sldId id="295" r:id="rId17"/>
+    <p:sldId id="312" r:id="rId18"/>
+    <p:sldId id="314" r:id="rId19"/>
+    <p:sldId id="315" r:id="rId20"/>
+    <p:sldId id="327" r:id="rId21"/>
+    <p:sldId id="328" r:id="rId22"/>
+    <p:sldId id="322" r:id="rId23"/>
+    <p:sldId id="318" r:id="rId24"/>
+    <p:sldId id="330" r:id="rId25"/>
+    <p:sldId id="320" r:id="rId26"/>
+    <p:sldId id="332" r:id="rId27"/>
+    <p:sldId id="329" r:id="rId28"/>
+    <p:sldId id="291" r:id="rId29"/>
+    <p:sldId id="323" r:id="rId30"/>
+    <p:sldId id="324" r:id="rId31"/>
+    <p:sldId id="331" r:id="rId32"/>
+    <p:sldId id="311" r:id="rId33"/>
     <p:sldId id="305" r:id="rId34"/>
     <p:sldId id="306" r:id="rId35"/>
     <p:sldId id="307" r:id="rId36"/>
@@ -1009,15 +1009,7 @@
             </a:pPr>
             <a:r>
               <a:rPr lang="en-US" dirty="0" smtClean="0"/>
-              <a:t>Quick </a:t>
-            </a:r>
-            <a:r>
-              <a:rPr lang="en-US" dirty="0" smtClean="0"/>
-              <a:t>REPL </a:t>
-            </a:r>
-            <a:r>
-              <a:rPr lang="en-US" dirty="0" smtClean="0"/>
-              <a:t>demo</a:t>
+              <a:t>Quick REPL demo</a:t>
             </a:r>
           </a:p>
           <a:p>
@@ -1552,7 +1544,7 @@
             <a:fld id="{9C5D5824-E56C-4AA4-A5C2-5EA5B0186564}" type="slidenum">
               <a:rPr lang="en-US" smtClean="0"/>
               <a:pPr/>
-              <a:t>15</a:t>
+              <a:t>16</a:t>
             </a:fld>
             <a:endParaRPr lang="en-US"/>
           </a:p>
@@ -1664,7 +1656,7 @@
             <a:fld id="{9C5D5824-E56C-4AA4-A5C2-5EA5B0186564}" type="slidenum">
               <a:rPr lang="en-US" smtClean="0"/>
               <a:pPr/>
-              <a:t>16</a:t>
+              <a:t>17</a:t>
             </a:fld>
             <a:endParaRPr lang="en-US"/>
           </a:p>
@@ -1830,7 +1822,7 @@
             <a:fld id="{9C5D5824-E56C-4AA4-A5C2-5EA5B0186564}" type="slidenum">
               <a:rPr lang="en-US" smtClean="0"/>
               <a:pPr/>
-              <a:t>17</a:t>
+              <a:t>18</a:t>
             </a:fld>
             <a:endParaRPr lang="en-US"/>
           </a:p>
@@ -2026,7 +2018,7 @@
             <a:fld id="{9C5D5824-E56C-4AA4-A5C2-5EA5B0186564}" type="slidenum">
               <a:rPr lang="en-US" smtClean="0"/>
               <a:pPr/>
-              <a:t>18</a:t>
+              <a:t>19</a:t>
             </a:fld>
             <a:endParaRPr lang="en-US"/>
           </a:p>
@@ -2112,7 +2104,7 @@
             <a:fld id="{9C5D5824-E56C-4AA4-A5C2-5EA5B0186564}" type="slidenum">
               <a:rPr lang="en-US" smtClean="0"/>
               <a:pPr/>
-              <a:t>21</a:t>
+              <a:t>22</a:t>
             </a:fld>
             <a:endParaRPr lang="en-US"/>
           </a:p>
@@ -2689,7 +2681,7 @@
             <a:fld id="{9C5D5824-E56C-4AA4-A5C2-5EA5B0186564}" type="slidenum">
               <a:rPr lang="en-US" smtClean="0"/>
               <a:pPr/>
-              <a:t>22</a:t>
+              <a:t>23</a:t>
             </a:fld>
             <a:endParaRPr lang="en-US"/>
           </a:p>
@@ -2868,7 +2860,7 @@
             <a:fld id="{9C5D5824-E56C-4AA4-A5C2-5EA5B0186564}" type="slidenum">
               <a:rPr lang="en-US" smtClean="0"/>
               <a:pPr/>
-              <a:t>23</a:t>
+              <a:t>24</a:t>
             </a:fld>
             <a:endParaRPr lang="en-US"/>
           </a:p>
@@ -2950,7 +2942,7 @@
             <a:fld id="{9C5D5824-E56C-4AA4-A5C2-5EA5B0186564}" type="slidenum">
               <a:rPr lang="en-US" smtClean="0"/>
               <a:pPr/>
-              <a:t>24</a:t>
+              <a:t>25</a:t>
             </a:fld>
             <a:endParaRPr lang="en-US"/>
           </a:p>
@@ -3040,7 +3032,7 @@
             <a:fld id="{9C5D5824-E56C-4AA4-A5C2-5EA5B0186564}" type="slidenum">
               <a:rPr lang="en-US" smtClean="0"/>
               <a:pPr/>
-              <a:t>26</a:t>
+              <a:t>27</a:t>
             </a:fld>
             <a:endParaRPr lang="en-US"/>
           </a:p>
@@ -7403,13 +7395,30 @@
         </p:nvSpPr>
         <p:spPr/>
         <p:txBody>
-          <a:bodyPr/>
+          <a:bodyPr>
+            <a:normAutofit/>
+          </a:bodyPr>
           <a:lstStyle/>
           <a:p>
             <a:pPr algn="r"/>
             <a:r>
               <a:rPr lang="en-US" dirty="0" smtClean="0"/>
-              <a:t>performance</a:t>
+              <a:t>r</a:t>
+            </a:r>
+            <a:r>
+              <a:rPr lang="en-US" dirty="0" smtClean="0"/>
+              <a:t>ails performance</a:t>
+            </a:r>
+            <a:br>
+              <a:rPr lang="en-US" dirty="0" smtClean="0"/>
+            </a:br>
+            <a:r>
+              <a:rPr lang="en-US" sz="2000" dirty="0" err="1" smtClean="0"/>
+              <a:t>webrick</a:t>
+            </a:r>
+            <a:r>
+              <a:rPr lang="en-US" sz="2000" dirty="0" smtClean="0"/>
+              <a:t> + production</a:t>
             </a:r>
             <a:endParaRPr lang="en-US" dirty="0"/>
           </a:p>
@@ -7424,8 +7433,8 @@
           <p:nvPr/>
         </p:nvGraphicFramePr>
         <p:xfrm>
-          <a:off x="304799" y="1920875"/>
-          <a:ext cx="8610601" cy="3016250"/>
+          <a:off x="1" y="1920875"/>
+          <a:ext cx="9144000" cy="2727324"/>
         </p:xfrm>
         <a:graphic>
           <a:graphicData uri="http://schemas.openxmlformats.org/drawingml/2006/table">
@@ -7434,21 +7443,19 @@
                 <a:tableStyleId>{08FB837D-C827-4EFA-A057-4D05807E0F7C}</a:tableStyleId>
               </a:tblPr>
               <a:tblGrid>
-                <a:gridCol w="2210153"/>
-                <a:gridCol w="1377598"/>
-                <a:gridCol w="789305"/>
-                <a:gridCol w="1506855"/>
-                <a:gridCol w="645795"/>
-                <a:gridCol w="2080895"/>
+                <a:gridCol w="2491481"/>
+                <a:gridCol w="2309118"/>
+                <a:gridCol w="1981200"/>
+                <a:gridCol w="2362201"/>
               </a:tblGrid>
-              <a:tr h="603250">
+              <a:tr h="681831">
                 <a:tc>
                   <a:txBody>
                     <a:bodyPr/>
                     <a:lstStyle/>
                     <a:p>
                       <a:pPr algn="l" fontAlgn="b"/>
-                      <a:endParaRPr lang="en-US" sz="2700" b="0" i="0" u="none" strike="noStrike" dirty="0">
+                      <a:endParaRPr lang="en-US" sz="3100" b="0" i="0" u="none" strike="noStrike" dirty="0">
                         <a:solidFill>
                           <a:srgbClr val="000000"/>
                         </a:solidFill>
@@ -7456,7 +7463,7 @@
                       </a:endParaRPr>
                     </a:p>
                   </a:txBody>
-                  <a:tcPr marL="24130" marR="24130" marT="24130" marB="0" anchor="b"/>
+                  <a:tcPr marL="27273" marR="27273" marT="27273" marB="0" anchor="b"/>
                 </a:tc>
                 <a:tc>
                   <a:txBody>
@@ -7465,10 +7472,10 @@
                     <a:p>
                       <a:pPr algn="r" fontAlgn="b"/>
                       <a:r>
-                        <a:rPr lang="en-US" sz="2700" u="none" strike="noStrike" dirty="0" smtClean="0"/>
-                        <a:t>IronRuby</a:t>
+                        <a:rPr lang="en-US" sz="3100" u="none" strike="noStrike" dirty="0" smtClean="0"/>
+                        <a:t>IronRuby (s)</a:t>
                       </a:r>
-                      <a:endParaRPr lang="en-US" sz="2700" b="0" i="0" u="none" strike="noStrike" dirty="0" smtClean="0">
+                      <a:endParaRPr lang="en-US" sz="3100" b="0" i="0" u="none" strike="noStrike" dirty="0" smtClean="0">
                         <a:solidFill>
                           <a:srgbClr val="000000"/>
                         </a:solidFill>
@@ -7476,23 +7483,7 @@
                       </a:endParaRPr>
                     </a:p>
                   </a:txBody>
-                  <a:tcPr marL="24130" marR="24130" marT="24130" marB="0" anchor="b"/>
-                </a:tc>
-                <a:tc>
-                  <a:txBody>
-                    <a:bodyPr/>
-                    <a:lstStyle/>
-                    <a:p>
-                      <a:pPr algn="r" fontAlgn="b"/>
-                      <a:endParaRPr lang="en-US" sz="2700" b="0" i="0" u="none" strike="noStrike" dirty="0">
-                        <a:solidFill>
-                          <a:srgbClr val="000000"/>
-                        </a:solidFill>
-                        <a:latin typeface="Calibri"/>
-                      </a:endParaRPr>
-                    </a:p>
-                  </a:txBody>
-                  <a:tcPr marL="24130" marR="24130" marT="24130" marB="0" anchor="b"/>
+                  <a:tcPr marL="27273" marR="27273" marT="27273" marB="0" anchor="b"/>
                 </a:tc>
                 <a:tc>
                   <a:txBody>
@@ -7501,10 +7492,10 @@
                     <a:p>
                       <a:pPr algn="r" fontAlgn="b"/>
                       <a:r>
-                        <a:rPr lang="en-US" sz="2700" u="none" strike="noStrike" dirty="0" smtClean="0"/>
-                        <a:t>Ruby</a:t>
+                        <a:rPr lang="en-US" sz="3100" u="none" strike="noStrike" dirty="0" smtClean="0"/>
+                        <a:t>Ruby (s)</a:t>
                       </a:r>
-                      <a:endParaRPr lang="en-US" sz="2700" b="0" i="0" u="none" strike="noStrike" dirty="0">
+                      <a:endParaRPr lang="en-US" sz="3100" b="0" i="0" u="none" strike="noStrike" dirty="0">
                         <a:solidFill>
                           <a:srgbClr val="000000"/>
                         </a:solidFill>
@@ -7512,23 +7503,7 @@
                       </a:endParaRPr>
                     </a:p>
                   </a:txBody>
-                  <a:tcPr marL="24130" marR="24130" marT="24130" marB="0" anchor="b"/>
-                </a:tc>
-                <a:tc>
-                  <a:txBody>
-                    <a:bodyPr/>
-                    <a:lstStyle/>
-                    <a:p>
-                      <a:pPr algn="r" fontAlgn="b"/>
-                      <a:endParaRPr lang="en-US" sz="2700" b="0" i="0" u="none" strike="noStrike">
-                        <a:solidFill>
-                          <a:srgbClr val="000000"/>
-                        </a:solidFill>
-                        <a:latin typeface="Calibri"/>
-                      </a:endParaRPr>
-                    </a:p>
-                  </a:txBody>
-                  <a:tcPr marL="24130" marR="24130" marT="24130" marB="0" anchor="b"/>
+                  <a:tcPr marL="27273" marR="27273" marT="27273" marB="0" anchor="b"/>
                 </a:tc>
                 <a:tc>
                   <a:txBody>
@@ -7537,15 +7512,15 @@
                     <a:p>
                       <a:pPr algn="r" fontAlgn="b"/>
                       <a:r>
-                        <a:rPr lang="en-US" sz="2700" b="1" i="0" u="none" strike="noStrike" dirty="0" smtClean="0">
+                        <a:rPr lang="en-US" sz="3100" b="1" i="0" u="none" strike="noStrike" dirty="0" err="1" smtClean="0">
                           <a:solidFill>
                             <a:schemeClr val="bg1"/>
                           </a:solidFill>
                           <a:latin typeface="Calibri"/>
                         </a:rPr>
-                        <a:t>Magnitude</a:t>
+                        <a:t>IronRubyDiff</a:t>
                       </a:r>
-                      <a:endParaRPr lang="en-US" sz="2700" b="1" i="0" u="none" strike="noStrike" dirty="0">
+                      <a:endParaRPr lang="en-US" sz="3100" b="1" i="0" u="none" strike="noStrike" dirty="0">
                         <a:solidFill>
                           <a:schemeClr val="bg1"/>
                         </a:solidFill>
@@ -7553,17 +7528,21 @@
                       </a:endParaRPr>
                     </a:p>
                   </a:txBody>
-                  <a:tcPr marL="24130" marR="24130" marT="24130" marB="0" anchor="b"/>
+                  <a:tcPr marL="27273" marR="27273" marT="27273" marB="0" anchor="b"/>
                 </a:tc>
               </a:tr>
-              <a:tr h="603250">
+              <a:tr h="681831">
                 <a:tc>
                   <a:txBody>
                     <a:bodyPr/>
                     <a:lstStyle/>
                     <a:p>
                       <a:pPr algn="l" fontAlgn="b"/>
-                      <a:endParaRPr lang="en-US" sz="2700" b="0" i="0" u="none" strike="noStrike" dirty="0">
+                      <a:r>
+                        <a:rPr lang="en-US" sz="3100" u="none" strike="noStrike" dirty="0"/>
+                        <a:t>Startup</a:t>
+                      </a:r>
+                      <a:endParaRPr lang="en-US" sz="3100" b="0" i="0" u="none" strike="noStrike" dirty="0">
                         <a:solidFill>
                           <a:srgbClr val="000000"/>
                         </a:solidFill>
@@ -7571,7 +7550,7 @@
                       </a:endParaRPr>
                     </a:p>
                   </a:txBody>
-                  <a:tcPr marL="24130" marR="24130" marT="24130" marB="0" anchor="b"/>
+                  <a:tcPr marL="27273" marR="27273" marT="27273" marB="0" anchor="b"/>
                 </a:tc>
                 <a:tc>
                   <a:txBody>
@@ -7580,10 +7559,10 @@
                     <a:p>
                       <a:pPr algn="r" fontAlgn="b"/>
                       <a:r>
-                        <a:rPr lang="en-US" sz="2700" u="none" strike="noStrike" dirty="0" smtClean="0"/>
-                        <a:t>sec</a:t>
+                        <a:rPr lang="en-US" sz="3100" u="none" strike="noStrike" dirty="0" smtClean="0"/>
+                        <a:t>34.63</a:t>
                       </a:r>
-                      <a:endParaRPr lang="en-US" sz="2700" b="0" i="0" u="none" strike="noStrike" dirty="0">
+                      <a:endParaRPr lang="en-US" sz="3100" b="0" i="0" u="none" strike="noStrike" dirty="0">
                         <a:solidFill>
                           <a:srgbClr val="000000"/>
                         </a:solidFill>
@@ -7591,7 +7570,7 @@
                       </a:endParaRPr>
                     </a:p>
                   </a:txBody>
-                  <a:tcPr marL="24130" marR="24130" marT="24130" marB="0" anchor="b"/>
+                  <a:tcPr marL="27273" marR="27273" marT="27273" marB="0" anchor="b"/>
                 </a:tc>
                 <a:tc>
                   <a:txBody>
@@ -7600,10 +7579,15 @@
                     <a:p>
                       <a:pPr algn="r" fontAlgn="b"/>
                       <a:r>
-                        <a:rPr lang="en-US" sz="2700" u="none" strike="noStrike" dirty="0" err="1" smtClean="0"/>
-                        <a:t>mb</a:t>
+                        <a:rPr lang="en-US" sz="3100" b="0" i="0" u="none" strike="noStrike" dirty="0" smtClean="0">
+                          <a:solidFill>
+                            <a:schemeClr val="dk1"/>
+                          </a:solidFill>
+                          <a:latin typeface="+mn-lt"/>
+                        </a:rPr>
+                        <a:t>6.593</a:t>
                       </a:r>
-                      <a:endParaRPr lang="en-US" sz="2700" b="0" i="0" u="none" strike="noStrike" dirty="0">
+                      <a:endParaRPr lang="en-US" sz="3100" b="0" i="0" u="none" strike="noStrike" dirty="0">
                         <a:solidFill>
                           <a:srgbClr val="000000"/>
                         </a:solidFill>
@@ -7611,7 +7595,7 @@
                       </a:endParaRPr>
                     </a:p>
                   </a:txBody>
-                  <a:tcPr marL="24130" marR="24130" marT="24130" marB="0" anchor="b"/>
+                  <a:tcPr marL="27273" marR="27273" marT="27273" marB="0" anchor="b"/>
                 </a:tc>
                 <a:tc>
                   <a:txBody>
@@ -7620,10 +7604,14 @@
                     <a:p>
                       <a:pPr algn="r" fontAlgn="b"/>
                       <a:r>
-                        <a:rPr lang="en-US" sz="2700" u="none" strike="noStrike" dirty="0" smtClean="0"/>
-                        <a:t>sec</a:t>
+                        <a:rPr lang="en-US" sz="3100" u="none" strike="noStrike" dirty="0"/>
+                        <a:t>-</a:t>
                       </a:r>
-                      <a:endParaRPr lang="en-US" sz="2700" b="0" i="0" u="none" strike="noStrike" dirty="0">
+                      <a:r>
+                        <a:rPr lang="en-US" sz="3100" u="none" strike="noStrike" dirty="0" smtClean="0"/>
+                        <a:t>5.2x</a:t>
+                      </a:r>
+                      <a:endParaRPr lang="en-US" sz="3100" b="0" i="0" u="none" strike="noStrike" dirty="0">
                         <a:solidFill>
                           <a:srgbClr val="000000"/>
                         </a:solidFill>
@@ -7631,7 +7619,29 @@
                       </a:endParaRPr>
                     </a:p>
                   </a:txBody>
-                  <a:tcPr marL="24130" marR="24130" marT="24130" marB="0" anchor="b"/>
+                  <a:tcPr marL="27273" marR="27273" marT="27273" marB="0" anchor="b"/>
+                </a:tc>
+              </a:tr>
+              <a:tr h="681831">
+                <a:tc>
+                  <a:txBody>
+                    <a:bodyPr/>
+                    <a:lstStyle/>
+                    <a:p>
+                      <a:pPr algn="l" fontAlgn="b"/>
+                      <a:r>
+                        <a:rPr lang="en-US" sz="3100" u="none" strike="noStrike" dirty="0"/>
+                        <a:t>1st Request</a:t>
+                      </a:r>
+                      <a:endParaRPr lang="en-US" sz="3100" b="0" i="0" u="none" strike="noStrike" dirty="0">
+                        <a:solidFill>
+                          <a:srgbClr val="000000"/>
+                        </a:solidFill>
+                        <a:latin typeface="Calibri"/>
+                      </a:endParaRPr>
+                    </a:p>
+                  </a:txBody>
+                  <a:tcPr marL="27273" marR="27273" marT="27273" marB="0" anchor="b"/>
                 </a:tc>
                 <a:tc>
                   <a:txBody>
@@ -7640,10 +7650,15 @@
                     <a:p>
                       <a:pPr algn="r" fontAlgn="b"/>
                       <a:r>
-                        <a:rPr lang="en-US" sz="2700" u="none" strike="noStrike" dirty="0" err="1" smtClean="0"/>
-                        <a:t>mb</a:t>
+                        <a:rPr lang="en-US" sz="3100" b="0" i="0" u="none" strike="noStrike" dirty="0" smtClean="0">
+                          <a:solidFill>
+                            <a:schemeClr val="dk1"/>
+                          </a:solidFill>
+                          <a:latin typeface="+mn-lt"/>
+                        </a:rPr>
+                        <a:t>1.956</a:t>
                       </a:r>
-                      <a:endParaRPr lang="en-US" sz="2700" b="0" i="0" u="none" strike="noStrike" dirty="0">
+                      <a:endParaRPr lang="en-US" sz="3100" b="0" i="0" u="none" strike="noStrike" dirty="0">
                         <a:solidFill>
                           <a:srgbClr val="000000"/>
                         </a:solidFill>
@@ -7651,7 +7666,7 @@
                       </a:endParaRPr>
                     </a:p>
                   </a:txBody>
-                  <a:tcPr marL="24130" marR="24130" marT="24130" marB="0" anchor="b"/>
+                  <a:tcPr marL="27273" marR="27273" marT="27273" marB="0" anchor="b"/>
                 </a:tc>
                 <a:tc>
                   <a:txBody>
@@ -7660,40 +7675,12 @@
                     <a:p>
                       <a:pPr algn="r" fontAlgn="b"/>
                       <a:r>
-                        <a:rPr lang="en-US" sz="2700" u="none" strike="noStrike" dirty="0" smtClean="0"/>
-                        <a:t>100%</a:t>
+                        <a:rPr lang="en-US" sz="3100" u="none" strike="noStrike" dirty="0" smtClean="0"/>
+                        <a:t>0.439</a:t>
                       </a:r>
-                      <a:endParaRPr lang="en-US" sz="2700" b="0" i="0" u="none" strike="noStrike" dirty="0">
-                        <a:solidFill>
-                          <a:srgbClr val="000000"/>
-                        </a:solidFill>
-                        <a:latin typeface="Calibri"/>
-                      </a:endParaRPr>
                     </a:p>
                   </a:txBody>
-                  <a:tcPr marL="24130" marR="24130" marT="24130" marB="0" anchor="b"/>
-                </a:tc>
-              </a:tr>
-              <a:tr h="603250">
-                <a:tc>
-                  <a:txBody>
-                    <a:bodyPr/>
-                    <a:lstStyle/>
-                    <a:p>
-                      <a:pPr algn="l" fontAlgn="b"/>
-                      <a:r>
-                        <a:rPr lang="en-US" sz="2700" u="none" strike="noStrike"/>
-                        <a:t>Startup</a:t>
-                      </a:r>
-                      <a:endParaRPr lang="en-US" sz="2700" b="0" i="0" u="none" strike="noStrike">
-                        <a:solidFill>
-                          <a:srgbClr val="000000"/>
-                        </a:solidFill>
-                        <a:latin typeface="Calibri"/>
-                      </a:endParaRPr>
-                    </a:p>
-                  </a:txBody>
-                  <a:tcPr marL="24130" marR="24130" marT="24130" marB="0" anchor="b"/>
+                  <a:tcPr marL="27273" marR="27273" marT="27273" marB="0" anchor="b"/>
                 </a:tc>
                 <a:tc>
                   <a:txBody>
@@ -7702,10 +7689,10 @@
                     <a:p>
                       <a:pPr algn="r" fontAlgn="b"/>
                       <a:r>
-                        <a:rPr lang="en-US" sz="2700" u="none" strike="noStrike" dirty="0"/>
-                        <a:t>39</a:t>
+                        <a:rPr lang="en-US" sz="3100" u="none" strike="noStrike" dirty="0" smtClean="0"/>
+                        <a:t>-4.4</a:t>
                       </a:r>
-                      <a:endParaRPr lang="en-US" sz="2700" b="0" i="0" u="none" strike="noStrike" dirty="0">
+                      <a:endParaRPr lang="en-US" sz="3100" b="0" i="0" u="none" strike="noStrike" dirty="0">
                         <a:solidFill>
                           <a:srgbClr val="000000"/>
                         </a:solidFill>
@@ -7713,7 +7700,29 @@
                       </a:endParaRPr>
                     </a:p>
                   </a:txBody>
-                  <a:tcPr marL="24130" marR="24130" marT="24130" marB="0" anchor="b"/>
+                  <a:tcPr marL="27273" marR="27273" marT="27273" marB="0" anchor="b"/>
+                </a:tc>
+              </a:tr>
+              <a:tr h="681831">
+                <a:tc>
+                  <a:txBody>
+                    <a:bodyPr/>
+                    <a:lstStyle/>
+                    <a:p>
+                      <a:pPr algn="l" fontAlgn="b"/>
+                      <a:r>
+                        <a:rPr lang="en-US" sz="3100" u="none" strike="noStrike" dirty="0"/>
+                        <a:t>n Requests</a:t>
+                      </a:r>
+                      <a:endParaRPr lang="en-US" sz="3100" b="0" i="0" u="none" strike="noStrike" dirty="0">
+                        <a:solidFill>
+                          <a:srgbClr val="000000"/>
+                        </a:solidFill>
+                        <a:latin typeface="Calibri"/>
+                      </a:endParaRPr>
+                    </a:p>
+                  </a:txBody>
+                  <a:tcPr marL="27273" marR="27273" marT="27273" marB="0" anchor="b"/>
                 </a:tc>
                 <a:tc>
                   <a:txBody>
@@ -7722,10 +7731,10 @@
                     <a:p>
                       <a:pPr algn="r" fontAlgn="b"/>
                       <a:r>
-                        <a:rPr lang="en-US" sz="2700" u="none" strike="noStrike"/>
-                        <a:t>99</a:t>
+                        <a:rPr lang="en-US" sz="3100" u="none" strike="noStrike" dirty="0" smtClean="0"/>
+                        <a:t>0.056</a:t>
                       </a:r>
-                      <a:endParaRPr lang="en-US" sz="2700" b="0" i="0" u="none" strike="noStrike">
+                      <a:endParaRPr lang="en-US" sz="3100" b="0" i="0" u="none" strike="noStrike" dirty="0">
                         <a:solidFill>
                           <a:srgbClr val="000000"/>
                         </a:solidFill>
@@ -7733,7 +7742,7 @@
                       </a:endParaRPr>
                     </a:p>
                   </a:txBody>
-                  <a:tcPr marL="24130" marR="24130" marT="24130" marB="0" anchor="b"/>
+                  <a:tcPr marL="27273" marR="27273" marT="27273" marB="0" anchor="b"/>
                 </a:tc>
                 <a:tc>
                   <a:txBody>
@@ -7742,10 +7751,10 @@
                     <a:p>
                       <a:pPr algn="r" fontAlgn="b"/>
                       <a:r>
-                        <a:rPr lang="en-US" sz="2700" u="none" strike="noStrike"/>
-                        <a:t>6.7</a:t>
+                        <a:rPr lang="en-US" sz="3100" u="none" strike="noStrike" dirty="0" smtClean="0"/>
+                        <a:t>0.022</a:t>
                       </a:r>
-                      <a:endParaRPr lang="en-US" sz="2700" b="0" i="0" u="none" strike="noStrike">
+                      <a:endParaRPr lang="en-US" sz="3100" b="0" i="0" u="none" strike="noStrike" dirty="0">
                         <a:solidFill>
                           <a:srgbClr val="000000"/>
                         </a:solidFill>
@@ -7753,7 +7762,7 @@
                       </a:endParaRPr>
                     </a:p>
                   </a:txBody>
-                  <a:tcPr marL="24130" marR="24130" marT="24130" marB="0" anchor="b"/>
+                  <a:tcPr marL="27273" marR="27273" marT="27273" marB="0" anchor="b"/>
                 </a:tc>
                 <a:tc>
                   <a:txBody>
@@ -7762,10 +7771,10 @@
                     <a:p>
                       <a:pPr algn="r" fontAlgn="b"/>
                       <a:r>
-                        <a:rPr lang="en-US" sz="2700" u="none" strike="noStrike"/>
-                        <a:t>26</a:t>
+                        <a:rPr lang="en-US" sz="3100" u="none" strike="noStrike" dirty="0" smtClean="0"/>
+                        <a:t>-2.5</a:t>
                       </a:r>
-                      <a:endParaRPr lang="en-US" sz="2700" b="0" i="0" u="none" strike="noStrike">
+                      <a:endParaRPr lang="en-US" sz="3100" b="0" i="0" u="none" strike="noStrike" dirty="0">
                         <a:solidFill>
                           <a:srgbClr val="000000"/>
                         </a:solidFill>
@@ -7773,328 +7782,13 @@
                       </a:endParaRPr>
                     </a:p>
                   </a:txBody>
-                  <a:tcPr marL="24130" marR="24130" marT="24130" marB="0" anchor="b"/>
-                </a:tc>
-                <a:tc>
-                  <a:txBody>
-                    <a:bodyPr/>
-                    <a:lstStyle/>
-                    <a:p>
-                      <a:pPr algn="r" fontAlgn="b"/>
-                      <a:r>
-                        <a:rPr lang="en-US" sz="2700" u="none" strike="noStrike" dirty="0"/>
-                        <a:t>-5.8</a:t>
-                      </a:r>
-                      <a:endParaRPr lang="en-US" sz="2700" b="0" i="0" u="none" strike="noStrike" dirty="0">
-                        <a:solidFill>
-                          <a:srgbClr val="000000"/>
-                        </a:solidFill>
-                        <a:latin typeface="Calibri"/>
-                      </a:endParaRPr>
-                    </a:p>
-                  </a:txBody>
-                  <a:tcPr marL="24130" marR="24130" marT="24130" marB="0" anchor="b"/>
-                </a:tc>
-              </a:tr>
-              <a:tr h="603250">
-                <a:tc>
-                  <a:txBody>
-                    <a:bodyPr/>
-                    <a:lstStyle/>
-                    <a:p>
-                      <a:pPr algn="l" fontAlgn="b"/>
-                      <a:r>
-                        <a:rPr lang="en-US" sz="2700" u="none" strike="noStrike" dirty="0"/>
-                        <a:t>1st Request</a:t>
-                      </a:r>
-                      <a:endParaRPr lang="en-US" sz="2700" b="0" i="0" u="none" strike="noStrike" dirty="0">
-                        <a:solidFill>
-                          <a:srgbClr val="000000"/>
-                        </a:solidFill>
-                        <a:latin typeface="Calibri"/>
-                      </a:endParaRPr>
-                    </a:p>
-                  </a:txBody>
-                  <a:tcPr marL="24130" marR="24130" marT="24130" marB="0" anchor="b"/>
-                </a:tc>
-                <a:tc>
-                  <a:txBody>
-                    <a:bodyPr/>
-                    <a:lstStyle/>
-                    <a:p>
-                      <a:pPr algn="r" fontAlgn="b"/>
-                      <a:r>
-                        <a:rPr lang="en-US" sz="2700" u="none" strike="noStrike"/>
-                        <a:t>2.65</a:t>
-                      </a:r>
-                      <a:endParaRPr lang="en-US" sz="2700" b="0" i="0" u="none" strike="noStrike">
-                        <a:solidFill>
-                          <a:srgbClr val="000000"/>
-                        </a:solidFill>
-                        <a:latin typeface="Calibri"/>
-                      </a:endParaRPr>
-                    </a:p>
-                  </a:txBody>
-                  <a:tcPr marL="24130" marR="24130" marT="24130" marB="0" anchor="b"/>
-                </a:tc>
-                <a:tc>
-                  <a:txBody>
-                    <a:bodyPr/>
-                    <a:lstStyle/>
-                    <a:p>
-                      <a:pPr algn="r" fontAlgn="b"/>
-                      <a:r>
-                        <a:rPr lang="en-US" sz="2700" u="none" strike="noStrike"/>
-                        <a:t>105</a:t>
-                      </a:r>
-                      <a:endParaRPr lang="en-US" sz="2700" b="0" i="0" u="none" strike="noStrike">
-                        <a:solidFill>
-                          <a:srgbClr val="000000"/>
-                        </a:solidFill>
-                        <a:latin typeface="Calibri"/>
-                      </a:endParaRPr>
-                    </a:p>
-                  </a:txBody>
-                  <a:tcPr marL="24130" marR="24130" marT="24130" marB="0" anchor="b"/>
-                </a:tc>
-                <a:tc>
-                  <a:txBody>
-                    <a:bodyPr/>
-                    <a:lstStyle/>
-                    <a:p>
-                      <a:pPr algn="r" fontAlgn="b"/>
-                      <a:r>
-                        <a:rPr lang="en-US" sz="2700" u="none" strike="noStrike" dirty="0"/>
-                        <a:t>0.998</a:t>
-                      </a:r>
-                      <a:endParaRPr lang="en-US" sz="2700" b="0" i="0" u="none" strike="noStrike" dirty="0">
-                        <a:solidFill>
-                          <a:srgbClr val="000000"/>
-                        </a:solidFill>
-                        <a:latin typeface="Calibri"/>
-                      </a:endParaRPr>
-                    </a:p>
-                  </a:txBody>
-                  <a:tcPr marL="24130" marR="24130" marT="24130" marB="0" anchor="b"/>
-                </a:tc>
-                <a:tc>
-                  <a:txBody>
-                    <a:bodyPr/>
-                    <a:lstStyle/>
-                    <a:p>
-                      <a:pPr algn="r" fontAlgn="b"/>
-                      <a:r>
-                        <a:rPr lang="en-US" sz="2700" u="none" strike="noStrike"/>
-                        <a:t>25</a:t>
-                      </a:r>
-                      <a:endParaRPr lang="en-US" sz="2700" b="0" i="0" u="none" strike="noStrike">
-                        <a:solidFill>
-                          <a:srgbClr val="000000"/>
-                        </a:solidFill>
-                        <a:latin typeface="Calibri"/>
-                      </a:endParaRPr>
-                    </a:p>
-                  </a:txBody>
-                  <a:tcPr marL="24130" marR="24130" marT="24130" marB="0" anchor="b"/>
-                </a:tc>
-                <a:tc>
-                  <a:txBody>
-                    <a:bodyPr/>
-                    <a:lstStyle/>
-                    <a:p>
-                      <a:pPr algn="r" fontAlgn="b"/>
-                      <a:r>
-                        <a:rPr lang="en-US" sz="2700" u="none" strike="noStrike" dirty="0"/>
-                        <a:t>-2.7</a:t>
-                      </a:r>
-                      <a:endParaRPr lang="en-US" sz="2700" b="0" i="0" u="none" strike="noStrike" dirty="0">
-                        <a:solidFill>
-                          <a:srgbClr val="000000"/>
-                        </a:solidFill>
-                        <a:latin typeface="Calibri"/>
-                      </a:endParaRPr>
-                    </a:p>
-                  </a:txBody>
-                  <a:tcPr marL="24130" marR="24130" marT="24130" marB="0" anchor="b"/>
-                </a:tc>
-              </a:tr>
-              <a:tr h="603250">
-                <a:tc>
-                  <a:txBody>
-                    <a:bodyPr/>
-                    <a:lstStyle/>
-                    <a:p>
-                      <a:pPr algn="l" fontAlgn="b"/>
-                      <a:r>
-                        <a:rPr lang="en-US" sz="2700" u="none" strike="noStrike" dirty="0"/>
-                        <a:t>n Requests</a:t>
-                      </a:r>
-                      <a:endParaRPr lang="en-US" sz="2700" b="0" i="0" u="none" strike="noStrike" dirty="0">
-                        <a:solidFill>
-                          <a:srgbClr val="000000"/>
-                        </a:solidFill>
-                        <a:latin typeface="Calibri"/>
-                      </a:endParaRPr>
-                    </a:p>
-                  </a:txBody>
-                  <a:tcPr marL="24130" marR="24130" marT="24130" marB="0" anchor="b"/>
-                </a:tc>
-                <a:tc>
-                  <a:txBody>
-                    <a:bodyPr/>
-                    <a:lstStyle/>
-                    <a:p>
-                      <a:pPr algn="r" fontAlgn="b"/>
-                      <a:r>
-                        <a:rPr lang="en-US" sz="2700" u="none" strike="noStrike" dirty="0"/>
-                        <a:t>0.304</a:t>
-                      </a:r>
-                      <a:endParaRPr lang="en-US" sz="2700" b="0" i="0" u="none" strike="noStrike" dirty="0">
-                        <a:solidFill>
-                          <a:srgbClr val="000000"/>
-                        </a:solidFill>
-                        <a:latin typeface="Calibri"/>
-                      </a:endParaRPr>
-                    </a:p>
-                  </a:txBody>
-                  <a:tcPr marL="24130" marR="24130" marT="24130" marB="0" anchor="b"/>
-                </a:tc>
-                <a:tc>
-                  <a:txBody>
-                    <a:bodyPr/>
-                    <a:lstStyle/>
-                    <a:p>
-                      <a:pPr algn="r" fontAlgn="b"/>
-                      <a:r>
-                        <a:rPr lang="en-US" sz="2700" u="none" strike="noStrike"/>
-                        <a:t>113</a:t>
-                      </a:r>
-                      <a:endParaRPr lang="en-US" sz="2700" b="0" i="0" u="none" strike="noStrike">
-                        <a:solidFill>
-                          <a:srgbClr val="000000"/>
-                        </a:solidFill>
-                        <a:latin typeface="Calibri"/>
-                      </a:endParaRPr>
-                    </a:p>
-                  </a:txBody>
-                  <a:tcPr marL="24130" marR="24130" marT="24130" marB="0" anchor="b"/>
-                </a:tc>
-                <a:tc>
-                  <a:txBody>
-                    <a:bodyPr/>
-                    <a:lstStyle/>
-                    <a:p>
-                      <a:pPr algn="r" fontAlgn="b"/>
-                      <a:r>
-                        <a:rPr lang="en-US" sz="2700" u="none" strike="noStrike"/>
-                        <a:t>0.067</a:t>
-                      </a:r>
-                      <a:endParaRPr lang="en-US" sz="2700" b="0" i="0" u="none" strike="noStrike">
-                        <a:solidFill>
-                          <a:srgbClr val="000000"/>
-                        </a:solidFill>
-                        <a:latin typeface="Calibri"/>
-                      </a:endParaRPr>
-                    </a:p>
-                  </a:txBody>
-                  <a:tcPr marL="24130" marR="24130" marT="24130" marB="0" anchor="b"/>
-                </a:tc>
-                <a:tc>
-                  <a:txBody>
-                    <a:bodyPr/>
-                    <a:lstStyle/>
-                    <a:p>
-                      <a:pPr algn="r" fontAlgn="b"/>
-                      <a:r>
-                        <a:rPr lang="en-US" sz="2700" u="none" strike="noStrike"/>
-                        <a:t>25</a:t>
-                      </a:r>
-                      <a:endParaRPr lang="en-US" sz="2700" b="0" i="0" u="none" strike="noStrike">
-                        <a:solidFill>
-                          <a:srgbClr val="000000"/>
-                        </a:solidFill>
-                        <a:latin typeface="Calibri"/>
-                      </a:endParaRPr>
-                    </a:p>
-                  </a:txBody>
-                  <a:tcPr marL="24130" marR="24130" marT="24130" marB="0" anchor="b"/>
-                </a:tc>
-                <a:tc>
-                  <a:txBody>
-                    <a:bodyPr/>
-                    <a:lstStyle/>
-                    <a:p>
-                      <a:pPr algn="r" fontAlgn="b"/>
-                      <a:r>
-                        <a:rPr lang="en-US" sz="2700" u="none" strike="noStrike" dirty="0"/>
-                        <a:t>-4.5</a:t>
-                      </a:r>
-                      <a:endParaRPr lang="en-US" sz="2700" b="0" i="0" u="none" strike="noStrike" dirty="0">
-                        <a:solidFill>
-                          <a:srgbClr val="000000"/>
-                        </a:solidFill>
-                        <a:latin typeface="Calibri"/>
-                      </a:endParaRPr>
-                    </a:p>
-                  </a:txBody>
-                  <a:tcPr marL="24130" marR="24130" marT="24130" marB="0" anchor="b"/>
+                  <a:tcPr marL="27273" marR="27273" marT="27273" marB="0" anchor="b"/>
                 </a:tc>
               </a:tr>
             </a:tbl>
           </a:graphicData>
         </a:graphic>
       </p:graphicFrame>
-      <p:sp>
-        <p:nvSpPr>
-          <p:cNvPr id="5" name="TextBox 4"/>
-          <p:cNvSpPr txBox="1"/>
-          <p:nvPr/>
-        </p:nvSpPr>
-        <p:spPr>
-          <a:xfrm>
-            <a:off x="0" y="6488668"/>
-            <a:ext cx="9143999" cy="369332"/>
-          </a:xfrm>
-          <a:prstGeom prst="rect">
-            <a:avLst/>
-          </a:prstGeom>
-        </p:spPr>
-        <p:style>
-          <a:lnRef idx="1">
-            <a:schemeClr val="accent6"/>
-          </a:lnRef>
-          <a:fillRef idx="2">
-            <a:schemeClr val="accent6"/>
-          </a:fillRef>
-          <a:effectRef idx="1">
-            <a:schemeClr val="accent6"/>
-          </a:effectRef>
-          <a:fontRef idx="minor">
-            <a:schemeClr val="dk1"/>
-          </a:fontRef>
-        </p:style>
-        <p:txBody>
-          <a:bodyPr wrap="square" rtlCol="0">
-            <a:spAutoFit/>
-          </a:bodyPr>
-          <a:lstStyle/>
-          <a:p>
-            <a:r>
-              <a:rPr lang="en-US" dirty="0" smtClean="0">
-                <a:solidFill>
-                  <a:schemeClr val="tx1"/>
-                </a:solidFill>
-              </a:rPr>
-              <a:t>Numbers may vary in a couple days due to IronRuby now having Adaptive Compilation support</a:t>
-            </a:r>
-            <a:endParaRPr lang="en-US" dirty="0">
-              <a:solidFill>
-                <a:schemeClr val="tx1"/>
-              </a:solidFill>
-            </a:endParaRPr>
-          </a:p>
-        </p:txBody>
-      </p:sp>
     </p:spTree>
   </p:cSld>
   <p:clrMapOvr>
@@ -8114,6 +7808,186 @@
 </file>
 
 <file path=ppt/slides/slide15.xml><?xml version="1.0" encoding="utf-8"?>
+<p:sld xmlns:a="http://schemas.openxmlformats.org/drawingml/2006/main" xmlns:r="http://schemas.openxmlformats.org/officeDocument/2006/relationships" xmlns:p="http://schemas.openxmlformats.org/presentationml/2006/main">
+  <p:cSld>
+    <p:spTree>
+      <p:nvGrpSpPr>
+        <p:cNvPr id="1" name=""/>
+        <p:cNvGrpSpPr/>
+        <p:nvPr/>
+      </p:nvGrpSpPr>
+      <p:grpSpPr>
+        <a:xfrm>
+          <a:off x="0" y="0"/>
+          <a:ext cx="0" cy="0"/>
+          <a:chOff x="0" y="0"/>
+          <a:chExt cx="0" cy="0"/>
+        </a:xfrm>
+      </p:grpSpPr>
+      <p:sp>
+        <p:nvSpPr>
+          <p:cNvPr id="2" name="Title 1"/>
+          <p:cNvSpPr>
+            <a:spLocks noGrp="1"/>
+          </p:cNvSpPr>
+          <p:nvPr>
+            <p:ph type="title"/>
+          </p:nvPr>
+        </p:nvSpPr>
+        <p:spPr/>
+        <p:txBody>
+          <a:bodyPr/>
+          <a:lstStyle/>
+          <a:p>
+            <a:pPr algn="r"/>
+            <a:r>
+              <a:rPr lang="en-US" dirty="0" smtClean="0"/>
+              <a:t>rails unit tests</a:t>
+            </a:r>
+            <a:endParaRPr lang="en-US" dirty="0"/>
+          </a:p>
+        </p:txBody>
+      </p:sp>
+      <p:sp>
+        <p:nvSpPr>
+          <p:cNvPr id="3" name="Content Placeholder 2"/>
+          <p:cNvSpPr>
+            <a:spLocks noGrp="1"/>
+          </p:cNvSpPr>
+          <p:nvPr>
+            <p:ph idx="1"/>
+          </p:nvPr>
+        </p:nvSpPr>
+        <p:spPr/>
+        <p:txBody>
+          <a:bodyPr>
+            <a:normAutofit fontScale="92500" lnSpcReduction="20000"/>
+          </a:bodyPr>
+          <a:lstStyle/>
+          <a:p>
+            <a:pPr>
+              <a:buNone/>
+            </a:pPr>
+            <a:r>
+              <a:rPr lang="en-US" dirty="0" err="1" smtClean="0"/>
+              <a:t>ActionPack</a:t>
+            </a:r>
+            <a:endParaRPr lang="en-US" dirty="0" smtClean="0"/>
+          </a:p>
+          <a:p>
+            <a:r>
+              <a:rPr lang="en-US" dirty="0" smtClean="0"/>
+              <a:t>94% Pass Rate</a:t>
+            </a:r>
+          </a:p>
+          <a:p>
+            <a:pPr lvl="1"/>
+            <a:r>
+              <a:rPr lang="en-US" dirty="0" smtClean="0"/>
+              <a:t>2306 tests, 10539 assertions, 85 failures, 50 </a:t>
+            </a:r>
+            <a:r>
+              <a:rPr lang="en-US" dirty="0" smtClean="0"/>
+              <a:t>errors</a:t>
+            </a:r>
+            <a:endParaRPr lang="en-US" dirty="0" smtClean="0"/>
+          </a:p>
+          <a:p>
+            <a:pPr>
+              <a:buNone/>
+            </a:pPr>
+            <a:r>
+              <a:rPr lang="en-US" dirty="0" err="1" smtClean="0"/>
+              <a:t>ActiveRecord</a:t>
+            </a:r>
+            <a:endParaRPr lang="en-US" dirty="0" smtClean="0"/>
+          </a:p>
+          <a:p>
+            <a:r>
+              <a:rPr lang="en-US" dirty="0" smtClean="0"/>
+              <a:t>29% Pass Rate (!)</a:t>
+            </a:r>
+          </a:p>
+          <a:p>
+            <a:pPr lvl="1"/>
+            <a:r>
+              <a:rPr lang="en-US" dirty="0" smtClean="0"/>
+              <a:t>287 tests, 307 assertions, 22 failures, 182 errors</a:t>
+            </a:r>
+          </a:p>
+          <a:p>
+            <a:pPr lvl="1"/>
+            <a:r>
+              <a:rPr lang="en-US" dirty="0" smtClean="0">
+                <a:solidFill>
+                  <a:srgbClr val="FF0000"/>
+                </a:solidFill>
+              </a:rPr>
+              <a:t>Most failures due </a:t>
+            </a:r>
+            <a:r>
+              <a:rPr lang="en-US" dirty="0" smtClean="0">
+                <a:solidFill>
+                  <a:srgbClr val="FF0000"/>
+                </a:solidFill>
+              </a:rPr>
+              <a:t>to a couple small bugs</a:t>
+            </a:r>
+          </a:p>
+          <a:p>
+            <a:pPr>
+              <a:buNone/>
+            </a:pPr>
+            <a:r>
+              <a:rPr lang="en-US" dirty="0" err="1" smtClean="0"/>
+              <a:t>ActiveSupport</a:t>
+            </a:r>
+            <a:endParaRPr lang="en-US" dirty="0" smtClean="0"/>
+          </a:p>
+          <a:p>
+            <a:r>
+              <a:rPr lang="en-US" dirty="0" smtClean="0"/>
+              <a:t>90% Pass Rate</a:t>
+            </a:r>
+          </a:p>
+          <a:p>
+            <a:pPr lvl="1"/>
+            <a:r>
+              <a:rPr lang="en-US" dirty="0" smtClean="0"/>
+              <a:t>1659 </a:t>
+            </a:r>
+            <a:r>
+              <a:rPr lang="en-US" dirty="0" smtClean="0"/>
+              <a:t>tests, 6842 assertions, 69 failures, 84 errors</a:t>
+            </a:r>
+          </a:p>
+          <a:p>
+            <a:pPr>
+              <a:buNone/>
+            </a:pPr>
+            <a:endParaRPr lang="en-US" dirty="0" smtClean="0"/>
+          </a:p>
+        </p:txBody>
+      </p:sp>
+    </p:spTree>
+  </p:cSld>
+  <p:clrMapOvr>
+    <a:masterClrMapping/>
+  </p:clrMapOvr>
+  <p:transition>
+    <p:fade/>
+  </p:transition>
+  <p:timing>
+    <p:tnLst>
+      <p:par>
+        <p:cTn id="1" dur="indefinite" restart="never" nodeType="tmRoot"/>
+      </p:par>
+    </p:tnLst>
+  </p:timing>
+</p:sld>
+</file>
+
+<file path=ppt/slides/slide16.xml><?xml version="1.0" encoding="utf-8"?>
 <p:sld xmlns:a="http://schemas.openxmlformats.org/drawingml/2006/main" xmlns:r="http://schemas.openxmlformats.org/officeDocument/2006/relationships" xmlns:p="http://schemas.openxmlformats.org/presentationml/2006/main">
   <p:cSld>
     <p:bg>
@@ -8259,101 +8133,6 @@
 </p:sld>
 </file>
 
-<file path=ppt/slides/slide16.xml><?xml version="1.0" encoding="utf-8"?>
-<p:sld xmlns:a="http://schemas.openxmlformats.org/drawingml/2006/main" xmlns:r="http://schemas.openxmlformats.org/officeDocument/2006/relationships" xmlns:p="http://schemas.openxmlformats.org/presentationml/2006/main">
-  <p:cSld>
-    <p:bg>
-      <p:bgPr shadeToTitle="1">
-        <a:solidFill>
-          <a:srgbClr val="25252F"/>
-        </a:solidFill>
-        <a:effectLst/>
-      </p:bgPr>
-    </p:bg>
-    <p:spTree>
-      <p:nvGrpSpPr>
-        <p:cNvPr id="1" name=""/>
-        <p:cNvGrpSpPr/>
-        <p:nvPr/>
-      </p:nvGrpSpPr>
-      <p:grpSpPr>
-        <a:xfrm>
-          <a:off x="0" y="0"/>
-          <a:ext cx="0" cy="0"/>
-          <a:chOff x="0" y="0"/>
-          <a:chExt cx="0" cy="0"/>
-        </a:xfrm>
-      </p:grpSpPr>
-      <p:sp>
-        <p:nvSpPr>
-          <p:cNvPr id="4" name="Title 3"/>
-          <p:cNvSpPr>
-            <a:spLocks noGrp="1"/>
-          </p:cNvSpPr>
-          <p:nvPr>
-            <p:ph type="ctrTitle"/>
-          </p:nvPr>
-        </p:nvSpPr>
-        <p:spPr/>
-        <p:txBody>
-          <a:bodyPr>
-            <a:normAutofit/>
-          </a:bodyPr>
-          <a:lstStyle/>
-          <a:p>
-            <a:r>
-              <a:rPr lang="en-US" sz="8000" dirty="0" smtClean="0"/>
-              <a:t>rack</a:t>
-            </a:r>
-            <a:endParaRPr lang="en-US" sz="8000" dirty="0"/>
-          </a:p>
-        </p:txBody>
-      </p:sp>
-      <p:sp>
-        <p:nvSpPr>
-          <p:cNvPr id="5" name="Subtitle 4"/>
-          <p:cNvSpPr>
-            <a:spLocks noGrp="1"/>
-          </p:cNvSpPr>
-          <p:nvPr>
-            <p:ph type="subTitle" idx="1"/>
-          </p:nvPr>
-        </p:nvSpPr>
-        <p:spPr/>
-        <p:txBody>
-          <a:bodyPr/>
-          <a:lstStyle/>
-          <a:p>
-            <a:r>
-              <a:rPr lang="en-US" b="1" dirty="0" smtClean="0"/>
-              <a:t>Rack</a:t>
-            </a:r>
-            <a:r>
-              <a:rPr lang="en-US" dirty="0" smtClean="0"/>
-              <a:t> provides an minimal interface between web servers supporting Ruby and Ruby frameworks.</a:t>
-            </a:r>
-            <a:endParaRPr lang="en-US" dirty="0"/>
-          </a:p>
-        </p:txBody>
-      </p:sp>
-    </p:spTree>
-  </p:cSld>
-  <p:clrMapOvr>
-    <a:masterClrMapping/>
-  </p:clrMapOvr>
-  <p:transition>
-    <p:fade/>
-  </p:transition>
-  <p:timing>
-    <p:tnLst>
-      <p:par>
-        <p:cTn id="1" dur="indefinite" restart="never" nodeType="tmRoot"/>
-      </p:par>
-    </p:tnLst>
-  </p:timing>
-</p:sld>
-</file>
-
 <file path=ppt/slides/slide17.xml><?xml version="1.0" encoding="utf-8"?>
 <p:sld xmlns:a="http://schemas.openxmlformats.org/drawingml/2006/main" xmlns:r="http://schemas.openxmlformats.org/officeDocument/2006/relationships" xmlns:p="http://schemas.openxmlformats.org/presentationml/2006/main">
   <p:cSld>
@@ -8397,12 +8176,8 @@
           <a:lstStyle/>
           <a:p>
             <a:r>
-              <a:rPr lang="en-US" sz="8000" dirty="0" err="1" smtClean="0"/>
-              <a:t>ironruby</a:t>
-            </a:r>
-            <a:r>
               <a:rPr lang="en-US" sz="8000" dirty="0" smtClean="0"/>
-              <a:t>-rack</a:t>
+              <a:t>rack</a:t>
             </a:r>
             <a:endParaRPr lang="en-US" sz="8000" dirty="0"/>
           </a:p>
@@ -8420,20 +8195,18 @@
         </p:nvSpPr>
         <p:spPr/>
         <p:txBody>
-          <a:bodyPr>
-            <a:normAutofit/>
-          </a:bodyPr>
+          <a:bodyPr/>
           <a:lstStyle/>
           <a:p>
             <a:r>
-              <a:rPr lang="en-US" sz="4800" b="1" dirty="0" smtClean="0"/>
+              <a:rPr lang="en-US" b="1" dirty="0" smtClean="0"/>
               <a:t>Rack</a:t>
             </a:r>
             <a:r>
-              <a:rPr lang="en-US" sz="4800" dirty="0" smtClean="0"/>
-              <a:t> interface between IIS and IronRuby</a:t>
-            </a:r>
-            <a:endParaRPr lang="en-US" sz="4800" dirty="0"/>
+              <a:rPr lang="en-US" dirty="0" smtClean="0"/>
+              <a:t> provides an minimal interface between web servers supporting Ruby and Ruby frameworks.</a:t>
+            </a:r>
+            <a:endParaRPr lang="en-US" dirty="0"/>
           </a:p>
         </p:txBody>
       </p:sp>
@@ -8456,6 +8229,107 @@
 </file>
 
 <file path=ppt/slides/slide18.xml><?xml version="1.0" encoding="utf-8"?>
+<p:sld xmlns:a="http://schemas.openxmlformats.org/drawingml/2006/main" xmlns:r="http://schemas.openxmlformats.org/officeDocument/2006/relationships" xmlns:p="http://schemas.openxmlformats.org/presentationml/2006/main">
+  <p:cSld>
+    <p:bg>
+      <p:bgPr shadeToTitle="1">
+        <a:solidFill>
+          <a:srgbClr val="25252F"/>
+        </a:solidFill>
+        <a:effectLst/>
+      </p:bgPr>
+    </p:bg>
+    <p:spTree>
+      <p:nvGrpSpPr>
+        <p:cNvPr id="1" name=""/>
+        <p:cNvGrpSpPr/>
+        <p:nvPr/>
+      </p:nvGrpSpPr>
+      <p:grpSpPr>
+        <a:xfrm>
+          <a:off x="0" y="0"/>
+          <a:ext cx="0" cy="0"/>
+          <a:chOff x="0" y="0"/>
+          <a:chExt cx="0" cy="0"/>
+        </a:xfrm>
+      </p:grpSpPr>
+      <p:sp>
+        <p:nvSpPr>
+          <p:cNvPr id="4" name="Title 3"/>
+          <p:cNvSpPr>
+            <a:spLocks noGrp="1"/>
+          </p:cNvSpPr>
+          <p:nvPr>
+            <p:ph type="ctrTitle"/>
+          </p:nvPr>
+        </p:nvSpPr>
+        <p:spPr/>
+        <p:txBody>
+          <a:bodyPr>
+            <a:normAutofit/>
+          </a:bodyPr>
+          <a:lstStyle/>
+          <a:p>
+            <a:r>
+              <a:rPr lang="en-US" sz="8000" dirty="0" err="1" smtClean="0"/>
+              <a:t>ironruby</a:t>
+            </a:r>
+            <a:r>
+              <a:rPr lang="en-US" sz="8000" dirty="0" smtClean="0"/>
+              <a:t>-rack</a:t>
+            </a:r>
+            <a:endParaRPr lang="en-US" sz="8000" dirty="0"/>
+          </a:p>
+        </p:txBody>
+      </p:sp>
+      <p:sp>
+        <p:nvSpPr>
+          <p:cNvPr id="5" name="Subtitle 4"/>
+          <p:cNvSpPr>
+            <a:spLocks noGrp="1"/>
+          </p:cNvSpPr>
+          <p:nvPr>
+            <p:ph type="subTitle" idx="1"/>
+          </p:nvPr>
+        </p:nvSpPr>
+        <p:spPr/>
+        <p:txBody>
+          <a:bodyPr>
+            <a:normAutofit/>
+          </a:bodyPr>
+          <a:lstStyle/>
+          <a:p>
+            <a:r>
+              <a:rPr lang="en-US" sz="4800" b="1" dirty="0" smtClean="0"/>
+              <a:t>Rack</a:t>
+            </a:r>
+            <a:r>
+              <a:rPr lang="en-US" sz="4800" dirty="0" smtClean="0"/>
+              <a:t> interface between IIS and IronRuby</a:t>
+            </a:r>
+            <a:endParaRPr lang="en-US" sz="4800" dirty="0"/>
+          </a:p>
+        </p:txBody>
+      </p:sp>
+    </p:spTree>
+  </p:cSld>
+  <p:clrMapOvr>
+    <a:masterClrMapping/>
+  </p:clrMapOvr>
+  <p:transition>
+    <p:fade/>
+  </p:transition>
+  <p:timing>
+    <p:tnLst>
+      <p:par>
+        <p:cTn id="1" dur="indefinite" restart="never" nodeType="tmRoot"/>
+      </p:par>
+    </p:tnLst>
+  </p:timing>
+</p:sld>
+</file>
+
+<file path=ppt/slides/slide19.xml><?xml version="1.0" encoding="utf-8"?>
 <p:sld xmlns:a="http://schemas.openxmlformats.org/drawingml/2006/main" xmlns:r="http://schemas.openxmlformats.org/officeDocument/2006/relationships" xmlns:p="http://schemas.openxmlformats.org/presentationml/2006/main">
   <p:cSld>
     <p:spTree>
@@ -8573,467 +8447,6 @@
   <p:clrMapOvr>
     <a:masterClrMapping/>
   </p:clrMapOvr>
-  <p:timing>
-    <p:tnLst>
-      <p:par>
-        <p:cTn id="1" dur="indefinite" restart="never" nodeType="tmRoot"/>
-      </p:par>
-    </p:tnLst>
-  </p:timing>
-</p:sld>
-</file>
-
-<file path=ppt/slides/slide19.xml><?xml version="1.0" encoding="utf-8"?>
-<p:sld xmlns:a="http://schemas.openxmlformats.org/drawingml/2006/main" xmlns:r="http://schemas.openxmlformats.org/officeDocument/2006/relationships" xmlns:p="http://schemas.openxmlformats.org/presentationml/2006/main" show="0">
-  <p:cSld>
-    <p:spTree>
-      <p:nvGrpSpPr>
-        <p:cNvPr id="1" name=""/>
-        <p:cNvGrpSpPr/>
-        <p:nvPr/>
-      </p:nvGrpSpPr>
-      <p:grpSpPr>
-        <a:xfrm>
-          <a:off x="0" y="0"/>
-          <a:ext cx="0" cy="0"/>
-          <a:chOff x="0" y="0"/>
-          <a:chExt cx="0" cy="0"/>
-        </a:xfrm>
-      </p:grpSpPr>
-      <p:sp>
-        <p:nvSpPr>
-          <p:cNvPr id="16" name="Down Arrow 15"/>
-          <p:cNvSpPr/>
-          <p:nvPr/>
-        </p:nvSpPr>
-        <p:spPr>
-          <a:xfrm rot="16200000">
-            <a:off x="5490713" y="4415287"/>
-            <a:ext cx="457200" cy="923026"/>
-          </a:xfrm>
-          <a:prstGeom prst="downArrow">
-            <a:avLst/>
-          </a:prstGeom>
-        </p:spPr>
-        <p:style>
-          <a:lnRef idx="1">
-            <a:schemeClr val="accent3"/>
-          </a:lnRef>
-          <a:fillRef idx="3">
-            <a:schemeClr val="accent3"/>
-          </a:fillRef>
-          <a:effectRef idx="2">
-            <a:schemeClr val="accent3"/>
-          </a:effectRef>
-          <a:fontRef idx="minor">
-            <a:schemeClr val="lt1"/>
-          </a:fontRef>
-        </p:style>
-        <p:txBody>
-          <a:bodyPr rtlCol="0" anchor="ctr"/>
-          <a:lstStyle/>
-          <a:p>
-            <a:pPr algn="ctr"/>
-            <a:endParaRPr lang="en-US"/>
-          </a:p>
-        </p:txBody>
-      </p:sp>
-      <p:sp>
-        <p:nvSpPr>
-          <p:cNvPr id="6" name="Rounded Rectangle 5"/>
-          <p:cNvSpPr/>
-          <p:nvPr/>
-        </p:nvSpPr>
-        <p:spPr>
-          <a:xfrm>
-            <a:off x="3810000" y="4495800"/>
-            <a:ext cx="1524000" cy="762000"/>
-          </a:xfrm>
-          <a:prstGeom prst="roundRect">
-            <a:avLst/>
-          </a:prstGeom>
-        </p:spPr>
-        <p:style>
-          <a:lnRef idx="1">
-            <a:schemeClr val="accent2"/>
-          </a:lnRef>
-          <a:fillRef idx="2">
-            <a:schemeClr val="accent2"/>
-          </a:fillRef>
-          <a:effectRef idx="1">
-            <a:schemeClr val="accent2"/>
-          </a:effectRef>
-          <a:fontRef idx="minor">
-            <a:schemeClr val="dk1"/>
-          </a:fontRef>
-        </p:style>
-        <p:txBody>
-          <a:bodyPr rtlCol="0" anchor="ctr"/>
-          <a:lstStyle/>
-          <a:p>
-            <a:pPr algn="ctr"/>
-            <a:r>
-              <a:rPr lang="en-US" dirty="0" smtClean="0"/>
-              <a:t>Rack</a:t>
-            </a:r>
-            <a:endParaRPr lang="en-US" dirty="0"/>
-          </a:p>
-        </p:txBody>
-      </p:sp>
-      <p:sp>
-        <p:nvSpPr>
-          <p:cNvPr id="10" name="Curved Left Arrow 9"/>
-          <p:cNvSpPr/>
-          <p:nvPr/>
-        </p:nvSpPr>
-        <p:spPr>
-          <a:xfrm rot="5400000">
-            <a:off x="5414735" y="4719865"/>
-            <a:ext cx="609600" cy="1685471"/>
-          </a:xfrm>
-          <a:prstGeom prst="curvedLeftArrow">
-            <a:avLst/>
-          </a:prstGeom>
-        </p:spPr>
-        <p:style>
-          <a:lnRef idx="1">
-            <a:schemeClr val="accent3"/>
-          </a:lnRef>
-          <a:fillRef idx="3">
-            <a:schemeClr val="accent3"/>
-          </a:fillRef>
-          <a:effectRef idx="2">
-            <a:schemeClr val="accent3"/>
-          </a:effectRef>
-          <a:fontRef idx="minor">
-            <a:schemeClr val="lt1"/>
-          </a:fontRef>
-        </p:style>
-        <p:txBody>
-          <a:bodyPr rtlCol="0" anchor="ctr"/>
-          <a:lstStyle/>
-          <a:p>
-            <a:pPr algn="ctr"/>
-            <a:endParaRPr lang="en-US">
-              <a:solidFill>
-                <a:schemeClr val="tx1"/>
-              </a:solidFill>
-            </a:endParaRPr>
-          </a:p>
-        </p:txBody>
-      </p:sp>
-      <p:sp>
-        <p:nvSpPr>
-          <p:cNvPr id="12" name="Cloud Callout 11"/>
-          <p:cNvSpPr/>
-          <p:nvPr/>
-        </p:nvSpPr>
-        <p:spPr>
-          <a:xfrm rot="5400000">
-            <a:off x="-837553" y="445002"/>
-            <a:ext cx="2602354" cy="1689247"/>
-          </a:xfrm>
-          <a:prstGeom prst="cloudCallout">
-            <a:avLst/>
-          </a:prstGeom>
-        </p:spPr>
-        <p:style>
-          <a:lnRef idx="1">
-            <a:schemeClr val="dk1"/>
-          </a:lnRef>
-          <a:fillRef idx="2">
-            <a:schemeClr val="dk1"/>
-          </a:fillRef>
-          <a:effectRef idx="1">
-            <a:schemeClr val="dk1"/>
-          </a:effectRef>
-          <a:fontRef idx="minor">
-            <a:schemeClr val="dk1"/>
-          </a:fontRef>
-        </p:style>
-        <p:txBody>
-          <a:bodyPr vert="vert270" rtlCol="0" anchor="ctr"/>
-          <a:lstStyle/>
-          <a:p>
-            <a:pPr algn="ctr"/>
-            <a:r>
-              <a:rPr lang="en-US" dirty="0" smtClean="0"/>
-              <a:t>The Cloud</a:t>
-            </a:r>
-            <a:endParaRPr lang="en-US" dirty="0"/>
-          </a:p>
-        </p:txBody>
-      </p:sp>
-      <p:sp>
-        <p:nvSpPr>
-          <p:cNvPr id="13" name="Left-Right Arrow 12"/>
-          <p:cNvSpPr/>
-          <p:nvPr/>
-        </p:nvSpPr>
-        <p:spPr>
-          <a:xfrm>
-            <a:off x="1295400" y="1447800"/>
-            <a:ext cx="2514600" cy="838200"/>
-          </a:xfrm>
-          <a:prstGeom prst="leftRightArrow">
-            <a:avLst/>
-          </a:prstGeom>
-        </p:spPr>
-        <p:style>
-          <a:lnRef idx="1">
-            <a:schemeClr val="accent3"/>
-          </a:lnRef>
-          <a:fillRef idx="3">
-            <a:schemeClr val="accent3"/>
-          </a:fillRef>
-          <a:effectRef idx="2">
-            <a:schemeClr val="accent3"/>
-          </a:effectRef>
-          <a:fontRef idx="minor">
-            <a:schemeClr val="lt1"/>
-          </a:fontRef>
-        </p:style>
-        <p:txBody>
-          <a:bodyPr rtlCol="0" anchor="ctr"/>
-          <a:lstStyle/>
-          <a:p>
-            <a:pPr algn="ctr"/>
-            <a:r>
-              <a:rPr lang="en-US" dirty="0" smtClean="0"/>
-              <a:t>Request/Response</a:t>
-            </a:r>
-            <a:endParaRPr lang="en-US" dirty="0"/>
-          </a:p>
-        </p:txBody>
-      </p:sp>
-      <p:sp>
-        <p:nvSpPr>
-          <p:cNvPr id="15" name="Down Arrow 14"/>
-          <p:cNvSpPr/>
-          <p:nvPr/>
-        </p:nvSpPr>
-        <p:spPr>
-          <a:xfrm>
-            <a:off x="4343400" y="3657600"/>
-            <a:ext cx="457200" cy="923026"/>
-          </a:xfrm>
-          <a:prstGeom prst="downArrow">
-            <a:avLst/>
-          </a:prstGeom>
-        </p:spPr>
-        <p:style>
-          <a:lnRef idx="1">
-            <a:schemeClr val="accent3"/>
-          </a:lnRef>
-          <a:fillRef idx="3">
-            <a:schemeClr val="accent3"/>
-          </a:fillRef>
-          <a:effectRef idx="2">
-            <a:schemeClr val="accent3"/>
-          </a:effectRef>
-          <a:fontRef idx="minor">
-            <a:schemeClr val="lt1"/>
-          </a:fontRef>
-        </p:style>
-        <p:txBody>
-          <a:bodyPr rtlCol="0" anchor="ctr"/>
-          <a:lstStyle/>
-          <a:p>
-            <a:pPr algn="ctr"/>
-            <a:endParaRPr lang="en-US"/>
-          </a:p>
-        </p:txBody>
-      </p:sp>
-      <p:sp>
-        <p:nvSpPr>
-          <p:cNvPr id="5" name="Rounded Rectangle 4"/>
-          <p:cNvSpPr/>
-          <p:nvPr/>
-        </p:nvSpPr>
-        <p:spPr>
-          <a:xfrm>
-            <a:off x="3810000" y="2971800"/>
-            <a:ext cx="1524000" cy="762000"/>
-          </a:xfrm>
-          <a:prstGeom prst="roundRect">
-            <a:avLst/>
-          </a:prstGeom>
-        </p:spPr>
-        <p:style>
-          <a:lnRef idx="1">
-            <a:schemeClr val="accent2"/>
-          </a:lnRef>
-          <a:fillRef idx="2">
-            <a:schemeClr val="accent2"/>
-          </a:fillRef>
-          <a:effectRef idx="1">
-            <a:schemeClr val="accent2"/>
-          </a:effectRef>
-          <a:fontRef idx="minor">
-            <a:schemeClr val="dk1"/>
-          </a:fontRef>
-        </p:style>
-        <p:txBody>
-          <a:bodyPr rtlCol="0" anchor="ctr"/>
-          <a:lstStyle/>
-          <a:p>
-            <a:pPr algn="ctr"/>
-            <a:r>
-              <a:rPr lang="en-US" dirty="0" err="1" smtClean="0"/>
-              <a:t>WEBrick</a:t>
-            </a:r>
-            <a:r>
-              <a:rPr lang="en-US" dirty="0" smtClean="0"/>
-              <a:t> </a:t>
-            </a:r>
-          </a:p>
-          <a:p>
-            <a:pPr algn="ctr"/>
-            <a:r>
-              <a:rPr lang="en-US" dirty="0" smtClean="0"/>
-              <a:t>Rack Handler</a:t>
-            </a:r>
-            <a:endParaRPr lang="en-US" sz="1400" dirty="0"/>
-          </a:p>
-        </p:txBody>
-      </p:sp>
-      <p:sp>
-        <p:nvSpPr>
-          <p:cNvPr id="8" name="Down Arrow 7"/>
-          <p:cNvSpPr/>
-          <p:nvPr/>
-        </p:nvSpPr>
-        <p:spPr>
-          <a:xfrm>
-            <a:off x="4343400" y="2133600"/>
-            <a:ext cx="457200" cy="923026"/>
-          </a:xfrm>
-          <a:prstGeom prst="downArrow">
-            <a:avLst/>
-          </a:prstGeom>
-        </p:spPr>
-        <p:style>
-          <a:lnRef idx="1">
-            <a:schemeClr val="accent3"/>
-          </a:lnRef>
-          <a:fillRef idx="3">
-            <a:schemeClr val="accent3"/>
-          </a:fillRef>
-          <a:effectRef idx="2">
-            <a:schemeClr val="accent3"/>
-          </a:effectRef>
-          <a:fontRef idx="minor">
-            <a:schemeClr val="lt1"/>
-          </a:fontRef>
-        </p:style>
-        <p:txBody>
-          <a:bodyPr rtlCol="0" anchor="ctr"/>
-          <a:lstStyle/>
-          <a:p>
-            <a:pPr algn="ctr"/>
-            <a:endParaRPr lang="en-US"/>
-          </a:p>
-        </p:txBody>
-      </p:sp>
-      <p:sp>
-        <p:nvSpPr>
-          <p:cNvPr id="4" name="Rounded Rectangle 3"/>
-          <p:cNvSpPr/>
-          <p:nvPr/>
-        </p:nvSpPr>
-        <p:spPr>
-          <a:xfrm>
-            <a:off x="3810000" y="1447800"/>
-            <a:ext cx="1524000" cy="762000"/>
-          </a:xfrm>
-          <a:prstGeom prst="roundRect">
-            <a:avLst/>
-          </a:prstGeom>
-        </p:spPr>
-        <p:style>
-          <a:lnRef idx="1">
-            <a:schemeClr val="accent2"/>
-          </a:lnRef>
-          <a:fillRef idx="2">
-            <a:schemeClr val="accent2"/>
-          </a:fillRef>
-          <a:effectRef idx="1">
-            <a:schemeClr val="accent2"/>
-          </a:effectRef>
-          <a:fontRef idx="minor">
-            <a:schemeClr val="dk1"/>
-          </a:fontRef>
-        </p:style>
-        <p:txBody>
-          <a:bodyPr rtlCol="0" anchor="ctr"/>
-          <a:lstStyle/>
-          <a:p>
-            <a:pPr algn="ctr"/>
-            <a:r>
-              <a:rPr lang="en-US" dirty="0" err="1" smtClean="0"/>
-              <a:t>WEBrick</a:t>
-            </a:r>
-            <a:endParaRPr lang="en-US" dirty="0"/>
-          </a:p>
-        </p:txBody>
-      </p:sp>
-      <p:sp>
-        <p:nvSpPr>
-          <p:cNvPr id="7" name="Rounded Rectangle 6"/>
-          <p:cNvSpPr/>
-          <p:nvPr/>
-        </p:nvSpPr>
-        <p:spPr>
-          <a:xfrm>
-            <a:off x="6172200" y="4495800"/>
-            <a:ext cx="1524000" cy="762000"/>
-          </a:xfrm>
-          <a:prstGeom prst="roundRect">
-            <a:avLst/>
-          </a:prstGeom>
-        </p:spPr>
-        <p:style>
-          <a:lnRef idx="1">
-            <a:schemeClr val="accent2"/>
-          </a:lnRef>
-          <a:fillRef idx="2">
-            <a:schemeClr val="accent2"/>
-          </a:fillRef>
-          <a:effectRef idx="1">
-            <a:schemeClr val="accent2"/>
-          </a:effectRef>
-          <a:fontRef idx="minor">
-            <a:schemeClr val="dk1"/>
-          </a:fontRef>
-        </p:style>
-        <p:txBody>
-          <a:bodyPr rtlCol="0" anchor="ctr"/>
-          <a:lstStyle/>
-          <a:p>
-            <a:pPr algn="ctr"/>
-            <a:r>
-              <a:rPr lang="en-US" dirty="0" smtClean="0"/>
-              <a:t>Application</a:t>
-            </a:r>
-          </a:p>
-          <a:p>
-            <a:pPr algn="ctr"/>
-            <a:r>
-              <a:rPr lang="en-US" dirty="0" smtClean="0"/>
-              <a:t>(Rails, etc)</a:t>
-            </a:r>
-            <a:endParaRPr lang="en-US" dirty="0"/>
-          </a:p>
-        </p:txBody>
-      </p:sp>
-    </p:spTree>
-  </p:cSld>
-  <p:clrMapOvr>
-    <a:masterClrMapping/>
-  </p:clrMapOvr>
-  <p:transition>
-    <p:fade/>
-  </p:transition>
   <p:timing>
     <p:tnLst>
       <p:par>
@@ -9187,6 +8600,467 @@
 </file>
 
 <file path=ppt/slides/slide20.xml><?xml version="1.0" encoding="utf-8"?>
+<p:sld xmlns:a="http://schemas.openxmlformats.org/drawingml/2006/main" xmlns:r="http://schemas.openxmlformats.org/officeDocument/2006/relationships" xmlns:p="http://schemas.openxmlformats.org/presentationml/2006/main" show="0">
+  <p:cSld>
+    <p:spTree>
+      <p:nvGrpSpPr>
+        <p:cNvPr id="1" name=""/>
+        <p:cNvGrpSpPr/>
+        <p:nvPr/>
+      </p:nvGrpSpPr>
+      <p:grpSpPr>
+        <a:xfrm>
+          <a:off x="0" y="0"/>
+          <a:ext cx="0" cy="0"/>
+          <a:chOff x="0" y="0"/>
+          <a:chExt cx="0" cy="0"/>
+        </a:xfrm>
+      </p:grpSpPr>
+      <p:sp>
+        <p:nvSpPr>
+          <p:cNvPr id="16" name="Down Arrow 15"/>
+          <p:cNvSpPr/>
+          <p:nvPr/>
+        </p:nvSpPr>
+        <p:spPr>
+          <a:xfrm rot="16200000">
+            <a:off x="5490713" y="4415287"/>
+            <a:ext cx="457200" cy="923026"/>
+          </a:xfrm>
+          <a:prstGeom prst="downArrow">
+            <a:avLst/>
+          </a:prstGeom>
+        </p:spPr>
+        <p:style>
+          <a:lnRef idx="1">
+            <a:schemeClr val="accent3"/>
+          </a:lnRef>
+          <a:fillRef idx="3">
+            <a:schemeClr val="accent3"/>
+          </a:fillRef>
+          <a:effectRef idx="2">
+            <a:schemeClr val="accent3"/>
+          </a:effectRef>
+          <a:fontRef idx="minor">
+            <a:schemeClr val="lt1"/>
+          </a:fontRef>
+        </p:style>
+        <p:txBody>
+          <a:bodyPr rtlCol="0" anchor="ctr"/>
+          <a:lstStyle/>
+          <a:p>
+            <a:pPr algn="ctr"/>
+            <a:endParaRPr lang="en-US"/>
+          </a:p>
+        </p:txBody>
+      </p:sp>
+      <p:sp>
+        <p:nvSpPr>
+          <p:cNvPr id="6" name="Rounded Rectangle 5"/>
+          <p:cNvSpPr/>
+          <p:nvPr/>
+        </p:nvSpPr>
+        <p:spPr>
+          <a:xfrm>
+            <a:off x="3810000" y="4495800"/>
+            <a:ext cx="1524000" cy="762000"/>
+          </a:xfrm>
+          <a:prstGeom prst="roundRect">
+            <a:avLst/>
+          </a:prstGeom>
+        </p:spPr>
+        <p:style>
+          <a:lnRef idx="1">
+            <a:schemeClr val="accent2"/>
+          </a:lnRef>
+          <a:fillRef idx="2">
+            <a:schemeClr val="accent2"/>
+          </a:fillRef>
+          <a:effectRef idx="1">
+            <a:schemeClr val="accent2"/>
+          </a:effectRef>
+          <a:fontRef idx="minor">
+            <a:schemeClr val="dk1"/>
+          </a:fontRef>
+        </p:style>
+        <p:txBody>
+          <a:bodyPr rtlCol="0" anchor="ctr"/>
+          <a:lstStyle/>
+          <a:p>
+            <a:pPr algn="ctr"/>
+            <a:r>
+              <a:rPr lang="en-US" dirty="0" smtClean="0"/>
+              <a:t>Rack</a:t>
+            </a:r>
+            <a:endParaRPr lang="en-US" dirty="0"/>
+          </a:p>
+        </p:txBody>
+      </p:sp>
+      <p:sp>
+        <p:nvSpPr>
+          <p:cNvPr id="10" name="Curved Left Arrow 9"/>
+          <p:cNvSpPr/>
+          <p:nvPr/>
+        </p:nvSpPr>
+        <p:spPr>
+          <a:xfrm rot="5400000">
+            <a:off x="5414735" y="4719865"/>
+            <a:ext cx="609600" cy="1685471"/>
+          </a:xfrm>
+          <a:prstGeom prst="curvedLeftArrow">
+            <a:avLst/>
+          </a:prstGeom>
+        </p:spPr>
+        <p:style>
+          <a:lnRef idx="1">
+            <a:schemeClr val="accent3"/>
+          </a:lnRef>
+          <a:fillRef idx="3">
+            <a:schemeClr val="accent3"/>
+          </a:fillRef>
+          <a:effectRef idx="2">
+            <a:schemeClr val="accent3"/>
+          </a:effectRef>
+          <a:fontRef idx="minor">
+            <a:schemeClr val="lt1"/>
+          </a:fontRef>
+        </p:style>
+        <p:txBody>
+          <a:bodyPr rtlCol="0" anchor="ctr"/>
+          <a:lstStyle/>
+          <a:p>
+            <a:pPr algn="ctr"/>
+            <a:endParaRPr lang="en-US">
+              <a:solidFill>
+                <a:schemeClr val="tx1"/>
+              </a:solidFill>
+            </a:endParaRPr>
+          </a:p>
+        </p:txBody>
+      </p:sp>
+      <p:sp>
+        <p:nvSpPr>
+          <p:cNvPr id="12" name="Cloud Callout 11"/>
+          <p:cNvSpPr/>
+          <p:nvPr/>
+        </p:nvSpPr>
+        <p:spPr>
+          <a:xfrm rot="5400000">
+            <a:off x="-837553" y="445002"/>
+            <a:ext cx="2602354" cy="1689247"/>
+          </a:xfrm>
+          <a:prstGeom prst="cloudCallout">
+            <a:avLst/>
+          </a:prstGeom>
+        </p:spPr>
+        <p:style>
+          <a:lnRef idx="1">
+            <a:schemeClr val="dk1"/>
+          </a:lnRef>
+          <a:fillRef idx="2">
+            <a:schemeClr val="dk1"/>
+          </a:fillRef>
+          <a:effectRef idx="1">
+            <a:schemeClr val="dk1"/>
+          </a:effectRef>
+          <a:fontRef idx="minor">
+            <a:schemeClr val="dk1"/>
+          </a:fontRef>
+        </p:style>
+        <p:txBody>
+          <a:bodyPr vert="vert270" rtlCol="0" anchor="ctr"/>
+          <a:lstStyle/>
+          <a:p>
+            <a:pPr algn="ctr"/>
+            <a:r>
+              <a:rPr lang="en-US" dirty="0" smtClean="0"/>
+              <a:t>The Cloud</a:t>
+            </a:r>
+            <a:endParaRPr lang="en-US" dirty="0"/>
+          </a:p>
+        </p:txBody>
+      </p:sp>
+      <p:sp>
+        <p:nvSpPr>
+          <p:cNvPr id="13" name="Left-Right Arrow 12"/>
+          <p:cNvSpPr/>
+          <p:nvPr/>
+        </p:nvSpPr>
+        <p:spPr>
+          <a:xfrm>
+            <a:off x="1295400" y="1447800"/>
+            <a:ext cx="2514600" cy="838200"/>
+          </a:xfrm>
+          <a:prstGeom prst="leftRightArrow">
+            <a:avLst/>
+          </a:prstGeom>
+        </p:spPr>
+        <p:style>
+          <a:lnRef idx="1">
+            <a:schemeClr val="accent3"/>
+          </a:lnRef>
+          <a:fillRef idx="3">
+            <a:schemeClr val="accent3"/>
+          </a:fillRef>
+          <a:effectRef idx="2">
+            <a:schemeClr val="accent3"/>
+          </a:effectRef>
+          <a:fontRef idx="minor">
+            <a:schemeClr val="lt1"/>
+          </a:fontRef>
+        </p:style>
+        <p:txBody>
+          <a:bodyPr rtlCol="0" anchor="ctr"/>
+          <a:lstStyle/>
+          <a:p>
+            <a:pPr algn="ctr"/>
+            <a:r>
+              <a:rPr lang="en-US" dirty="0" smtClean="0"/>
+              <a:t>Request/Response</a:t>
+            </a:r>
+            <a:endParaRPr lang="en-US" dirty="0"/>
+          </a:p>
+        </p:txBody>
+      </p:sp>
+      <p:sp>
+        <p:nvSpPr>
+          <p:cNvPr id="15" name="Down Arrow 14"/>
+          <p:cNvSpPr/>
+          <p:nvPr/>
+        </p:nvSpPr>
+        <p:spPr>
+          <a:xfrm>
+            <a:off x="4343400" y="3657600"/>
+            <a:ext cx="457200" cy="923026"/>
+          </a:xfrm>
+          <a:prstGeom prst="downArrow">
+            <a:avLst/>
+          </a:prstGeom>
+        </p:spPr>
+        <p:style>
+          <a:lnRef idx="1">
+            <a:schemeClr val="accent3"/>
+          </a:lnRef>
+          <a:fillRef idx="3">
+            <a:schemeClr val="accent3"/>
+          </a:fillRef>
+          <a:effectRef idx="2">
+            <a:schemeClr val="accent3"/>
+          </a:effectRef>
+          <a:fontRef idx="minor">
+            <a:schemeClr val="lt1"/>
+          </a:fontRef>
+        </p:style>
+        <p:txBody>
+          <a:bodyPr rtlCol="0" anchor="ctr"/>
+          <a:lstStyle/>
+          <a:p>
+            <a:pPr algn="ctr"/>
+            <a:endParaRPr lang="en-US"/>
+          </a:p>
+        </p:txBody>
+      </p:sp>
+      <p:sp>
+        <p:nvSpPr>
+          <p:cNvPr id="5" name="Rounded Rectangle 4"/>
+          <p:cNvSpPr/>
+          <p:nvPr/>
+        </p:nvSpPr>
+        <p:spPr>
+          <a:xfrm>
+            <a:off x="3810000" y="2971800"/>
+            <a:ext cx="1524000" cy="762000"/>
+          </a:xfrm>
+          <a:prstGeom prst="roundRect">
+            <a:avLst/>
+          </a:prstGeom>
+        </p:spPr>
+        <p:style>
+          <a:lnRef idx="1">
+            <a:schemeClr val="accent2"/>
+          </a:lnRef>
+          <a:fillRef idx="2">
+            <a:schemeClr val="accent2"/>
+          </a:fillRef>
+          <a:effectRef idx="1">
+            <a:schemeClr val="accent2"/>
+          </a:effectRef>
+          <a:fontRef idx="minor">
+            <a:schemeClr val="dk1"/>
+          </a:fontRef>
+        </p:style>
+        <p:txBody>
+          <a:bodyPr rtlCol="0" anchor="ctr"/>
+          <a:lstStyle/>
+          <a:p>
+            <a:pPr algn="ctr"/>
+            <a:r>
+              <a:rPr lang="en-US" dirty="0" err="1" smtClean="0"/>
+              <a:t>WEBrick</a:t>
+            </a:r>
+            <a:r>
+              <a:rPr lang="en-US" dirty="0" smtClean="0"/>
+              <a:t> </a:t>
+            </a:r>
+          </a:p>
+          <a:p>
+            <a:pPr algn="ctr"/>
+            <a:r>
+              <a:rPr lang="en-US" dirty="0" smtClean="0"/>
+              <a:t>Rack Handler</a:t>
+            </a:r>
+            <a:endParaRPr lang="en-US" sz="1400" dirty="0"/>
+          </a:p>
+        </p:txBody>
+      </p:sp>
+      <p:sp>
+        <p:nvSpPr>
+          <p:cNvPr id="8" name="Down Arrow 7"/>
+          <p:cNvSpPr/>
+          <p:nvPr/>
+        </p:nvSpPr>
+        <p:spPr>
+          <a:xfrm>
+            <a:off x="4343400" y="2133600"/>
+            <a:ext cx="457200" cy="923026"/>
+          </a:xfrm>
+          <a:prstGeom prst="downArrow">
+            <a:avLst/>
+          </a:prstGeom>
+        </p:spPr>
+        <p:style>
+          <a:lnRef idx="1">
+            <a:schemeClr val="accent3"/>
+          </a:lnRef>
+          <a:fillRef idx="3">
+            <a:schemeClr val="accent3"/>
+          </a:fillRef>
+          <a:effectRef idx="2">
+            <a:schemeClr val="accent3"/>
+          </a:effectRef>
+          <a:fontRef idx="minor">
+            <a:schemeClr val="lt1"/>
+          </a:fontRef>
+        </p:style>
+        <p:txBody>
+          <a:bodyPr rtlCol="0" anchor="ctr"/>
+          <a:lstStyle/>
+          <a:p>
+            <a:pPr algn="ctr"/>
+            <a:endParaRPr lang="en-US"/>
+          </a:p>
+        </p:txBody>
+      </p:sp>
+      <p:sp>
+        <p:nvSpPr>
+          <p:cNvPr id="4" name="Rounded Rectangle 3"/>
+          <p:cNvSpPr/>
+          <p:nvPr/>
+        </p:nvSpPr>
+        <p:spPr>
+          <a:xfrm>
+            <a:off x="3810000" y="1447800"/>
+            <a:ext cx="1524000" cy="762000"/>
+          </a:xfrm>
+          <a:prstGeom prst="roundRect">
+            <a:avLst/>
+          </a:prstGeom>
+        </p:spPr>
+        <p:style>
+          <a:lnRef idx="1">
+            <a:schemeClr val="accent2"/>
+          </a:lnRef>
+          <a:fillRef idx="2">
+            <a:schemeClr val="accent2"/>
+          </a:fillRef>
+          <a:effectRef idx="1">
+            <a:schemeClr val="accent2"/>
+          </a:effectRef>
+          <a:fontRef idx="minor">
+            <a:schemeClr val="dk1"/>
+          </a:fontRef>
+        </p:style>
+        <p:txBody>
+          <a:bodyPr rtlCol="0" anchor="ctr"/>
+          <a:lstStyle/>
+          <a:p>
+            <a:pPr algn="ctr"/>
+            <a:r>
+              <a:rPr lang="en-US" dirty="0" err="1" smtClean="0"/>
+              <a:t>WEBrick</a:t>
+            </a:r>
+            <a:endParaRPr lang="en-US" dirty="0"/>
+          </a:p>
+        </p:txBody>
+      </p:sp>
+      <p:sp>
+        <p:nvSpPr>
+          <p:cNvPr id="7" name="Rounded Rectangle 6"/>
+          <p:cNvSpPr/>
+          <p:nvPr/>
+        </p:nvSpPr>
+        <p:spPr>
+          <a:xfrm>
+            <a:off x="6172200" y="4495800"/>
+            <a:ext cx="1524000" cy="762000"/>
+          </a:xfrm>
+          <a:prstGeom prst="roundRect">
+            <a:avLst/>
+          </a:prstGeom>
+        </p:spPr>
+        <p:style>
+          <a:lnRef idx="1">
+            <a:schemeClr val="accent2"/>
+          </a:lnRef>
+          <a:fillRef idx="2">
+            <a:schemeClr val="accent2"/>
+          </a:fillRef>
+          <a:effectRef idx="1">
+            <a:schemeClr val="accent2"/>
+          </a:effectRef>
+          <a:fontRef idx="minor">
+            <a:schemeClr val="dk1"/>
+          </a:fontRef>
+        </p:style>
+        <p:txBody>
+          <a:bodyPr rtlCol="0" anchor="ctr"/>
+          <a:lstStyle/>
+          <a:p>
+            <a:pPr algn="ctr"/>
+            <a:r>
+              <a:rPr lang="en-US" dirty="0" smtClean="0"/>
+              <a:t>Application</a:t>
+            </a:r>
+          </a:p>
+          <a:p>
+            <a:pPr algn="ctr"/>
+            <a:r>
+              <a:rPr lang="en-US" dirty="0" smtClean="0"/>
+              <a:t>(Rails, etc)</a:t>
+            </a:r>
+            <a:endParaRPr lang="en-US" dirty="0"/>
+          </a:p>
+        </p:txBody>
+      </p:sp>
+    </p:spTree>
+  </p:cSld>
+  <p:clrMapOvr>
+    <a:masterClrMapping/>
+  </p:clrMapOvr>
+  <p:transition>
+    <p:fade/>
+  </p:transition>
+  <p:timing>
+    <p:tnLst>
+      <p:par>
+        <p:cTn id="1" dur="indefinite" restart="never" nodeType="tmRoot"/>
+      </p:par>
+    </p:tnLst>
+  </p:timing>
+</p:sld>
+</file>
+
+<file path=ppt/slides/slide21.xml><?xml version="1.0" encoding="utf-8"?>
 <p:sld xmlns:a="http://schemas.openxmlformats.org/drawingml/2006/main" xmlns:r="http://schemas.openxmlformats.org/officeDocument/2006/relationships" xmlns:p="http://schemas.openxmlformats.org/presentationml/2006/main" show="0">
   <p:cSld>
     <p:spTree>
@@ -9703,8 +9577,8 @@
 </p:sld>
 </file>
 
-<file path=ppt/slides/slide21.xml><?xml version="1.0" encoding="utf-8"?>
-<p:sld xmlns:a="http://schemas.openxmlformats.org/drawingml/2006/main" xmlns:r="http://schemas.openxmlformats.org/officeDocument/2006/relationships" xmlns:p="http://schemas.openxmlformats.org/presentationml/2006/main">
+<file path=ppt/slides/slide22.xml><?xml version="1.0" encoding="utf-8"?>
+<p:sld xmlns:a="http://schemas.openxmlformats.org/drawingml/2006/main" xmlns:r="http://schemas.openxmlformats.org/officeDocument/2006/relationships" xmlns:p="http://schemas.openxmlformats.org/presentationml/2006/main" show="0">
   <p:cSld>
     <p:spTree>
       <p:nvGrpSpPr>
@@ -9820,6 +9694,7 @@
   <p:clrMapOvr>
     <a:masterClrMapping/>
   </p:clrMapOvr>
+  <p:transition/>
   <p:timing>
     <p:tnLst>
       <p:par>
@@ -9830,7 +9705,7 @@
 </p:sld>
 </file>
 
-<file path=ppt/slides/slide22.xml><?xml version="1.0" encoding="utf-8"?>
+<file path=ppt/slides/slide23.xml><?xml version="1.0" encoding="utf-8"?>
 <p:sld xmlns:a="http://schemas.openxmlformats.org/drawingml/2006/main" xmlns:r="http://schemas.openxmlformats.org/officeDocument/2006/relationships" xmlns:p="http://schemas.openxmlformats.org/presentationml/2006/main">
   <p:cSld>
     <p:bg>
@@ -9857,6 +9732,43 @@
           <a:chExt cx="0" cy="0"/>
         </a:xfrm>
       </p:grpSpPr>
+      <p:pic>
+        <p:nvPicPr>
+          <p:cNvPr id="21506" name="Picture 2" descr="http://www-scf.usc.edu/~nwisniew/iom431/purple_pimp_hat.gif"/>
+          <p:cNvPicPr>
+            <a:picLocks noChangeAspect="1" noChangeArrowheads="1"/>
+          </p:cNvPicPr>
+          <p:nvPr/>
+        </p:nvPicPr>
+        <p:blipFill>
+          <a:blip r:embed="rId3" cstate="print">
+            <a:clrChange>
+              <a:clrFrom>
+                <a:srgbClr val="FCFCFC"/>
+              </a:clrFrom>
+              <a:clrTo>
+                <a:srgbClr val="FCFCFC">
+                  <a:alpha val="0"/>
+                </a:srgbClr>
+              </a:clrTo>
+            </a:clrChange>
+          </a:blip>
+          <a:srcRect/>
+          <a:stretch>
+            <a:fillRect/>
+          </a:stretch>
+        </p:blipFill>
+        <p:spPr bwMode="auto">
+          <a:xfrm>
+            <a:off x="2209800" y="2848050"/>
+            <a:ext cx="5029200" cy="4009950"/>
+          </a:xfrm>
+          <a:prstGeom prst="rect">
+            <a:avLst/>
+          </a:prstGeom>
+          <a:noFill/>
+        </p:spPr>
+      </p:pic>
       <p:sp>
         <p:nvSpPr>
           <p:cNvPr id="4" name="Title 3"/>
@@ -9880,11 +9792,25 @@
           <a:lstStyle/>
           <a:p>
             <a:r>
-              <a:rPr lang="en-US" sz="3600" smtClean="0">
-                <a:latin typeface="Consolas" pitchFamily="49" charset="0"/>
-                <a:cs typeface="Consolas" pitchFamily="49" charset="0"/>
-              </a:rPr>
-              <a:t>System::Console.write_line "hello"</a:t>
+              <a:rPr lang="en-US" sz="3600" dirty="0" smtClean="0">
+                <a:latin typeface="Consolas" pitchFamily="49" charset="0"/>
+                <a:cs typeface="Consolas" pitchFamily="49" charset="0"/>
+              </a:rPr>
+              <a:t>System::</a:t>
+            </a:r>
+            <a:r>
+              <a:rPr lang="en-US" sz="3600" dirty="0" err="1" smtClean="0">
+                <a:latin typeface="Consolas" pitchFamily="49" charset="0"/>
+                <a:cs typeface="Consolas" pitchFamily="49" charset="0"/>
+              </a:rPr>
+              <a:t>Console.write_line</a:t>
+            </a:r>
+            <a:r>
+              <a:rPr lang="en-US" sz="3600" dirty="0" smtClean="0">
+                <a:latin typeface="Consolas" pitchFamily="49" charset="0"/>
+                <a:cs typeface="Consolas" pitchFamily="49" charset="0"/>
+              </a:rPr>
+              <a:t> "hello"</a:t>
             </a:r>
             <a:endParaRPr lang="en-US" sz="3600" dirty="0">
               <a:latin typeface="Consolas" pitchFamily="49" charset="0"/>
@@ -9904,14 +9830,82 @@
   <p:timing>
     <p:tnLst>
       <p:par>
-        <p:cTn id="1" dur="indefinite" restart="never" nodeType="tmRoot"/>
+        <p:cTn id="1" dur="indefinite" restart="never" nodeType="tmRoot">
+          <p:childTnLst>
+            <p:seq concurrent="1" nextAc="seek">
+              <p:cTn id="2" dur="indefinite" nodeType="mainSeq">
+                <p:childTnLst>
+                  <p:par>
+                    <p:cTn id="3" fill="hold">
+                      <p:stCondLst>
+                        <p:cond delay="indefinite"/>
+                      </p:stCondLst>
+                      <p:childTnLst>
+                        <p:par>
+                          <p:cTn id="4" fill="hold">
+                            <p:stCondLst>
+                              <p:cond delay="0"/>
+                            </p:stCondLst>
+                            <p:childTnLst>
+                              <p:par>
+                                <p:cTn id="5" presetID="1" presetClass="entr" presetSubtype="0" fill="hold" nodeType="clickEffect">
+                                  <p:stCondLst>
+                                    <p:cond delay="0"/>
+                                  </p:stCondLst>
+                                  <p:childTnLst>
+                                    <p:set>
+                                      <p:cBhvr>
+                                        <p:cTn id="6" dur="1" fill="hold">
+                                          <p:stCondLst>
+                                            <p:cond delay="0"/>
+                                          </p:stCondLst>
+                                        </p:cTn>
+                                        <p:tgtEl>
+                                          <p:spTgt spid="21506"/>
+                                        </p:tgtEl>
+                                        <p:attrNameLst>
+                                          <p:attrName>style.visibility</p:attrName>
+                                        </p:attrNameLst>
+                                      </p:cBhvr>
+                                      <p:to>
+                                        <p:strVal val="visible"/>
+                                      </p:to>
+                                    </p:set>
+                                  </p:childTnLst>
+                                </p:cTn>
+                              </p:par>
+                            </p:childTnLst>
+                          </p:cTn>
+                        </p:par>
+                      </p:childTnLst>
+                    </p:cTn>
+                  </p:par>
+                </p:childTnLst>
+              </p:cTn>
+              <p:prevCondLst>
+                <p:cond evt="onPrev" delay="0">
+                  <p:tgtEl>
+                    <p:sldTgt/>
+                  </p:tgtEl>
+                </p:cond>
+              </p:prevCondLst>
+              <p:nextCondLst>
+                <p:cond evt="onNext" delay="0">
+                  <p:tgtEl>
+                    <p:sldTgt/>
+                  </p:tgtEl>
+                </p:cond>
+              </p:nextCondLst>
+            </p:seq>
+          </p:childTnLst>
+        </p:cTn>
       </p:par>
     </p:tnLst>
   </p:timing>
 </p:sld>
 </file>
 
-<file path=ppt/slides/slide23.xml><?xml version="1.0" encoding="utf-8"?>
+<file path=ppt/slides/slide24.xml><?xml version="1.0" encoding="utf-8"?>
 <p:sld xmlns:a="http://schemas.openxmlformats.org/drawingml/2006/main" xmlns:r="http://schemas.openxmlformats.org/officeDocument/2006/relationships" xmlns:p="http://schemas.openxmlformats.org/presentationml/2006/main">
   <p:cSld>
     <p:spTree>
@@ -9953,12 +9947,37 @@
             <a:pPr>
               <a:buNone/>
             </a:pPr>
+            <a:endParaRPr lang="en-US" dirty="0" smtClean="0">
+              <a:latin typeface="Consolas" pitchFamily="49" charset="0"/>
+              <a:cs typeface="Consolas" pitchFamily="49" charset="0"/>
+            </a:endParaRPr>
+          </a:p>
+          <a:p>
+            <a:pPr>
+              <a:buNone/>
+            </a:pPr>
+            <a:endParaRPr lang="en-US" dirty="0" smtClean="0">
+              <a:latin typeface="Consolas" pitchFamily="49" charset="0"/>
+              <a:cs typeface="Consolas" pitchFamily="49" charset="0"/>
+            </a:endParaRPr>
+          </a:p>
+          <a:p>
+            <a:pPr>
+              <a:buNone/>
+            </a:pPr>
             <a:r>
               <a:rPr lang="en-US" dirty="0" smtClean="0">
                 <a:latin typeface="Consolas" pitchFamily="49" charset="0"/>
                 <a:cs typeface="Consolas" pitchFamily="49" charset="0"/>
               </a:rPr>
-              <a:t>form = </a:t>
+              <a:t>form </a:t>
+            </a:r>
+            <a:r>
+              <a:rPr lang="en-US" dirty="0" smtClean="0">
+                <a:latin typeface="Consolas" pitchFamily="49" charset="0"/>
+                <a:cs typeface="Consolas" pitchFamily="49" charset="0"/>
+              </a:rPr>
+              <a:t>= </a:t>
             </a:r>
             <a:r>
               <a:rPr lang="en-US" dirty="0" err="1" smtClean="0">
@@ -10075,7 +10094,7 @@
                 <a:latin typeface="Consolas" pitchFamily="49" charset="0"/>
                 <a:cs typeface="Consolas" pitchFamily="49" charset="0"/>
               </a:rPr>
-              <a:t>(</a:t>
+              <a:t> </a:t>
             </a:r>
             <a:r>
               <a:rPr lang="en-US" dirty="0" smtClean="0">
@@ -10085,14 +10104,34 @@
                 <a:latin typeface="Consolas" pitchFamily="49" charset="0"/>
                 <a:cs typeface="Consolas" pitchFamily="49" charset="0"/>
               </a:rPr>
-              <a:t>"&amp;File"</a:t>
+              <a:t>"&amp;</a:t>
             </a:r>
             <a:r>
               <a:rPr lang="en-US" dirty="0" smtClean="0">
-                <a:latin typeface="Consolas" pitchFamily="49" charset="0"/>
-                <a:cs typeface="Consolas" pitchFamily="49" charset="0"/>
-              </a:rPr>
-              <a:t>) </a:t>
+                <a:solidFill>
+                  <a:srgbClr val="6CC94B"/>
+                </a:solidFill>
+                <a:latin typeface="Consolas" pitchFamily="49" charset="0"/>
+                <a:cs typeface="Consolas" pitchFamily="49" charset="0"/>
+              </a:rPr>
+              <a:t>File</a:t>
+            </a:r>
+            <a:r>
+              <a:rPr lang="en-US" dirty="0" smtClean="0">
+                <a:solidFill>
+                  <a:srgbClr val="6CC94B"/>
+                </a:solidFill>
+                <a:latin typeface="Consolas" pitchFamily="49" charset="0"/>
+                <a:cs typeface="Consolas" pitchFamily="49" charset="0"/>
+              </a:rPr>
+              <a:t>"</a:t>
+            </a:r>
+            <a:r>
+              <a:rPr lang="en-US" dirty="0" smtClean="0">
+                <a:latin typeface="Consolas" pitchFamily="49" charset="0"/>
+                <a:cs typeface="Consolas" pitchFamily="49" charset="0"/>
+              </a:rPr>
+              <a:t> </a:t>
             </a:r>
             <a:r>
               <a:rPr lang="en-US" dirty="0" smtClean="0">
@@ -10130,7 +10169,7 @@
                 <a:latin typeface="Consolas" pitchFamily="49" charset="0"/>
                 <a:cs typeface="Consolas" pitchFamily="49" charset="0"/>
               </a:rPr>
-              <a:t>(</a:t>
+              <a:t> </a:t>
             </a:r>
             <a:r>
               <a:rPr lang="en-US" dirty="0" smtClean="0">
@@ -10140,40 +10179,7 @@
                 <a:latin typeface="Consolas" pitchFamily="49" charset="0"/>
                 <a:cs typeface="Consolas" pitchFamily="49" charset="0"/>
               </a:rPr>
-              <a:t>"&amp;New"</a:t>
-            </a:r>
-            <a:r>
-              <a:rPr lang="en-US" dirty="0" smtClean="0">
-                <a:latin typeface="Consolas" pitchFamily="49" charset="0"/>
-                <a:cs typeface="Consolas" pitchFamily="49" charset="0"/>
-              </a:rPr>
-              <a:t>)</a:t>
-            </a:r>
-          </a:p>
-          <a:p>
-            <a:pPr>
-              <a:buNone/>
-            </a:pPr>
-            <a:r>
-              <a:rPr lang="en-US" dirty="0" smtClean="0">
-                <a:latin typeface="Consolas" pitchFamily="49" charset="0"/>
-                <a:cs typeface="Consolas" pitchFamily="49" charset="0"/>
-              </a:rPr>
-              <a:t>      </a:t>
-            </a:r>
-            <a:r>
-              <a:rPr lang="en-US" dirty="0" err="1" smtClean="0">
-                <a:latin typeface="Consolas" pitchFamily="49" charset="0"/>
-                <a:cs typeface="Consolas" pitchFamily="49" charset="0"/>
-              </a:rPr>
-              <a:t>menu_item</a:t>
-            </a:r>
-            <a:r>
-              <a:rPr lang="en-US" dirty="0" smtClean="0">
-                <a:latin typeface="Consolas" pitchFamily="49" charset="0"/>
-                <a:cs typeface="Consolas" pitchFamily="49" charset="0"/>
-              </a:rPr>
-              <a:t>(</a:t>
+              <a:t>"&amp;</a:t>
             </a:r>
             <a:r>
               <a:rPr lang="en-US" dirty="0" smtClean="0">
@@ -10183,27 +10189,22 @@
                 <a:latin typeface="Consolas" pitchFamily="49" charset="0"/>
                 <a:cs typeface="Consolas" pitchFamily="49" charset="0"/>
               </a:rPr>
-              <a:t>"&amp;Quit"</a:t>
-            </a:r>
-            <a:r>
-              <a:rPr lang="en-US" dirty="0" smtClean="0">
-                <a:latin typeface="Consolas" pitchFamily="49" charset="0"/>
-                <a:cs typeface="Consolas" pitchFamily="49" charset="0"/>
-              </a:rPr>
-              <a:t>).click </a:t>
+              <a:t>New</a:t>
             </a:r>
             <a:r>
               <a:rPr lang="en-US" dirty="0" smtClean="0">
                 <a:solidFill>
-                  <a:schemeClr val="accent6">
-                    <a:lumMod val="75000"/>
-                  </a:schemeClr>
+                  <a:srgbClr val="6CC94B"/>
                 </a:solidFill>
                 <a:latin typeface="Consolas" pitchFamily="49" charset="0"/>
                 <a:cs typeface="Consolas" pitchFamily="49" charset="0"/>
               </a:rPr>
-              <a:t>do </a:t>
-            </a:r>
+              <a:t>"</a:t>
+            </a:r>
+            <a:endParaRPr lang="en-US" dirty="0" smtClean="0">
+              <a:latin typeface="Consolas" pitchFamily="49" charset="0"/>
+              <a:cs typeface="Consolas" pitchFamily="49" charset="0"/>
+            </a:endParaRPr>
           </a:p>
           <a:p>
             <a:pPr>
@@ -10214,7 +10215,48 @@
                 <a:latin typeface="Consolas" pitchFamily="49" charset="0"/>
                 <a:cs typeface="Consolas" pitchFamily="49" charset="0"/>
               </a:rPr>
-              <a:t>        </a:t>
+              <a:t>      </a:t>
+            </a:r>
+            <a:r>
+              <a:rPr lang="en-US" dirty="0" err="1" smtClean="0">
+                <a:latin typeface="Consolas" pitchFamily="49" charset="0"/>
+                <a:cs typeface="Consolas" pitchFamily="49" charset="0"/>
+              </a:rPr>
+              <a:t>menu_item</a:t>
+            </a:r>
+            <a:r>
+              <a:rPr lang="en-US" dirty="0" smtClean="0">
+                <a:latin typeface="Consolas" pitchFamily="49" charset="0"/>
+                <a:cs typeface="Consolas" pitchFamily="49" charset="0"/>
+              </a:rPr>
+              <a:t>(</a:t>
+            </a:r>
+            <a:r>
+              <a:rPr lang="en-US" dirty="0" smtClean="0">
+                <a:solidFill>
+                  <a:srgbClr val="6CC94B"/>
+                </a:solidFill>
+                <a:latin typeface="Consolas" pitchFamily="49" charset="0"/>
+                <a:cs typeface="Consolas" pitchFamily="49" charset="0"/>
+              </a:rPr>
+              <a:t>"&amp;</a:t>
+            </a:r>
+            <a:r>
+              <a:rPr lang="en-US" dirty="0" smtClean="0">
+                <a:solidFill>
+                  <a:srgbClr val="6CC94B"/>
+                </a:solidFill>
+                <a:latin typeface="Consolas" pitchFamily="49" charset="0"/>
+                <a:cs typeface="Consolas" pitchFamily="49" charset="0"/>
+              </a:rPr>
+              <a:t>Quit"</a:t>
+            </a:r>
+            <a:r>
+              <a:rPr lang="en-US" dirty="0" smtClean="0">
+                <a:latin typeface="Consolas" pitchFamily="49" charset="0"/>
+                <a:cs typeface="Consolas" pitchFamily="49" charset="0"/>
+              </a:rPr>
+              <a:t>).click { </a:t>
             </a:r>
             <a:r>
               <a:rPr lang="en-US" dirty="0" err="1" smtClean="0">
@@ -10233,33 +10275,12 @@
               </a:rPr>
               <a:t>.Exit</a:t>
             </a:r>
-            <a:endParaRPr lang="en-US" dirty="0" smtClean="0">
-              <a:latin typeface="Consolas" pitchFamily="49" charset="0"/>
-              <a:cs typeface="Consolas" pitchFamily="49" charset="0"/>
-            </a:endParaRPr>
-          </a:p>
-          <a:p>
-            <a:pPr>
-              <a:buNone/>
-            </a:pPr>
             <a:r>
               <a:rPr lang="en-US" dirty="0" smtClean="0">
                 <a:latin typeface="Consolas" pitchFamily="49" charset="0"/>
                 <a:cs typeface="Consolas" pitchFamily="49" charset="0"/>
               </a:rPr>
-              <a:t>      </a:t>
-            </a:r>
-            <a:r>
-              <a:rPr lang="en-US" dirty="0" smtClean="0">
-                <a:solidFill>
-                  <a:schemeClr val="accent6">
-                    <a:lumMod val="75000"/>
-                  </a:schemeClr>
-                </a:solidFill>
-                <a:latin typeface="Consolas" pitchFamily="49" charset="0"/>
-                <a:cs typeface="Consolas" pitchFamily="49" charset="0"/>
-              </a:rPr>
-              <a:t>end</a:t>
+              <a:t> }</a:t>
             </a:r>
             <a:endParaRPr lang="en-US" dirty="0" smtClean="0">
               <a:solidFill>
@@ -10350,14 +10371,36 @@
                 <a:latin typeface="Consolas" pitchFamily="49" charset="0"/>
                 <a:cs typeface="Consolas" pitchFamily="49" charset="0"/>
               </a:rPr>
-              <a:t> {</a:t>
-            </a:r>
+              <a:t> {	</a:t>
+            </a:r>
+          </a:p>
+          <a:p>
+            <a:pPr>
+              <a:buNone/>
+            </a:pPr>
             <a:r>
               <a:rPr lang="en-US" dirty="0" smtClean="0">
                 <a:latin typeface="Consolas" pitchFamily="49" charset="0"/>
                 <a:cs typeface="Consolas" pitchFamily="49" charset="0"/>
               </a:rPr>
-              <a:t>	</a:t>
+              <a:t>        </a:t>
+            </a:r>
+            <a:r>
+              <a:rPr lang="en-US" dirty="0" err="1" smtClean="0">
+                <a:solidFill>
+                  <a:srgbClr val="FFC000"/>
+                </a:solidFill>
+                <a:latin typeface="Consolas" pitchFamily="49" charset="0"/>
+                <a:cs typeface="Consolas" pitchFamily="49" charset="0"/>
+              </a:rPr>
+              <a:t>Application</a:t>
+            </a:r>
+            <a:r>
+              <a:rPr lang="en-US" dirty="0" err="1" smtClean="0">
+                <a:latin typeface="Consolas" pitchFamily="49" charset="0"/>
+                <a:cs typeface="Consolas" pitchFamily="49" charset="0"/>
+              </a:rPr>
+              <a:t>.Exit</a:t>
             </a:r>
             <a:endParaRPr lang="en-US" dirty="0" smtClean="0">
               <a:latin typeface="Consolas" pitchFamily="49" charset="0"/>
@@ -10373,29 +10416,8 @@
                 <a:latin typeface="Consolas" pitchFamily="49" charset="0"/>
                 <a:cs typeface="Consolas" pitchFamily="49" charset="0"/>
               </a:rPr>
-              <a:t>        </a:t>
-            </a:r>
-            <a:r>
-              <a:rPr lang="en-US" dirty="0" err="1" smtClean="0">
-                <a:solidFill>
-                  <a:srgbClr val="FFC000"/>
-                </a:solidFill>
-                <a:latin typeface="Consolas" pitchFamily="49" charset="0"/>
-                <a:cs typeface="Consolas" pitchFamily="49" charset="0"/>
-              </a:rPr>
-              <a:t>Application</a:t>
-            </a:r>
-            <a:r>
-              <a:rPr lang="en-US" dirty="0" err="1" smtClean="0">
-                <a:latin typeface="Consolas" pitchFamily="49" charset="0"/>
-                <a:cs typeface="Consolas" pitchFamily="49" charset="0"/>
-              </a:rPr>
-              <a:t>.Exit</a:t>
-            </a:r>
-            <a:endParaRPr lang="en-US" dirty="0" smtClean="0">
-              <a:latin typeface="Consolas" pitchFamily="49" charset="0"/>
-              <a:cs typeface="Consolas" pitchFamily="49" charset="0"/>
-            </a:endParaRPr>
+              <a:t>      })</a:t>
+            </a:r>
           </a:p>
           <a:p>
             <a:pPr>
@@ -10406,12 +10428,8 @@
                 <a:latin typeface="Consolas" pitchFamily="49" charset="0"/>
                 <a:cs typeface="Consolas" pitchFamily="49" charset="0"/>
               </a:rPr>
-              <a:t>      })</a:t>
-            </a:r>
-            <a:endParaRPr lang="en-US" dirty="0" smtClean="0">
-              <a:latin typeface="Consolas" pitchFamily="49" charset="0"/>
-              <a:cs typeface="Consolas" pitchFamily="49" charset="0"/>
-            </a:endParaRPr>
+              <a:t>    end</a:t>
+            </a:r>
           </a:p>
           <a:p>
             <a:pPr>
@@ -10422,7 +10440,7 @@
                 <a:latin typeface="Consolas" pitchFamily="49" charset="0"/>
                 <a:cs typeface="Consolas" pitchFamily="49" charset="0"/>
               </a:rPr>
-              <a:t>    end</a:t>
+              <a:t>  end</a:t>
             </a:r>
           </a:p>
           <a:p>
@@ -10434,19 +10452,14 @@
                 <a:latin typeface="Consolas" pitchFamily="49" charset="0"/>
                 <a:cs typeface="Consolas" pitchFamily="49" charset="0"/>
               </a:rPr>
-              <a:t>  end</a:t>
-            </a:r>
-          </a:p>
-          <a:p>
-            <a:pPr>
-              <a:buNone/>
-            </a:pPr>
+              <a:t>  </a:t>
+            </a:r>
             <a:r>
               <a:rPr lang="en-US" dirty="0" smtClean="0">
                 <a:latin typeface="Consolas" pitchFamily="49" charset="0"/>
                 <a:cs typeface="Consolas" pitchFamily="49" charset="0"/>
               </a:rPr>
-              <a:t>  form(</a:t>
+              <a:t>form </a:t>
             </a:r>
             <a:r>
               <a:rPr lang="en-US" dirty="0" smtClean="0">
@@ -10466,7 +10479,14 @@
                 <a:latin typeface="Consolas" pitchFamily="49" charset="0"/>
                 <a:cs typeface="Consolas" pitchFamily="49" charset="0"/>
               </a:rPr>
-              <a:t> =&gt; </a:t>
+              <a:t> </a:t>
+            </a:r>
+            <a:r>
+              <a:rPr lang="en-US" dirty="0" smtClean="0">
+                <a:latin typeface="Consolas" pitchFamily="49" charset="0"/>
+                <a:cs typeface="Consolas" pitchFamily="49" charset="0"/>
+              </a:rPr>
+              <a:t>=&gt; </a:t>
             </a:r>
             <a:r>
               <a:rPr lang="en-US" dirty="0" smtClean="0">
@@ -10513,14 +10533,24 @@
                 <a:latin typeface="Consolas" pitchFamily="49" charset="0"/>
                 <a:cs typeface="Consolas" pitchFamily="49" charset="0"/>
               </a:rPr>
-              <a:t>@menu</a:t>
+              <a:t>@</a:t>
             </a:r>
             <a:r>
               <a:rPr lang="en-US" dirty="0" smtClean="0">
-                <a:latin typeface="Consolas" pitchFamily="49" charset="0"/>
-                <a:cs typeface="Consolas" pitchFamily="49" charset="0"/>
-              </a:rPr>
-              <a:t>) </a:t>
+                <a:solidFill>
+                  <a:srgbClr val="FFC000"/>
+                </a:solidFill>
+                <a:latin typeface="Consolas" pitchFamily="49" charset="0"/>
+                <a:cs typeface="Consolas" pitchFamily="49" charset="0"/>
+              </a:rPr>
+              <a:t>menu</a:t>
+            </a:r>
+            <a:r>
+              <a:rPr lang="en-US" dirty="0" smtClean="0">
+                <a:latin typeface="Consolas" pitchFamily="49" charset="0"/>
+                <a:cs typeface="Consolas" pitchFamily="49" charset="0"/>
+              </a:rPr>
+              <a:t> </a:t>
             </a:r>
             <a:r>
               <a:rPr lang="en-US" dirty="0" smtClean="0">
@@ -10558,7 +10588,7 @@
                 <a:latin typeface="Consolas" pitchFamily="49" charset="0"/>
                 <a:cs typeface="Consolas" pitchFamily="49" charset="0"/>
               </a:rPr>
-              <a:t>(</a:t>
+              <a:t> </a:t>
             </a:r>
             <a:r>
               <a:rPr lang="en-US" dirty="0" smtClean="0">
@@ -10578,7 +10608,14 @@
                 <a:latin typeface="Consolas" pitchFamily="49" charset="0"/>
                 <a:cs typeface="Consolas" pitchFamily="49" charset="0"/>
               </a:rPr>
-              <a:t> =&gt;</a:t>
+              <a:t> </a:t>
+            </a:r>
+            <a:r>
+              <a:rPr lang="en-US" dirty="0" smtClean="0">
+                <a:latin typeface="Consolas" pitchFamily="49" charset="0"/>
+                <a:cs typeface="Consolas" pitchFamily="49" charset="0"/>
+              </a:rPr>
+              <a:t>=&gt;</a:t>
             </a:r>
             <a:r>
               <a:rPr lang="en-US" dirty="0" smtClean="0">
@@ -10591,38 +10628,7 @@
                 <a:latin typeface="Consolas" pitchFamily="49" charset="0"/>
                 <a:cs typeface="Consolas" pitchFamily="49" charset="0"/>
               </a:rPr>
-              <a:t> :fill</a:t>
-            </a:r>
-            <a:r>
-              <a:rPr lang="en-US" dirty="0" smtClean="0">
-                <a:latin typeface="Consolas" pitchFamily="49" charset="0"/>
-                <a:cs typeface="Consolas" pitchFamily="49" charset="0"/>
-              </a:rPr>
-              <a:t>) </a:t>
-            </a:r>
-            <a:r>
-              <a:rPr lang="en-US" dirty="0" smtClean="0">
-                <a:solidFill>
-                  <a:schemeClr val="accent6">
-                    <a:lumMod val="75000"/>
-                  </a:schemeClr>
-                </a:solidFill>
-                <a:latin typeface="Consolas" pitchFamily="49" charset="0"/>
-                <a:cs typeface="Consolas" pitchFamily="49" charset="0"/>
-              </a:rPr>
-              <a:t>do</a:t>
-            </a:r>
-          </a:p>
-          <a:p>
-            <a:pPr>
-              <a:buNone/>
-            </a:pPr>
-            <a:r>
-              <a:rPr lang="en-US" dirty="0" smtClean="0">
-                <a:latin typeface="Consolas" pitchFamily="49" charset="0"/>
-                <a:cs typeface="Consolas" pitchFamily="49" charset="0"/>
-              </a:rPr>
-              <a:t>      button(</a:t>
+              <a:t> :</a:t>
             </a:r>
             <a:r>
               <a:rPr lang="en-US" dirty="0" smtClean="0">
@@ -10635,31 +10641,14 @@
                 <a:latin typeface="Consolas" pitchFamily="49" charset="0"/>
                 <a:cs typeface="Consolas" pitchFamily="49" charset="0"/>
               </a:rPr>
-              <a:t>:text</a:t>
+              <a:t>fill</a:t>
             </a:r>
             <a:r>
               <a:rPr lang="en-US" dirty="0" smtClean="0">
                 <a:latin typeface="Consolas" pitchFamily="49" charset="0"/>
                 <a:cs typeface="Consolas" pitchFamily="49" charset="0"/>
               </a:rPr>
-              <a:t> =&gt; </a:t>
-            </a:r>
-            <a:r>
-              <a:rPr lang="en-US" dirty="0" smtClean="0">
-                <a:solidFill>
-                  <a:srgbClr val="6CC94B"/>
-                </a:solidFill>
-                <a:latin typeface="Consolas" pitchFamily="49" charset="0"/>
-                <a:cs typeface="Consolas" pitchFamily="49" charset="0"/>
-              </a:rPr>
-              <a:t>"Click me!"</a:t>
-            </a:r>
-            <a:r>
-              <a:rPr lang="en-US" dirty="0" smtClean="0">
-                <a:latin typeface="Consolas" pitchFamily="49" charset="0"/>
-                <a:cs typeface="Consolas" pitchFamily="49" charset="0"/>
-              </a:rPr>
-              <a:t>).click </a:t>
+              <a:t> </a:t>
             </a:r>
             <a:r>
               <a:rPr lang="en-US" dirty="0" smtClean="0">
@@ -10683,31 +10672,27 @@
                 <a:latin typeface="Consolas" pitchFamily="49" charset="0"/>
                 <a:cs typeface="Consolas" pitchFamily="49" charset="0"/>
               </a:rPr>
-              <a:t>        </a:t>
-            </a:r>
-            <a:r>
-              <a:rPr lang="en-US" dirty="0" err="1" smtClean="0">
+              <a:t>      button(</a:t>
+            </a:r>
+            <a:r>
+              <a:rPr lang="en-US" dirty="0" smtClean="0">
                 <a:solidFill>
-                  <a:srgbClr val="FFC000"/>
+                  <a:schemeClr val="tx2">
+                    <a:lumMod val="60000"/>
+                    <a:lumOff val="40000"/>
+                  </a:schemeClr>
                 </a:solidFill>
                 <a:latin typeface="Consolas" pitchFamily="49" charset="0"/>
                 <a:cs typeface="Consolas" pitchFamily="49" charset="0"/>
               </a:rPr>
-              <a:t>MessageBox</a:t>
-            </a:r>
-            <a:r>
-              <a:rPr lang="en-US" dirty="0" err="1" smtClean="0">
-                <a:latin typeface="Consolas" pitchFamily="49" charset="0"/>
-                <a:cs typeface="Consolas" pitchFamily="49" charset="0"/>
-              </a:rPr>
-              <a:t>.Show</a:t>
+              <a:t>:text</a:t>
             </a:r>
             <a:r>
               <a:rPr lang="en-US" dirty="0" smtClean="0">
                 <a:latin typeface="Consolas" pitchFamily="49" charset="0"/>
                 <a:cs typeface="Consolas" pitchFamily="49" charset="0"/>
               </a:rPr>
-              <a:t>(</a:t>
+              <a:t> =&gt; </a:t>
             </a:r>
             <a:r>
               <a:rPr lang="en-US" dirty="0" smtClean="0">
@@ -10717,26 +10702,14 @@
                 <a:latin typeface="Consolas" pitchFamily="49" charset="0"/>
                 <a:cs typeface="Consolas" pitchFamily="49" charset="0"/>
               </a:rPr>
-              <a:t>"Hello from button!"</a:t>
+              <a:t>"Click me!"</a:t>
             </a:r>
             <a:r>
               <a:rPr lang="en-US" dirty="0" smtClean="0">
                 <a:latin typeface="Consolas" pitchFamily="49" charset="0"/>
                 <a:cs typeface="Consolas" pitchFamily="49" charset="0"/>
               </a:rPr>
-              <a:t>)</a:t>
-            </a:r>
-          </a:p>
-          <a:p>
-            <a:pPr>
-              <a:buNone/>
-            </a:pPr>
-            <a:r>
-              <a:rPr lang="en-US" dirty="0" smtClean="0">
-                <a:latin typeface="Consolas" pitchFamily="49" charset="0"/>
-                <a:cs typeface="Consolas" pitchFamily="49" charset="0"/>
-              </a:rPr>
-              <a:t>      </a:t>
+              <a:t>).click </a:t>
             </a:r>
             <a:r>
               <a:rPr lang="en-US" dirty="0" smtClean="0">
@@ -10748,7 +10721,7 @@
                 <a:latin typeface="Consolas" pitchFamily="49" charset="0"/>
                 <a:cs typeface="Consolas" pitchFamily="49" charset="0"/>
               </a:rPr>
-              <a:t>end</a:t>
+              <a:t>do</a:t>
             </a:r>
           </a:p>
           <a:p>
@@ -10760,7 +10733,77 @@
                 <a:latin typeface="Consolas" pitchFamily="49" charset="0"/>
                 <a:cs typeface="Consolas" pitchFamily="49" charset="0"/>
               </a:rPr>
-              <a:t>    </a:t>
+              <a:t>        </a:t>
+            </a:r>
+            <a:r>
+              <a:rPr lang="en-US" dirty="0" err="1" smtClean="0">
+                <a:solidFill>
+                  <a:srgbClr val="FFC000"/>
+                </a:solidFill>
+                <a:latin typeface="Consolas" pitchFamily="49" charset="0"/>
+                <a:cs typeface="Consolas" pitchFamily="49" charset="0"/>
+              </a:rPr>
+              <a:t>MessageBox</a:t>
+            </a:r>
+            <a:r>
+              <a:rPr lang="en-US" dirty="0" err="1" smtClean="0">
+                <a:latin typeface="Consolas" pitchFamily="49" charset="0"/>
+                <a:cs typeface="Consolas" pitchFamily="49" charset="0"/>
+              </a:rPr>
+              <a:t>.Show</a:t>
+            </a:r>
+            <a:r>
+              <a:rPr lang="en-US" dirty="0" smtClean="0">
+                <a:latin typeface="Consolas" pitchFamily="49" charset="0"/>
+                <a:cs typeface="Consolas" pitchFamily="49" charset="0"/>
+              </a:rPr>
+              <a:t> </a:t>
+            </a:r>
+            <a:r>
+              <a:rPr lang="en-US" dirty="0" smtClean="0">
+                <a:solidFill>
+                  <a:srgbClr val="6CC94B"/>
+                </a:solidFill>
+                <a:latin typeface="Consolas" pitchFamily="49" charset="0"/>
+                <a:cs typeface="Consolas" pitchFamily="49" charset="0"/>
+              </a:rPr>
+              <a:t>"Hello </a:t>
+            </a:r>
+            <a:r>
+              <a:rPr lang="en-US" dirty="0" smtClean="0">
+                <a:solidFill>
+                  <a:srgbClr val="6CC94B"/>
+                </a:solidFill>
+                <a:latin typeface="Consolas" pitchFamily="49" charset="0"/>
+                <a:cs typeface="Consolas" pitchFamily="49" charset="0"/>
+              </a:rPr>
+              <a:t>from button</a:t>
+            </a:r>
+            <a:r>
+              <a:rPr lang="en-US" dirty="0" smtClean="0">
+                <a:solidFill>
+                  <a:srgbClr val="6CC94B"/>
+                </a:solidFill>
+                <a:latin typeface="Consolas" pitchFamily="49" charset="0"/>
+                <a:cs typeface="Consolas" pitchFamily="49" charset="0"/>
+              </a:rPr>
+              <a:t>!"</a:t>
+            </a:r>
+            <a:endParaRPr lang="en-US" dirty="0" smtClean="0">
+              <a:latin typeface="Consolas" pitchFamily="49" charset="0"/>
+              <a:cs typeface="Consolas" pitchFamily="49" charset="0"/>
+            </a:endParaRPr>
+          </a:p>
+          <a:p>
+            <a:pPr>
+              <a:buNone/>
+            </a:pPr>
+            <a:r>
+              <a:rPr lang="en-US" dirty="0" smtClean="0">
+                <a:latin typeface="Consolas" pitchFamily="49" charset="0"/>
+                <a:cs typeface="Consolas" pitchFamily="49" charset="0"/>
+              </a:rPr>
+              <a:t>      </a:t>
             </a:r>
             <a:r>
               <a:rPr lang="en-US" dirty="0" smtClean="0">
@@ -10784,7 +10827,7 @@
                 <a:latin typeface="Consolas" pitchFamily="49" charset="0"/>
                 <a:cs typeface="Consolas" pitchFamily="49" charset="0"/>
               </a:rPr>
-              <a:t>  </a:t>
+              <a:t>    </a:t>
             </a:r>
             <a:r>
               <a:rPr lang="en-US" dirty="0" smtClean="0">
@@ -10805,6 +10848,13 @@
             </a:pPr>
             <a:r>
               <a:rPr lang="en-US" dirty="0" smtClean="0">
+                <a:latin typeface="Consolas" pitchFamily="49" charset="0"/>
+                <a:cs typeface="Consolas" pitchFamily="49" charset="0"/>
+              </a:rPr>
+              <a:t>  </a:t>
+            </a:r>
+            <a:r>
+              <a:rPr lang="en-US" dirty="0" smtClean="0">
                 <a:solidFill>
                   <a:schemeClr val="accent6">
                     <a:lumMod val="75000"/>
@@ -10815,15 +10865,23 @@
               </a:rPr>
               <a:t>end</a:t>
             </a:r>
-            <a:endParaRPr lang="en-US" dirty="0" smtClean="0">
-              <a:solidFill>
-                <a:schemeClr val="accent6">
-                  <a:lumMod val="75000"/>
-                </a:schemeClr>
-              </a:solidFill>
-              <a:latin typeface="Consolas" pitchFamily="49" charset="0"/>
-              <a:cs typeface="Consolas" pitchFamily="49" charset="0"/>
-            </a:endParaRPr>
+          </a:p>
+          <a:p>
+            <a:pPr>
+              <a:buNone/>
+            </a:pPr>
+            <a:r>
+              <a:rPr lang="en-US" dirty="0" smtClean="0">
+                <a:solidFill>
+                  <a:schemeClr val="accent6">
+                    <a:lumMod val="75000"/>
+                  </a:schemeClr>
+                </a:solidFill>
+                <a:latin typeface="Consolas" pitchFamily="49" charset="0"/>
+                <a:cs typeface="Consolas" pitchFamily="49" charset="0"/>
+              </a:rPr>
+              <a:t>end</a:t>
+            </a:r>
           </a:p>
         </p:txBody>
       </p:sp>
@@ -10842,7 +10900,7 @@
 </p:sld>
 </file>
 
-<file path=ppt/slides/slide24.xml><?xml version="1.0" encoding="utf-8"?>
+<file path=ppt/slides/slide25.xml><?xml version="1.0" encoding="utf-8"?>
 <p:sld xmlns:a="http://schemas.openxmlformats.org/drawingml/2006/main" xmlns:r="http://schemas.openxmlformats.org/officeDocument/2006/relationships" xmlns:p="http://schemas.openxmlformats.org/presentationml/2006/main">
   <p:cSld>
     <p:spTree>
@@ -11048,9 +11106,17 @@
 </p:sld>
 </file>
 
-<file path=ppt/slides/slide25.xml><?xml version="1.0" encoding="utf-8"?>
+<file path=ppt/slides/slide26.xml><?xml version="1.0" encoding="utf-8"?>
 <p:sld xmlns:a="http://schemas.openxmlformats.org/drawingml/2006/main" xmlns:r="http://schemas.openxmlformats.org/officeDocument/2006/relationships" xmlns:p="http://schemas.openxmlformats.org/presentationml/2006/main">
   <p:cSld>
+    <p:bg>
+      <p:bgPr shadeToTitle="1">
+        <a:solidFill>
+          <a:srgbClr val="B31919"/>
+        </a:solidFill>
+        <a:effectLst/>
+      </p:bgPr>
+    </p:bg>
     <p:spTree>
       <p:nvGrpSpPr>
         <p:cNvPr id="1" name=""/>
@@ -11075,636 +11141,41 @@
             <p:ph type="title"/>
           </p:nvPr>
         </p:nvSpPr>
-        <p:spPr/>
-        <p:txBody>
-          <a:bodyPr/>
-          <a:lstStyle/>
-          <a:p>
-            <a:pPr algn="r"/>
-            <a:r>
-              <a:rPr lang="en-US" dirty="0" smtClean="0"/>
-              <a:t>rails unit tests</a:t>
-            </a:r>
-            <a:endParaRPr lang="en-US" dirty="0"/>
-          </a:p>
-        </p:txBody>
-      </p:sp>
-      <p:sp>
-        <p:nvSpPr>
-          <p:cNvPr id="3" name="Content Placeholder 2"/>
-          <p:cNvSpPr>
-            <a:spLocks noGrp="1"/>
-          </p:cNvSpPr>
-          <p:nvPr>
-            <p:ph idx="1"/>
-          </p:nvPr>
-        </p:nvSpPr>
-        <p:spPr/>
-        <p:txBody>
-          <a:bodyPr/>
-          <a:lstStyle/>
-          <a:p>
-            <a:pPr>
-              <a:buNone/>
-            </a:pPr>
-            <a:r>
-              <a:rPr lang="en-US" dirty="0" smtClean="0"/>
-              <a:t>Controllers and Views</a:t>
-            </a:r>
-          </a:p>
-          <a:p>
-            <a:r>
-              <a:rPr lang="en-US" dirty="0" smtClean="0"/>
-              <a:t>94% Pass Rate</a:t>
-            </a:r>
-          </a:p>
-          <a:p>
-            <a:pPr lvl="1"/>
-            <a:r>
-              <a:rPr lang="en-US" dirty="0" smtClean="0"/>
-              <a:t>2306 tests, 10539 assertions, 85 failures, 50 errors</a:t>
-            </a:r>
-          </a:p>
-          <a:p>
-            <a:pPr lvl="1">
-              <a:buNone/>
-            </a:pPr>
-            <a:endParaRPr lang="en-US" dirty="0" smtClean="0"/>
-          </a:p>
-          <a:p>
-            <a:pPr>
-              <a:buNone/>
-            </a:pPr>
-            <a:r>
-              <a:rPr lang="en-US" dirty="0" err="1" smtClean="0"/>
-              <a:t>ActiveRecord</a:t>
-            </a:r>
-            <a:endParaRPr lang="en-US" dirty="0" smtClean="0"/>
-          </a:p>
-          <a:p>
-            <a:r>
-              <a:rPr lang="en-US" dirty="0" smtClean="0"/>
-              <a:t>29% Pass Rate (!)</a:t>
-            </a:r>
-          </a:p>
-          <a:p>
-            <a:pPr lvl="1"/>
-            <a:r>
-              <a:rPr lang="en-US" dirty="0" smtClean="0"/>
-              <a:t>287 tests, 307 assertions, 22 failures, 182 errors</a:t>
-            </a:r>
-          </a:p>
-          <a:p>
-            <a:pPr lvl="1"/>
-            <a:r>
-              <a:rPr lang="en-US" dirty="0" smtClean="0">
-                <a:solidFill>
-                  <a:srgbClr val="FF0000"/>
-                </a:solidFill>
-              </a:rPr>
-              <a:t>Most failures due to 1 YAML bug</a:t>
-            </a:r>
-          </a:p>
-        </p:txBody>
-      </p:sp>
-    </p:spTree>
-  </p:cSld>
-  <p:clrMapOvr>
-    <a:masterClrMapping/>
-  </p:clrMapOvr>
-  <p:transition>
-    <p:fade/>
-  </p:transition>
-  <p:timing>
-    <p:tnLst>
-      <p:par>
-        <p:cTn id="1" dur="indefinite" restart="never" nodeType="tmRoot"/>
-      </p:par>
-    </p:tnLst>
-  </p:timing>
-</p:sld>
-</file>
-
-<file path=ppt/slides/slide26.xml><?xml version="1.0" encoding="utf-8"?>
-<p:sld xmlns:a="http://schemas.openxmlformats.org/drawingml/2006/main" xmlns:r="http://schemas.openxmlformats.org/officeDocument/2006/relationships" xmlns:p="http://schemas.openxmlformats.org/presentationml/2006/main">
-  <p:cSld>
-    <p:spTree>
-      <p:nvGrpSpPr>
-        <p:cNvPr id="1" name=""/>
-        <p:cNvGrpSpPr/>
-        <p:nvPr/>
-      </p:nvGrpSpPr>
-      <p:grpSpPr>
-        <a:xfrm>
-          <a:off x="0" y="0"/>
-          <a:ext cx="0" cy="0"/>
-          <a:chOff x="0" y="0"/>
-          <a:chExt cx="0" cy="0"/>
-        </a:xfrm>
-      </p:grpSpPr>
-      <p:sp>
-        <p:nvSpPr>
-          <p:cNvPr id="3" name="Content Placeholder 2"/>
-          <p:cNvSpPr>
-            <a:spLocks noGrp="1"/>
-          </p:cNvSpPr>
-          <p:nvPr>
-            <p:ph idx="1"/>
-          </p:nvPr>
-        </p:nvSpPr>
         <p:spPr>
           <a:xfrm>
-            <a:off x="304800" y="0"/>
-            <a:ext cx="8839200" cy="6858000"/>
+            <a:off x="457200" y="2857500"/>
+            <a:ext cx="8229600" cy="1143000"/>
           </a:xfrm>
         </p:spPr>
         <p:txBody>
           <a:bodyPr>
-            <a:normAutofit lnSpcReduction="10000"/>
+            <a:noAutofit/>
           </a:bodyPr>
           <a:lstStyle/>
           <a:p>
-            <a:pPr>
-              <a:buNone/>
-            </a:pPr>
-            <a:endParaRPr lang="en-US" sz="2400" dirty="0" smtClean="0">
-              <a:latin typeface="Consolas" pitchFamily="49" charset="0"/>
-              <a:cs typeface="Consolas" pitchFamily="49" charset="0"/>
-            </a:endParaRPr>
-          </a:p>
-          <a:p>
-            <a:pPr>
-              <a:buNone/>
-            </a:pPr>
-            <a:r>
-              <a:rPr lang="en-US" sz="2400" dirty="0" smtClean="0">
-                <a:latin typeface="Consolas" pitchFamily="49" charset="0"/>
-                <a:cs typeface="Consolas" pitchFamily="49" charset="0"/>
-              </a:rPr>
-              <a:t>100_000.times</a:t>
-            </a:r>
-            <a:r>
-              <a:rPr lang="en-US" sz="2400" dirty="0" smtClean="0">
-                <a:latin typeface="Consolas" pitchFamily="49" charset="0"/>
-                <a:cs typeface="Consolas" pitchFamily="49" charset="0"/>
-              </a:rPr>
-              <a:t>{|</a:t>
-            </a:r>
-            <a:r>
-              <a:rPr lang="en-US" sz="2400" dirty="0" err="1" smtClean="0">
-                <a:latin typeface="Consolas" pitchFamily="49" charset="0"/>
-                <a:cs typeface="Consolas" pitchFamily="49" charset="0"/>
-              </a:rPr>
-              <a:t>i</a:t>
-            </a:r>
-            <a:r>
-              <a:rPr lang="en-US" sz="2400" dirty="0" smtClean="0">
-                <a:latin typeface="Consolas" pitchFamily="49" charset="0"/>
-                <a:cs typeface="Consolas" pitchFamily="49" charset="0"/>
-              </a:rPr>
-              <a:t>| </a:t>
-            </a:r>
-            <a:r>
-              <a:rPr lang="en-US" sz="2400" dirty="0" err="1" smtClean="0">
-                <a:latin typeface="Consolas" pitchFamily="49" charset="0"/>
-                <a:cs typeface="Consolas" pitchFamily="49" charset="0"/>
-              </a:rPr>
-              <a:t>i</a:t>
-            </a:r>
-            <a:r>
-              <a:rPr lang="en-US" sz="2400" dirty="0" smtClean="0">
-                <a:latin typeface="Consolas" pitchFamily="49" charset="0"/>
-                <a:cs typeface="Consolas" pitchFamily="49" charset="0"/>
-              </a:rPr>
-              <a:t> + 1</a:t>
-            </a:r>
-            <a:r>
-              <a:rPr lang="en-US" sz="2400" dirty="0" smtClean="0">
-                <a:latin typeface="Consolas" pitchFamily="49" charset="0"/>
-                <a:cs typeface="Consolas" pitchFamily="49" charset="0"/>
-              </a:rPr>
-              <a:t>}</a:t>
-            </a:r>
-          </a:p>
-          <a:p>
-            <a:pPr>
-              <a:buNone/>
-            </a:pPr>
-            <a:endParaRPr lang="en-US" sz="2400" dirty="0" smtClean="0">
-              <a:latin typeface="Consolas" pitchFamily="49" charset="0"/>
-              <a:cs typeface="Consolas" pitchFamily="49" charset="0"/>
-            </a:endParaRPr>
-          </a:p>
-          <a:p>
-            <a:pPr>
-              <a:buNone/>
-            </a:pPr>
-            <a:r>
-              <a:rPr lang="en-US" sz="2400" dirty="0" smtClean="0">
-                <a:latin typeface="Consolas" pitchFamily="49" charset="0"/>
-                <a:cs typeface="Consolas" pitchFamily="49" charset="0"/>
-              </a:rPr>
-              <a:t>Ruby:</a:t>
-            </a:r>
-            <a:endParaRPr lang="en-US" sz="2400" dirty="0" smtClean="0">
-              <a:latin typeface="Consolas" pitchFamily="49" charset="0"/>
-              <a:cs typeface="Consolas" pitchFamily="49" charset="0"/>
-            </a:endParaRPr>
-          </a:p>
-          <a:p>
-            <a:pPr>
-              <a:buNone/>
-            </a:pPr>
-            <a:r>
-              <a:rPr lang="en-US" sz="2400" dirty="0" smtClean="0">
-                <a:latin typeface="Consolas" pitchFamily="49" charset="0"/>
-                <a:cs typeface="Consolas" pitchFamily="49" charset="0"/>
-              </a:rPr>
-              <a:t>  </a:t>
-            </a:r>
-            <a:r>
-              <a:rPr lang="en-US" sz="2400" dirty="0" smtClean="0">
-                <a:latin typeface="Consolas" pitchFamily="49" charset="0"/>
-                <a:cs typeface="Consolas" pitchFamily="49" charset="0"/>
-              </a:rPr>
-              <a:t> user       system     </a:t>
-            </a:r>
-            <a:r>
-              <a:rPr lang="en-US" sz="2400" dirty="0" smtClean="0">
-                <a:latin typeface="Consolas" pitchFamily="49" charset="0"/>
-                <a:cs typeface="Consolas" pitchFamily="49" charset="0"/>
-              </a:rPr>
-              <a:t>total      </a:t>
-            </a:r>
-            <a:r>
-              <a:rPr lang="en-US" sz="2400" dirty="0" smtClean="0">
-                <a:latin typeface="Consolas" pitchFamily="49" charset="0"/>
-                <a:cs typeface="Consolas" pitchFamily="49" charset="0"/>
-              </a:rPr>
-              <a:t>real</a:t>
-            </a:r>
-          </a:p>
-          <a:p>
-            <a:pPr>
-              <a:buNone/>
-            </a:pPr>
-            <a:r>
-              <a:rPr lang="en-US" sz="2400" dirty="0" smtClean="0">
-                <a:latin typeface="Consolas" pitchFamily="49" charset="0"/>
-                <a:cs typeface="Consolas" pitchFamily="49" charset="0"/>
-              </a:rPr>
-              <a:t> </a:t>
-            </a:r>
-            <a:r>
-              <a:rPr lang="en-US" sz="2400" dirty="0" smtClean="0">
-                <a:latin typeface="Consolas" pitchFamily="49" charset="0"/>
-                <a:cs typeface="Consolas" pitchFamily="49" charset="0"/>
-              </a:rPr>
-              <a:t>  0.078000   </a:t>
-            </a:r>
-            <a:r>
-              <a:rPr lang="en-US" sz="2400" dirty="0" smtClean="0">
-                <a:latin typeface="Consolas" pitchFamily="49" charset="0"/>
-                <a:cs typeface="Consolas" pitchFamily="49" charset="0"/>
-              </a:rPr>
-              <a:t>0.000000   0.078000 </a:t>
-            </a:r>
-            <a:r>
-              <a:rPr lang="en-US" sz="2400" dirty="0" smtClean="0">
-                <a:latin typeface="Consolas" pitchFamily="49" charset="0"/>
-                <a:cs typeface="Consolas" pitchFamily="49" charset="0"/>
-              </a:rPr>
-              <a:t>  (  </a:t>
-            </a:r>
-            <a:r>
-              <a:rPr lang="en-US" sz="2400" dirty="0" smtClean="0">
-                <a:latin typeface="Consolas" pitchFamily="49" charset="0"/>
-                <a:cs typeface="Consolas" pitchFamily="49" charset="0"/>
-              </a:rPr>
-              <a:t>0.080000</a:t>
-            </a:r>
-            <a:r>
-              <a:rPr lang="en-US" sz="2400" dirty="0" smtClean="0">
-                <a:latin typeface="Consolas" pitchFamily="49" charset="0"/>
-                <a:cs typeface="Consolas" pitchFamily="49" charset="0"/>
-              </a:rPr>
-              <a:t>)</a:t>
-            </a:r>
-          </a:p>
-          <a:p>
-            <a:pPr>
-              <a:buNone/>
-            </a:pPr>
-            <a:r>
-              <a:rPr lang="en-US" sz="2400" dirty="0" smtClean="0">
-                <a:latin typeface="Consolas" pitchFamily="49" charset="0"/>
-                <a:cs typeface="Consolas" pitchFamily="49" charset="0"/>
-              </a:rPr>
-              <a:t> </a:t>
-            </a:r>
-            <a:r>
-              <a:rPr lang="en-US" sz="2400" dirty="0" smtClean="0">
-                <a:latin typeface="Consolas" pitchFamily="49" charset="0"/>
-                <a:cs typeface="Consolas" pitchFamily="49" charset="0"/>
-              </a:rPr>
-              <a:t>  0.078000   </a:t>
-            </a:r>
-            <a:r>
-              <a:rPr lang="en-US" sz="2400" dirty="0" smtClean="0">
-                <a:latin typeface="Consolas" pitchFamily="49" charset="0"/>
-                <a:cs typeface="Consolas" pitchFamily="49" charset="0"/>
-              </a:rPr>
-              <a:t>0.000000   0.078000 </a:t>
-            </a:r>
-            <a:r>
-              <a:rPr lang="en-US" sz="2400" dirty="0" smtClean="0">
-                <a:latin typeface="Consolas" pitchFamily="49" charset="0"/>
-                <a:cs typeface="Consolas" pitchFamily="49" charset="0"/>
-              </a:rPr>
-              <a:t>  (  </a:t>
-            </a:r>
-            <a:r>
-              <a:rPr lang="en-US" sz="2400" dirty="0" smtClean="0">
-                <a:latin typeface="Consolas" pitchFamily="49" charset="0"/>
-                <a:cs typeface="Consolas" pitchFamily="49" charset="0"/>
-              </a:rPr>
-              <a:t>0.084000</a:t>
-            </a:r>
-            <a:r>
-              <a:rPr lang="en-US" sz="2400" dirty="0" smtClean="0">
-                <a:latin typeface="Consolas" pitchFamily="49" charset="0"/>
-                <a:cs typeface="Consolas" pitchFamily="49" charset="0"/>
-              </a:rPr>
-              <a:t>) </a:t>
-            </a:r>
-          </a:p>
-          <a:p>
-            <a:pPr>
-              <a:buNone/>
-            </a:pPr>
-            <a:r>
-              <a:rPr lang="en-US" sz="2400" dirty="0" smtClean="0">
-                <a:latin typeface="Consolas" pitchFamily="49" charset="0"/>
-                <a:cs typeface="Consolas" pitchFamily="49" charset="0"/>
-              </a:rPr>
-              <a:t> </a:t>
-            </a:r>
-            <a:r>
-              <a:rPr lang="en-US" sz="2400" dirty="0" smtClean="0">
-                <a:latin typeface="Consolas" pitchFamily="49" charset="0"/>
-                <a:cs typeface="Consolas" pitchFamily="49" charset="0"/>
-              </a:rPr>
-              <a:t>  0.094000   </a:t>
-            </a:r>
-            <a:r>
-              <a:rPr lang="en-US" sz="2400" dirty="0" smtClean="0">
-                <a:latin typeface="Consolas" pitchFamily="49" charset="0"/>
-                <a:cs typeface="Consolas" pitchFamily="49" charset="0"/>
-              </a:rPr>
-              <a:t>0.000000   0.094000 </a:t>
-            </a:r>
-            <a:r>
-              <a:rPr lang="en-US" sz="2400" dirty="0" smtClean="0">
-                <a:latin typeface="Consolas" pitchFamily="49" charset="0"/>
-                <a:cs typeface="Consolas" pitchFamily="49" charset="0"/>
-              </a:rPr>
-              <a:t>  (  </a:t>
-            </a:r>
-            <a:r>
-              <a:rPr lang="en-US" sz="2400" dirty="0" smtClean="0">
-                <a:latin typeface="Consolas" pitchFamily="49" charset="0"/>
-                <a:cs typeface="Consolas" pitchFamily="49" charset="0"/>
-              </a:rPr>
-              <a:t>0.082000</a:t>
-            </a:r>
-            <a:r>
-              <a:rPr lang="en-US" sz="2400" dirty="0" smtClean="0">
-                <a:latin typeface="Consolas" pitchFamily="49" charset="0"/>
-                <a:cs typeface="Consolas" pitchFamily="49" charset="0"/>
-              </a:rPr>
-              <a:t>)</a:t>
-            </a:r>
-          </a:p>
-          <a:p>
-            <a:pPr>
-              <a:buNone/>
-            </a:pPr>
-            <a:endParaRPr lang="en-US" sz="2400" dirty="0" smtClean="0">
-              <a:latin typeface="Consolas" pitchFamily="49" charset="0"/>
-              <a:cs typeface="Consolas" pitchFamily="49" charset="0"/>
-            </a:endParaRPr>
-          </a:p>
-          <a:p>
-            <a:pPr>
-              <a:buNone/>
-            </a:pPr>
-            <a:r>
-              <a:rPr lang="en-US" sz="2400" dirty="0" smtClean="0">
-                <a:latin typeface="Consolas" pitchFamily="49" charset="0"/>
-                <a:cs typeface="Consolas" pitchFamily="49" charset="0"/>
-              </a:rPr>
-              <a:t>IronRuby:</a:t>
-            </a:r>
-          </a:p>
-          <a:p>
-            <a:pPr>
-              <a:buNone/>
-            </a:pPr>
-            <a:r>
-              <a:rPr lang="en-US" sz="2400" dirty="0" smtClean="0">
-                <a:latin typeface="Consolas" pitchFamily="49" charset="0"/>
-                <a:cs typeface="Consolas" pitchFamily="49" charset="0"/>
-              </a:rPr>
-              <a:t> </a:t>
-            </a:r>
-            <a:r>
-              <a:rPr lang="en-US" sz="2400" dirty="0" smtClean="0">
-                <a:latin typeface="Consolas" pitchFamily="49" charset="0"/>
-                <a:cs typeface="Consolas" pitchFamily="49" charset="0"/>
-              </a:rPr>
-              <a:t>  user       system     total      </a:t>
-            </a:r>
-            <a:r>
-              <a:rPr lang="en-US" sz="2400" dirty="0" smtClean="0">
-                <a:latin typeface="Consolas" pitchFamily="49" charset="0"/>
-                <a:cs typeface="Consolas" pitchFamily="49" charset="0"/>
-              </a:rPr>
-              <a:t>real </a:t>
-            </a:r>
-          </a:p>
-          <a:p>
-            <a:pPr>
-              <a:buNone/>
-            </a:pPr>
-            <a:r>
-              <a:rPr lang="en-US" sz="2400" dirty="0" smtClean="0">
-                <a:latin typeface="Consolas" pitchFamily="49" charset="0"/>
-                <a:cs typeface="Consolas" pitchFamily="49" charset="0"/>
-              </a:rPr>
-              <a:t>   0.093601   </a:t>
-            </a:r>
-            <a:r>
-              <a:rPr lang="en-US" sz="2400" dirty="0" smtClean="0">
-                <a:latin typeface="Consolas" pitchFamily="49" charset="0"/>
-                <a:cs typeface="Consolas" pitchFamily="49" charset="0"/>
-              </a:rPr>
-              <a:t>0.000000   0.093601 </a:t>
-            </a:r>
-            <a:r>
-              <a:rPr lang="en-US" sz="2400" dirty="0" smtClean="0">
-                <a:latin typeface="Consolas" pitchFamily="49" charset="0"/>
-                <a:cs typeface="Consolas" pitchFamily="49" charset="0"/>
-              </a:rPr>
-              <a:t>  (  0.090000)</a:t>
-            </a:r>
-          </a:p>
-          <a:p>
-            <a:pPr>
-              <a:buNone/>
-            </a:pPr>
-            <a:r>
-              <a:rPr lang="en-US" sz="2400" dirty="0" smtClean="0">
-                <a:latin typeface="Consolas" pitchFamily="49" charset="0"/>
-                <a:cs typeface="Consolas" pitchFamily="49" charset="0"/>
-              </a:rPr>
-              <a:t> </a:t>
-            </a:r>
-            <a:r>
-              <a:rPr lang="en-US" sz="2400" dirty="0" smtClean="0">
-                <a:latin typeface="Consolas" pitchFamily="49" charset="0"/>
-                <a:cs typeface="Consolas" pitchFamily="49" charset="0"/>
-              </a:rPr>
-              <a:t>  0.265202   </a:t>
-            </a:r>
-            <a:r>
-              <a:rPr lang="en-US" sz="2400" dirty="0" smtClean="0">
-                <a:latin typeface="Consolas" pitchFamily="49" charset="0"/>
-                <a:cs typeface="Consolas" pitchFamily="49" charset="0"/>
-              </a:rPr>
-              <a:t>0.000000   0.265202 </a:t>
-            </a:r>
-            <a:r>
-              <a:rPr lang="en-US" sz="2400" dirty="0" smtClean="0">
-                <a:latin typeface="Consolas" pitchFamily="49" charset="0"/>
-                <a:cs typeface="Consolas" pitchFamily="49" charset="0"/>
-              </a:rPr>
-              <a:t>  (  </a:t>
-            </a:r>
-            <a:r>
-              <a:rPr lang="en-US" sz="2400" dirty="0" smtClean="0">
-                <a:latin typeface="Consolas" pitchFamily="49" charset="0"/>
-                <a:cs typeface="Consolas" pitchFamily="49" charset="0"/>
-              </a:rPr>
-              <a:t>0.154004)</a:t>
-            </a:r>
-          </a:p>
-          <a:p>
-            <a:pPr>
-              <a:buNone/>
-            </a:pPr>
-            <a:r>
-              <a:rPr lang="en-US" sz="2400" dirty="0" smtClean="0">
-                <a:latin typeface="Consolas" pitchFamily="49" charset="0"/>
-                <a:cs typeface="Consolas" pitchFamily="49" charset="0"/>
-              </a:rPr>
-              <a:t>   0.093601   </a:t>
-            </a:r>
-            <a:r>
-              <a:rPr lang="en-US" sz="2400" dirty="0" smtClean="0">
-                <a:latin typeface="Consolas" pitchFamily="49" charset="0"/>
-                <a:cs typeface="Consolas" pitchFamily="49" charset="0"/>
-              </a:rPr>
-              <a:t>0.000000   0.093601 </a:t>
-            </a:r>
-            <a:r>
-              <a:rPr lang="en-US" sz="2400" dirty="0" smtClean="0">
-                <a:latin typeface="Consolas" pitchFamily="49" charset="0"/>
-                <a:cs typeface="Consolas" pitchFamily="49" charset="0"/>
-              </a:rPr>
-              <a:t>  (  </a:t>
-            </a:r>
-            <a:r>
-              <a:rPr lang="en-US" sz="2400" dirty="0" smtClean="0">
-                <a:latin typeface="Consolas" pitchFamily="49" charset="0"/>
-                <a:cs typeface="Consolas" pitchFamily="49" charset="0"/>
-              </a:rPr>
-              <a:t>0.080000)</a:t>
-            </a:r>
-          </a:p>
-          <a:p>
-            <a:pPr>
-              <a:buNone/>
-            </a:pPr>
-            <a:r>
-              <a:rPr lang="en-US" sz="2400" dirty="0" smtClean="0">
-                <a:latin typeface="Consolas" pitchFamily="49" charset="0"/>
-                <a:cs typeface="Consolas" pitchFamily="49" charset="0"/>
-              </a:rPr>
-              <a:t>   0.046800   </a:t>
-            </a:r>
-            <a:r>
-              <a:rPr lang="en-US" sz="2400" dirty="0" smtClean="0">
-                <a:latin typeface="Consolas" pitchFamily="49" charset="0"/>
-                <a:cs typeface="Consolas" pitchFamily="49" charset="0"/>
-              </a:rPr>
-              <a:t>0.000000   0.046800 </a:t>
-            </a:r>
-            <a:r>
-              <a:rPr lang="en-US" sz="2400" dirty="0" smtClean="0">
-                <a:latin typeface="Consolas" pitchFamily="49" charset="0"/>
-                <a:cs typeface="Consolas" pitchFamily="49" charset="0"/>
-              </a:rPr>
-              <a:t>  (  </a:t>
-            </a:r>
-            <a:r>
-              <a:rPr lang="en-US" sz="2400" dirty="0" smtClean="0">
-                <a:latin typeface="Consolas" pitchFamily="49" charset="0"/>
-                <a:cs typeface="Consolas" pitchFamily="49" charset="0"/>
-              </a:rPr>
-              <a:t>0.075001)</a:t>
-            </a:r>
-          </a:p>
-          <a:p>
-            <a:pPr>
-              <a:buNone/>
-            </a:pPr>
-            <a:r>
-              <a:rPr lang="en-US" sz="2400" dirty="0" smtClean="0">
-                <a:latin typeface="Consolas" pitchFamily="49" charset="0"/>
-                <a:cs typeface="Consolas" pitchFamily="49" charset="0"/>
-              </a:rPr>
-              <a:t>   0.078000   </a:t>
-            </a:r>
-            <a:r>
-              <a:rPr lang="en-US" sz="2400" dirty="0" smtClean="0">
-                <a:latin typeface="Consolas" pitchFamily="49" charset="0"/>
-                <a:cs typeface="Consolas" pitchFamily="49" charset="0"/>
-              </a:rPr>
-              <a:t>0.000000   </a:t>
-            </a:r>
-            <a:r>
-              <a:rPr lang="en-US" sz="2400" dirty="0" smtClean="0">
-                <a:latin typeface="Consolas" pitchFamily="49" charset="0"/>
-                <a:cs typeface="Consolas" pitchFamily="49" charset="0"/>
-              </a:rPr>
-              <a:t>0.078000   </a:t>
-            </a:r>
-            <a:r>
-              <a:rPr lang="en-US" sz="2400" dirty="0" smtClean="0">
-                <a:latin typeface="Consolas" pitchFamily="49" charset="0"/>
-                <a:cs typeface="Consolas" pitchFamily="49" charset="0"/>
-              </a:rPr>
-              <a:t>(  0.062001)</a:t>
-            </a:r>
-          </a:p>
-          <a:p>
-            <a:pPr>
-              <a:buNone/>
-            </a:pPr>
-            <a:endParaRPr lang="en-US" sz="2400" dirty="0" smtClean="0">
-              <a:latin typeface="Consolas" pitchFamily="49" charset="0"/>
-              <a:cs typeface="Consolas" pitchFamily="49" charset="0"/>
-            </a:endParaRPr>
+            <a:r>
+              <a:rPr lang="en-US" sz="6600" dirty="0" err="1" smtClean="0"/>
+              <a:t>RubySpec</a:t>
+            </a:r>
+            <a:r>
+              <a:rPr lang="en-US" sz="6600" dirty="0" smtClean="0"/>
+              <a:t/>
+            </a:r>
+            <a:br>
+              <a:rPr lang="en-US" sz="6600" dirty="0" smtClean="0"/>
+            </a:br>
+            <a:r>
+              <a:rPr lang="en-US" sz="6600" dirty="0" smtClean="0"/>
+              <a:t/>
+            </a:r>
+            <a:br>
+              <a:rPr lang="en-US" sz="6600" dirty="0" smtClean="0"/>
+            </a:br>
+            <a:r>
+              <a:rPr lang="en-US" dirty="0" smtClean="0"/>
+              <a:t>http://ironruby.info</a:t>
+            </a:r>
+            <a:endParaRPr lang="en-US" dirty="0"/>
           </a:p>
         </p:txBody>
       </p:sp>
@@ -11726,6 +11197,17 @@
 <file path=ppt/slides/slide27.xml><?xml version="1.0" encoding="utf-8"?>
 <p:sld xmlns:a="http://schemas.openxmlformats.org/drawingml/2006/main" xmlns:r="http://schemas.openxmlformats.org/officeDocument/2006/relationships" xmlns:p="http://schemas.openxmlformats.org/presentationml/2006/main">
   <p:cSld>
+    <p:bg>
+      <p:bgPr shadeToTitle="1">
+        <a:solidFill>
+          <a:schemeClr val="tx1">
+            <a:lumMod val="75000"/>
+            <a:lumOff val="25000"/>
+          </a:schemeClr>
+        </a:solidFill>
+        <a:effectLst/>
+      </p:bgPr>
+    </p:bg>
     <p:spTree>
       <p:nvGrpSpPr>
         <p:cNvPr id="1" name=""/>
@@ -11742,30 +11224,6 @@
       </p:grpSpPr>
       <p:sp>
         <p:nvSpPr>
-          <p:cNvPr id="2" name="Title 1"/>
-          <p:cNvSpPr>
-            <a:spLocks noGrp="1"/>
-          </p:cNvSpPr>
-          <p:nvPr>
-            <p:ph type="title"/>
-          </p:nvPr>
-        </p:nvSpPr>
-        <p:spPr/>
-        <p:txBody>
-          <a:bodyPr/>
-          <a:lstStyle/>
-          <a:p>
-            <a:pPr algn="r"/>
-            <a:r>
-              <a:rPr lang="en-US" dirty="0" smtClean="0"/>
-              <a:t>community</a:t>
-            </a:r>
-            <a:endParaRPr lang="en-US" dirty="0"/>
-          </a:p>
-        </p:txBody>
-      </p:sp>
-      <p:sp>
-        <p:nvSpPr>
           <p:cNvPr id="3" name="Content Placeholder 2"/>
           <p:cNvSpPr>
             <a:spLocks noGrp="1"/>
@@ -11774,22 +11232,24 @@
             <p:ph idx="1"/>
           </p:nvPr>
         </p:nvSpPr>
-        <p:spPr/>
+        <p:spPr>
+          <a:xfrm>
+            <a:off x="304800" y="0"/>
+            <a:ext cx="8839200" cy="6858000"/>
+          </a:xfrm>
+        </p:spPr>
         <p:txBody>
           <a:bodyPr>
-            <a:normAutofit fontScale="55000" lnSpcReduction="20000"/>
+            <a:normAutofit lnSpcReduction="10000"/>
           </a:bodyPr>
           <a:lstStyle/>
           <a:p>
             <a:pPr>
               <a:buNone/>
             </a:pPr>
-            <a:r>
-              <a:rPr lang="en-US" b="1" dirty="0" smtClean="0"/>
-              <a:t>Patches:</a:t>
-            </a:r>
-            <a:endParaRPr lang="en-US" b="1" dirty="0" smtClean="0">
-              <a:hlinkClick r:id="rId2"/>
+            <a:endParaRPr lang="en-US" sz="2400" dirty="0" smtClean="0">
+              <a:latin typeface="Consolas" pitchFamily="49" charset="0"/>
+              <a:cs typeface="Consolas" pitchFamily="49" charset="0"/>
             </a:endParaRPr>
           </a:p>
           <a:p>
@@ -11797,139 +11257,48 @@
               <a:buNone/>
             </a:pPr>
             <a:r>
-              <a:rPr lang="en-US" dirty="0" smtClean="0">
-                <a:hlinkClick r:id="rId2"/>
-              </a:rPr>
-              <a:t>http://github.com/nrk</a:t>
-            </a:r>
-            <a:endParaRPr lang="en-US" dirty="0" smtClean="0"/>
-          </a:p>
-          <a:p>
-            <a:pPr>
-              <a:buNone/>
-            </a:pPr>
-            <a:r>
-              <a:rPr lang="en-US" dirty="0" err="1" smtClean="0"/>
-              <a:t>Jirapong</a:t>
-            </a:r>
-            <a:r>
-              <a:rPr lang="en-US" dirty="0" smtClean="0"/>
-              <a:t> </a:t>
-            </a:r>
-            <a:r>
-              <a:rPr lang="en-US" dirty="0" err="1" smtClean="0"/>
-              <a:t>Nanta</a:t>
-            </a:r>
-            <a:r>
-              <a:rPr lang="en-US" dirty="0" smtClean="0"/>
-              <a:t> (</a:t>
-            </a:r>
-            <a:r>
-              <a:rPr lang="en-US" dirty="0" err="1" smtClean="0"/>
-              <a:t>RubyGems</a:t>
-            </a:r>
-            <a:r>
-              <a:rPr lang="en-US" dirty="0" smtClean="0"/>
-              <a:t>, </a:t>
-            </a:r>
-            <a:r>
-              <a:rPr lang="en-US" dirty="0" err="1" smtClean="0"/>
-              <a:t>OpenSSL</a:t>
-            </a:r>
-            <a:r>
-              <a:rPr lang="en-US" dirty="0" smtClean="0"/>
-              <a:t>)</a:t>
-            </a:r>
-          </a:p>
-          <a:p>
-            <a:pPr>
-              <a:buNone/>
-            </a:pPr>
-            <a:r>
-              <a:rPr lang="en-US" dirty="0" smtClean="0"/>
-              <a:t>Thibaut Barrère  (</a:t>
-            </a:r>
-            <a:r>
-              <a:rPr lang="en-US" dirty="0" err="1" smtClean="0"/>
-              <a:t>IO.popen</a:t>
-            </a:r>
-            <a:r>
-              <a:rPr lang="en-US" dirty="0" smtClean="0"/>
-              <a:t>)</a:t>
-            </a:r>
-          </a:p>
-          <a:p>
-            <a:pPr>
-              <a:buNone/>
-            </a:pPr>
-            <a:endParaRPr lang="en-US" b="1" dirty="0" smtClean="0"/>
-          </a:p>
-          <a:p>
-            <a:pPr>
-              <a:buNone/>
-            </a:pPr>
-            <a:r>
-              <a:rPr lang="en-US" b="1" dirty="0" smtClean="0"/>
-              <a:t>Mono build:</a:t>
-            </a:r>
-          </a:p>
-          <a:p>
-            <a:pPr>
-              <a:buNone/>
-            </a:pPr>
-            <a:r>
-              <a:rPr lang="en-US" dirty="0" smtClean="0"/>
-              <a:t>Michael </a:t>
-            </a:r>
-            <a:r>
-              <a:rPr lang="en-US" dirty="0" err="1" smtClean="0"/>
-              <a:t>Letterlee</a:t>
-            </a:r>
-            <a:endParaRPr lang="en-US" dirty="0" smtClean="0"/>
-          </a:p>
-          <a:p>
-            <a:pPr>
-              <a:buNone/>
-            </a:pPr>
-            <a:r>
-              <a:rPr lang="en-US" dirty="0" smtClean="0"/>
-              <a:t>Ivan Porto Carrero</a:t>
-            </a:r>
-          </a:p>
-          <a:p>
-            <a:pPr>
-              <a:buNone/>
-            </a:pPr>
-            <a:endParaRPr lang="en-US" dirty="0" smtClean="0"/>
-          </a:p>
-          <a:p>
-            <a:pPr>
-              <a:buNone/>
-            </a:pPr>
-            <a:r>
-              <a:rPr lang="en-US" b="1" dirty="0" smtClean="0"/>
-              <a:t>Core Team:</a:t>
-            </a:r>
-          </a:p>
-          <a:p>
-            <a:pPr>
-              <a:buNone/>
-            </a:pPr>
-            <a:r>
-              <a:rPr lang="en-US" dirty="0" smtClean="0"/>
-              <a:t>Shri Borde</a:t>
-            </a:r>
-          </a:p>
-          <a:p>
-            <a:pPr>
-              <a:buNone/>
-            </a:pPr>
-            <a:r>
-              <a:rPr lang="en-US" dirty="0" smtClean="0"/>
-              <a:t>Tomas</a:t>
-            </a:r>
-            <a:endParaRPr lang="en-US" dirty="0" smtClean="0">
-              <a:hlinkClick r:id="rId3"/>
+              <a:rPr lang="en-US" sz="2400" dirty="0" smtClean="0">
+                <a:latin typeface="Consolas" pitchFamily="49" charset="0"/>
+                <a:cs typeface="Consolas" pitchFamily="49" charset="0"/>
+              </a:rPr>
+              <a:t>100_000.times{|</a:t>
+            </a:r>
+            <a:r>
+              <a:rPr lang="en-US" sz="2400" dirty="0" err="1" smtClean="0">
+                <a:latin typeface="Consolas" pitchFamily="49" charset="0"/>
+                <a:cs typeface="Consolas" pitchFamily="49" charset="0"/>
+              </a:rPr>
+              <a:t>i</a:t>
+            </a:r>
+            <a:r>
+              <a:rPr lang="en-US" sz="2400" dirty="0" smtClean="0">
+                <a:latin typeface="Consolas" pitchFamily="49" charset="0"/>
+                <a:cs typeface="Consolas" pitchFamily="49" charset="0"/>
+              </a:rPr>
+              <a:t>| </a:t>
+            </a:r>
+            <a:r>
+              <a:rPr lang="en-US" sz="2400" dirty="0" err="1" smtClean="0">
+                <a:latin typeface="Consolas" pitchFamily="49" charset="0"/>
+                <a:cs typeface="Consolas" pitchFamily="49" charset="0"/>
+              </a:rPr>
+              <a:t>i</a:t>
+            </a:r>
+            <a:r>
+              <a:rPr lang="en-US" sz="2400" dirty="0" smtClean="0">
+                <a:latin typeface="Consolas" pitchFamily="49" charset="0"/>
+                <a:cs typeface="Consolas" pitchFamily="49" charset="0"/>
+              </a:rPr>
+              <a:t> + 1}</a:t>
+            </a:r>
+          </a:p>
+          <a:p>
+            <a:pPr>
+              <a:buNone/>
+            </a:pPr>
+            <a:endParaRPr lang="en-US" sz="2400" dirty="0" smtClean="0">
+              <a:latin typeface="Consolas" pitchFamily="49" charset="0"/>
+              <a:cs typeface="Consolas" pitchFamily="49" charset="0"/>
             </a:endParaRPr>
           </a:p>
           <a:p>
@@ -11937,42 +11306,162 @@
               <a:buNone/>
             </a:pPr>
             <a:r>
-              <a:rPr lang="en-US" dirty="0" smtClean="0"/>
-              <a:t>Jim Deville</a:t>
-            </a:r>
-          </a:p>
-          <a:p>
-            <a:pPr>
-              <a:buNone/>
-            </a:pPr>
-            <a:r>
-              <a:rPr lang="en-US" dirty="0" smtClean="0"/>
-              <a:t>Jimmy Schementi</a:t>
-            </a:r>
-          </a:p>
-          <a:p>
-            <a:pPr>
-              <a:buNone/>
-            </a:pPr>
-            <a:endParaRPr lang="en-US" dirty="0" smtClean="0"/>
-          </a:p>
-          <a:p>
-            <a:pPr>
-              <a:buNone/>
-            </a:pPr>
-            <a:r>
-              <a:rPr lang="en-US" dirty="0" smtClean="0">
-                <a:hlinkClick r:id="rId4"/>
-              </a:rPr>
-              <a:t>http://wiki.github.com/ironruby/ironruby/contributing</a:t>
-            </a:r>
-            <a:endParaRPr lang="en-US" dirty="0" smtClean="0"/>
-          </a:p>
-          <a:p>
-            <a:pPr>
-              <a:buNone/>
-            </a:pPr>
-            <a:endParaRPr lang="en-US" dirty="0"/>
+              <a:rPr lang="en-US" sz="2400" dirty="0" smtClean="0">
+                <a:latin typeface="Consolas" pitchFamily="49" charset="0"/>
+                <a:cs typeface="Consolas" pitchFamily="49" charset="0"/>
+              </a:rPr>
+              <a:t>Ruby:</a:t>
+            </a:r>
+          </a:p>
+          <a:p>
+            <a:pPr>
+              <a:buNone/>
+            </a:pPr>
+            <a:r>
+              <a:rPr lang="en-US" sz="2400" dirty="0" smtClean="0">
+                <a:latin typeface="Consolas" pitchFamily="49" charset="0"/>
+                <a:cs typeface="Consolas" pitchFamily="49" charset="0"/>
+              </a:rPr>
+              <a:t>   user       system     total      real</a:t>
+            </a:r>
+          </a:p>
+          <a:p>
+            <a:pPr>
+              <a:buNone/>
+            </a:pPr>
+            <a:r>
+              <a:rPr lang="en-US" sz="2400" dirty="0" smtClean="0">
+                <a:latin typeface="Consolas" pitchFamily="49" charset="0"/>
+                <a:cs typeface="Consolas" pitchFamily="49" charset="0"/>
+              </a:rPr>
+              <a:t>   0.078000   0.000000   0.078000   (  0.080000)</a:t>
+            </a:r>
+          </a:p>
+          <a:p>
+            <a:pPr>
+              <a:buNone/>
+            </a:pPr>
+            <a:r>
+              <a:rPr lang="en-US" sz="2400" dirty="0" smtClean="0">
+                <a:latin typeface="Consolas" pitchFamily="49" charset="0"/>
+                <a:cs typeface="Consolas" pitchFamily="49" charset="0"/>
+              </a:rPr>
+              <a:t>   0.078000   0.000000   0.078000   (  0.084000) </a:t>
+            </a:r>
+          </a:p>
+          <a:p>
+            <a:pPr>
+              <a:buNone/>
+            </a:pPr>
+            <a:r>
+              <a:rPr lang="en-US" sz="2400" dirty="0" smtClean="0">
+                <a:latin typeface="Consolas" pitchFamily="49" charset="0"/>
+                <a:cs typeface="Consolas" pitchFamily="49" charset="0"/>
+              </a:rPr>
+              <a:t>   0.094000   0.000000   0.094000   (  0.082000)</a:t>
+            </a:r>
+          </a:p>
+          <a:p>
+            <a:pPr>
+              <a:buNone/>
+            </a:pPr>
+            <a:endParaRPr lang="en-US" sz="2400" dirty="0" smtClean="0">
+              <a:latin typeface="Consolas" pitchFamily="49" charset="0"/>
+              <a:cs typeface="Consolas" pitchFamily="49" charset="0"/>
+            </a:endParaRPr>
+          </a:p>
+          <a:p>
+            <a:pPr>
+              <a:buNone/>
+            </a:pPr>
+            <a:r>
+              <a:rPr lang="en-US" sz="2400" dirty="0" smtClean="0">
+                <a:latin typeface="Consolas" pitchFamily="49" charset="0"/>
+                <a:cs typeface="Consolas" pitchFamily="49" charset="0"/>
+              </a:rPr>
+              <a:t>IronRuby:</a:t>
+            </a:r>
+          </a:p>
+          <a:p>
+            <a:pPr>
+              <a:buNone/>
+            </a:pPr>
+            <a:r>
+              <a:rPr lang="en-US" sz="2400" dirty="0" smtClean="0">
+                <a:latin typeface="Consolas" pitchFamily="49" charset="0"/>
+                <a:cs typeface="Consolas" pitchFamily="49" charset="0"/>
+              </a:rPr>
+              <a:t>   user       system     total      real </a:t>
+            </a:r>
+          </a:p>
+          <a:p>
+            <a:pPr>
+              <a:buNone/>
+            </a:pPr>
+            <a:r>
+              <a:rPr lang="en-US" sz="2400" dirty="0" smtClean="0">
+                <a:latin typeface="Consolas" pitchFamily="49" charset="0"/>
+                <a:cs typeface="Consolas" pitchFamily="49" charset="0"/>
+              </a:rPr>
+              <a:t>   0.093601   0.000000   0.093601   (  0.090000)</a:t>
+            </a:r>
+          </a:p>
+          <a:p>
+            <a:pPr>
+              <a:buNone/>
+            </a:pPr>
+            <a:r>
+              <a:rPr lang="en-US" sz="2400" dirty="0" smtClean="0">
+                <a:latin typeface="Consolas" pitchFamily="49" charset="0"/>
+                <a:cs typeface="Consolas" pitchFamily="49" charset="0"/>
+              </a:rPr>
+              <a:t>   0.265202   0.000000   0.265202   (  0.154004)</a:t>
+            </a:r>
+          </a:p>
+          <a:p>
+            <a:pPr>
+              <a:buNone/>
+            </a:pPr>
+            <a:r>
+              <a:rPr lang="en-US" sz="2400" dirty="0" smtClean="0">
+                <a:latin typeface="Consolas" pitchFamily="49" charset="0"/>
+                <a:cs typeface="Consolas" pitchFamily="49" charset="0"/>
+              </a:rPr>
+              <a:t>   0.093601   0.000000   0.093601   (  0.080000)</a:t>
+            </a:r>
+          </a:p>
+          <a:p>
+            <a:pPr>
+              <a:buNone/>
+            </a:pPr>
+            <a:r>
+              <a:rPr lang="en-US" sz="2400" dirty="0" smtClean="0">
+                <a:latin typeface="Consolas" pitchFamily="49" charset="0"/>
+                <a:cs typeface="Consolas" pitchFamily="49" charset="0"/>
+              </a:rPr>
+              <a:t>   0.046800   0.000000   0.046800   (  0.075001)</a:t>
+            </a:r>
+          </a:p>
+          <a:p>
+            <a:pPr>
+              <a:buNone/>
+            </a:pPr>
+            <a:r>
+              <a:rPr lang="en-US" sz="2400" dirty="0" smtClean="0">
+                <a:latin typeface="Consolas" pitchFamily="49" charset="0"/>
+                <a:cs typeface="Consolas" pitchFamily="49" charset="0"/>
+              </a:rPr>
+              <a:t>   0.078000   0.000000   0.078000   (  0.062001)</a:t>
+            </a:r>
+          </a:p>
+          <a:p>
+            <a:pPr>
+              <a:buNone/>
+            </a:pPr>
+            <a:endParaRPr lang="en-US" sz="2400" dirty="0" smtClean="0">
+              <a:latin typeface="Consolas" pitchFamily="49" charset="0"/>
+              <a:cs typeface="Consolas" pitchFamily="49" charset="0"/>
+            </a:endParaRPr>
           </a:p>
         </p:txBody>
       </p:sp>
@@ -11981,9 +11470,6 @@
   <p:clrMapOvr>
     <a:masterClrMapping/>
   </p:clrMapOvr>
-  <p:transition>
-    <p:fade/>
-  </p:transition>
   <p:timing>
     <p:tnLst>
       <p:par>
@@ -11997,6 +11483,16 @@
 <file path=ppt/slides/slide28.xml><?xml version="1.0" encoding="utf-8"?>
 <p:sld xmlns:a="http://schemas.openxmlformats.org/drawingml/2006/main" xmlns:r="http://schemas.openxmlformats.org/officeDocument/2006/relationships" xmlns:p="http://schemas.openxmlformats.org/presentationml/2006/main">
   <p:cSld>
+    <p:bg>
+      <p:bgPr shadeToTitle="1">
+        <a:solidFill>
+          <a:schemeClr val="accent1">
+            <a:lumMod val="50000"/>
+          </a:schemeClr>
+        </a:solidFill>
+        <a:effectLst/>
+      </p:bgPr>
+    </p:bg>
     <p:spTree>
       <p:nvGrpSpPr>
         <p:cNvPr id="1" name=""/>
@@ -12028,8 +11524,8 @@
           <a:p>
             <a:pPr algn="r"/>
             <a:r>
-              <a:rPr lang="en-US" dirty="0" err="1" smtClean="0"/>
-              <a:t>ironruby-contrib</a:t>
+              <a:rPr lang="en-US" dirty="0" smtClean="0"/>
+              <a:t>community</a:t>
             </a:r>
             <a:endParaRPr lang="en-US" dirty="0"/>
           </a:p>
@@ -12045,122 +11541,199 @@
             <p:ph idx="1"/>
           </p:nvPr>
         </p:nvSpPr>
-        <p:spPr/>
+        <p:spPr>
+          <a:xfrm>
+            <a:off x="990600" y="0"/>
+            <a:ext cx="4038600" cy="6858000"/>
+          </a:xfrm>
+        </p:spPr>
         <p:txBody>
           <a:bodyPr>
-            <a:normAutofit fontScale="92500" lnSpcReduction="10000"/>
+            <a:noAutofit/>
           </a:bodyPr>
           <a:lstStyle/>
           <a:p>
             <a:pPr>
               <a:buNone/>
             </a:pPr>
-            <a:r>
-              <a:rPr lang="en-US" dirty="0" smtClean="0"/>
-              <a:t>IronRuby MVC - Ivan Porto Carrero</a:t>
-            </a:r>
-          </a:p>
-          <a:p>
-            <a:pPr>
-              <a:buNone/>
-            </a:pPr>
-            <a:r>
-              <a:rPr lang="en-US" dirty="0" err="1" smtClean="0"/>
-              <a:t>silverline</a:t>
-            </a:r>
-            <a:r>
-              <a:rPr lang="en-US" dirty="0" smtClean="0"/>
-              <a:t> – Silverlight + Rack</a:t>
-            </a:r>
-          </a:p>
-          <a:p>
-            <a:pPr>
-              <a:buNone/>
-            </a:pPr>
-            <a:r>
-              <a:rPr lang="en-US" dirty="0" err="1" smtClean="0"/>
-              <a:t>ironnails</a:t>
-            </a:r>
-            <a:r>
-              <a:rPr lang="en-US" dirty="0" smtClean="0"/>
-              <a:t> – Pretty WPF/SL </a:t>
-            </a:r>
-            <a:r>
-              <a:rPr lang="en-US" dirty="0" err="1" smtClean="0"/>
-              <a:t>DataBinding</a:t>
-            </a:r>
-            <a:endParaRPr lang="en-US" dirty="0" smtClean="0"/>
-          </a:p>
-          <a:p>
-            <a:pPr>
-              <a:buNone/>
-            </a:pPr>
-            <a:r>
-              <a:rPr lang="en-US" dirty="0" smtClean="0"/>
-              <a:t>magic – DSL for UI development (</a:t>
-            </a:r>
-            <a:r>
-              <a:rPr lang="en-US" dirty="0" err="1" smtClean="0"/>
-              <a:t>winforms</a:t>
-            </a:r>
-            <a:r>
-              <a:rPr lang="en-US" dirty="0" smtClean="0"/>
-              <a:t>, WPF, Silverlight)</a:t>
-            </a:r>
-          </a:p>
-          <a:p>
-            <a:pPr>
-              <a:buNone/>
-            </a:pPr>
-            <a:r>
-              <a:rPr lang="en-US" dirty="0" err="1" smtClean="0"/>
-              <a:t>irdb</a:t>
-            </a:r>
-            <a:r>
-              <a:rPr lang="en-US" dirty="0" smtClean="0"/>
-              <a:t> – Ruby database layer for </a:t>
-            </a:r>
-            <a:r>
-              <a:rPr lang="en-US" dirty="0" err="1" smtClean="0"/>
-              <a:t>System.Data.SqlClient</a:t>
-            </a:r>
-            <a:r>
-              <a:rPr lang="en-US" dirty="0" smtClean="0"/>
-              <a:t>.</a:t>
-            </a:r>
-          </a:p>
-          <a:p>
-            <a:pPr>
-              <a:buNone/>
-            </a:pPr>
-            <a:r>
-              <a:rPr lang="en-US" b="1" dirty="0" smtClean="0"/>
-              <a:t>Hpricot, JSON - </a:t>
-            </a:r>
-            <a:r>
-              <a:rPr lang="en-US" dirty="0" smtClean="0"/>
+            <a:endParaRPr lang="en-US" sz="2400" b="1" dirty="0" smtClean="0"/>
+          </a:p>
+          <a:p>
+            <a:pPr>
+              <a:buNone/>
+            </a:pPr>
+            <a:r>
+              <a:rPr lang="en-US" sz="2400" b="1" dirty="0" smtClean="0"/>
+              <a:t>Active Contributors</a:t>
+            </a:r>
+          </a:p>
+          <a:p>
+            <a:pPr>
+              <a:buFontTx/>
+              <a:buChar char="-"/>
+            </a:pPr>
+            <a:r>
+              <a:rPr lang="en-US" sz="2400" dirty="0" smtClean="0"/>
+              <a:t>Michael </a:t>
+            </a:r>
+            <a:r>
+              <a:rPr lang="en-US" sz="2400" dirty="0" err="1" smtClean="0"/>
+              <a:t>Letterlee</a:t>
+            </a:r>
+            <a:endParaRPr lang="en-US" sz="2400" dirty="0" smtClean="0"/>
+          </a:p>
+          <a:p>
+            <a:pPr>
+              <a:buFontTx/>
+              <a:buChar char="-"/>
+            </a:pPr>
+            <a:r>
+              <a:rPr lang="en-US" sz="2400" dirty="0" smtClean="0"/>
+              <a:t>Ivan </a:t>
+            </a:r>
+            <a:r>
+              <a:rPr lang="en-US" sz="2400" dirty="0" smtClean="0"/>
+              <a:t>Porto </a:t>
+            </a:r>
+            <a:r>
+              <a:rPr lang="en-US" sz="2400" dirty="0" smtClean="0"/>
+              <a:t>Carrero</a:t>
+            </a:r>
+          </a:p>
+          <a:p>
+            <a:pPr>
+              <a:buFontTx/>
+              <a:buChar char="-"/>
+            </a:pPr>
+            <a:r>
+              <a:rPr lang="en-US" sz="2400" dirty="0" err="1" smtClean="0"/>
+              <a:t>Jirapong</a:t>
+            </a:r>
+            <a:r>
+              <a:rPr lang="en-US" sz="2400" dirty="0" smtClean="0"/>
+              <a:t> </a:t>
+            </a:r>
+            <a:r>
+              <a:rPr lang="en-US" sz="2400" dirty="0" err="1" smtClean="0"/>
+              <a:t>Nanta</a:t>
+            </a:r>
+            <a:endParaRPr lang="en-US" sz="2400" dirty="0" smtClean="0"/>
+          </a:p>
+          <a:p>
+            <a:pPr>
+              <a:buFontTx/>
+              <a:buChar char="-"/>
+            </a:pPr>
+            <a:r>
+              <a:rPr lang="en-US" sz="2400" dirty="0" smtClean="0"/>
               <a:t>Daniele </a:t>
             </a:r>
             <a:r>
-              <a:rPr lang="en-US" dirty="0" err="1" smtClean="0"/>
-              <a:t>Alessandri</a:t>
-            </a:r>
-            <a:endParaRPr lang="en-US" dirty="0" smtClean="0"/>
-          </a:p>
-          <a:p>
-            <a:pPr>
-              <a:buNone/>
-            </a:pPr>
-            <a:r>
-              <a:rPr lang="en-US" dirty="0" smtClean="0"/>
-              <a:t>IRDB - Ray Vernagus</a:t>
-            </a:r>
-          </a:p>
-          <a:p>
-            <a:pPr>
-              <a:buNone/>
-            </a:pPr>
-            <a:endParaRPr lang="en-US" dirty="0" smtClean="0"/>
+              <a:rPr lang="en-US" sz="2400" dirty="0" err="1" smtClean="0"/>
+              <a:t>Assessandri</a:t>
+            </a:r>
+            <a:endParaRPr lang="en-US" sz="2400" dirty="0" smtClean="0"/>
+          </a:p>
+          <a:p>
+            <a:pPr>
+              <a:buFontTx/>
+              <a:buChar char="-"/>
+            </a:pPr>
+            <a:r>
+              <a:rPr lang="en-US" sz="2400" dirty="0" smtClean="0"/>
+              <a:t>Thibaut </a:t>
+            </a:r>
+            <a:r>
+              <a:rPr lang="en-US" sz="2400" dirty="0" err="1" smtClean="0"/>
+              <a:t>Barrere</a:t>
+            </a:r>
+            <a:endParaRPr lang="en-US" sz="2400" dirty="0" smtClean="0"/>
+          </a:p>
+          <a:p>
+            <a:pPr>
+              <a:buFontTx/>
+              <a:buChar char="-"/>
+            </a:pPr>
+            <a:r>
+              <a:rPr lang="en-US" sz="2400" dirty="0" smtClean="0"/>
+              <a:t>Ray Vernagus</a:t>
+            </a:r>
+            <a:endParaRPr lang="en-US" sz="2400" dirty="0" smtClean="0"/>
+          </a:p>
+          <a:p>
+            <a:pPr>
+              <a:buNone/>
+            </a:pPr>
+            <a:endParaRPr lang="en-US" sz="2400" dirty="0" smtClean="0"/>
+          </a:p>
+          <a:p>
+            <a:pPr>
+              <a:buNone/>
+            </a:pPr>
+            <a:r>
+              <a:rPr lang="en-US" sz="2400" b="1" dirty="0" smtClean="0"/>
+              <a:t>Core </a:t>
+            </a:r>
+            <a:r>
+              <a:rPr lang="en-US" sz="2400" b="1" dirty="0" smtClean="0"/>
+              <a:t>Team</a:t>
+            </a:r>
+          </a:p>
+          <a:p>
+            <a:pPr>
+              <a:buFontTx/>
+              <a:buChar char="-"/>
+            </a:pPr>
+            <a:r>
+              <a:rPr lang="en-US" sz="2400" dirty="0" smtClean="0"/>
+              <a:t>John Lam</a:t>
+            </a:r>
+          </a:p>
+          <a:p>
+            <a:pPr>
+              <a:buFontTx/>
+              <a:buChar char="-"/>
+            </a:pPr>
+            <a:r>
+              <a:rPr lang="en-US" sz="2400" dirty="0" smtClean="0"/>
+              <a:t>Shri </a:t>
+            </a:r>
+            <a:r>
+              <a:rPr lang="en-US" sz="2400" dirty="0" smtClean="0"/>
+              <a:t>Borde</a:t>
+            </a:r>
+          </a:p>
+          <a:p>
+            <a:pPr>
+              <a:buFontTx/>
+              <a:buChar char="-"/>
+            </a:pPr>
+            <a:r>
+              <a:rPr lang="en-US" sz="2400" dirty="0" smtClean="0"/>
+              <a:t>Tomas</a:t>
+            </a:r>
+            <a:endParaRPr lang="en-US" sz="2400" dirty="0" smtClean="0"/>
+          </a:p>
+          <a:p>
+            <a:pPr>
+              <a:buFontTx/>
+              <a:buChar char="-"/>
+            </a:pPr>
+            <a:r>
+              <a:rPr lang="en-US" sz="2400" dirty="0" smtClean="0"/>
+              <a:t>Jim Deville</a:t>
+            </a:r>
+          </a:p>
+          <a:p>
+            <a:pPr>
+              <a:buFontTx/>
+              <a:buChar char="-"/>
+            </a:pPr>
+            <a:r>
+              <a:rPr lang="en-US" sz="2400" dirty="0" smtClean="0"/>
+              <a:t>Jimmy Schementi</a:t>
+            </a:r>
+            <a:endParaRPr lang="en-US" sz="2400" dirty="0" smtClean="0"/>
           </a:p>
         </p:txBody>
       </p:sp>
@@ -12188,7 +11761,7 @@
     <p:bg>
       <p:bgPr shadeToTitle="1">
         <a:solidFill>
-          <a:srgbClr val="B31919"/>
+          <a:srgbClr val="E27100"/>
         </a:solidFill>
         <a:effectLst/>
       </p:bgPr>
@@ -12214,63 +11787,167 @@
             <a:spLocks noGrp="1"/>
           </p:cNvSpPr>
           <p:nvPr>
-            <p:ph type="ctrTitle"/>
+            <p:ph type="title"/>
           </p:nvPr>
         </p:nvSpPr>
-        <p:spPr>
-          <a:xfrm>
-            <a:off x="685800" y="2693988"/>
-            <a:ext cx="7772400" cy="1470025"/>
-          </a:xfrm>
-        </p:spPr>
+        <p:spPr/>
+        <p:txBody>
+          <a:bodyPr/>
+          <a:lstStyle/>
+          <a:p>
+            <a:pPr algn="r"/>
+            <a:r>
+              <a:rPr lang="en-US" dirty="0" err="1" smtClean="0"/>
+              <a:t>ironruby-contrib</a:t>
+            </a:r>
+            <a:endParaRPr lang="en-US" dirty="0"/>
+          </a:p>
+        </p:txBody>
+      </p:sp>
+      <p:sp>
+        <p:nvSpPr>
+          <p:cNvPr id="3" name="Content Placeholder 2"/>
+          <p:cNvSpPr>
+            <a:spLocks noGrp="1"/>
+          </p:cNvSpPr>
+          <p:nvPr>
+            <p:ph idx="1"/>
+          </p:nvPr>
+        </p:nvSpPr>
+        <p:spPr/>
         <p:txBody>
           <a:bodyPr>
-            <a:normAutofit fontScale="90000"/>
+            <a:normAutofit fontScale="92500" lnSpcReduction="10000"/>
           </a:bodyPr>
           <a:lstStyle/>
           <a:p>
-            <a:r>
-              <a:rPr lang="en-US" sz="6000" b="1" dirty="0" smtClean="0"/>
-              <a:t>ironruby-0.5 </a:t>
-            </a:r>
-            <a:r>
-              <a:rPr lang="en-US" sz="6000" b="1" dirty="0" smtClean="0"/>
-              <a:t>released</a:t>
+            <a:pPr>
+              <a:buNone/>
+            </a:pPr>
+            <a:r>
+              <a:rPr lang="en-US" dirty="0" smtClean="0"/>
+              <a:t>IronRuby </a:t>
+            </a:r>
+            <a:r>
+              <a:rPr lang="en-US" dirty="0" smtClean="0"/>
+              <a:t>MVC</a:t>
+            </a:r>
+          </a:p>
+          <a:p>
+            <a:pPr>
+              <a:buNone/>
+            </a:pPr>
+            <a:r>
+              <a:rPr lang="en-US" dirty="0" err="1" smtClean="0"/>
+              <a:t>silverline</a:t>
+            </a:r>
+            <a:r>
+              <a:rPr lang="en-US" dirty="0" smtClean="0"/>
+              <a:t> – Silverlight + Rack</a:t>
+            </a:r>
+          </a:p>
+          <a:p>
+            <a:pPr>
+              <a:buNone/>
+            </a:pPr>
+            <a:r>
+              <a:rPr lang="en-US" dirty="0" err="1" smtClean="0"/>
+              <a:t>ironnails</a:t>
+            </a:r>
+            <a:r>
+              <a:rPr lang="en-US" dirty="0" smtClean="0"/>
+              <a:t> – Pretty WPF/SL </a:t>
+            </a:r>
+            <a:r>
+              <a:rPr lang="en-US" dirty="0" err="1" smtClean="0"/>
+              <a:t>DataBinding</a:t>
+            </a:r>
+            <a:endParaRPr lang="en-US" dirty="0" smtClean="0"/>
+          </a:p>
+          <a:p>
+            <a:pPr>
+              <a:buNone/>
+            </a:pPr>
+            <a:r>
+              <a:rPr lang="en-US" dirty="0" smtClean="0"/>
+              <a:t>Magic - DSL for UI development (</a:t>
+            </a:r>
+            <a:r>
+              <a:rPr lang="en-US" dirty="0" err="1" smtClean="0"/>
+              <a:t>winforms</a:t>
+            </a:r>
+            <a:r>
+              <a:rPr lang="en-US" dirty="0" smtClean="0"/>
+              <a:t>, WPF, Silverlight)</a:t>
+            </a:r>
+          </a:p>
+          <a:p>
+            <a:pPr>
+              <a:buNone/>
+            </a:pPr>
+            <a:r>
+              <a:rPr lang="en-US" dirty="0" err="1" smtClean="0"/>
+              <a:t>irdb</a:t>
+            </a:r>
+            <a:r>
+              <a:rPr lang="en-US" dirty="0" smtClean="0"/>
+              <a:t> </a:t>
+            </a:r>
+            <a:r>
+              <a:rPr lang="en-US" dirty="0" smtClean="0"/>
+              <a:t>– Ruby database </a:t>
+            </a:r>
+            <a:r>
+              <a:rPr lang="en-US" dirty="0" smtClean="0"/>
+              <a:t>layer</a:t>
+            </a:r>
+          </a:p>
+          <a:p>
+            <a:pPr>
+              <a:buNone/>
+            </a:pPr>
+            <a:r>
+              <a:rPr lang="en-US" b="1" dirty="0" err="1" smtClean="0"/>
+              <a:t>Hpricot</a:t>
             </a:r>
             <a:r>
               <a:rPr lang="en-US" b="1" dirty="0" smtClean="0"/>
-              <a:t/>
-            </a:r>
-            <a:br>
+              <a:t>, </a:t>
+            </a:r>
+            <a:r>
               <a:rPr lang="en-US" b="1" dirty="0" smtClean="0"/>
-            </a:br>
-            <a:r>
-              <a:rPr lang="en-US" dirty="0" smtClean="0">
-                <a:solidFill>
-                  <a:schemeClr val="bg1">
-                    <a:lumMod val="65000"/>
-                  </a:schemeClr>
-                </a:solidFill>
-              </a:rPr>
-              <a:t>http://</a:t>
-            </a:r>
-            <a:r>
-              <a:rPr lang="en-US" dirty="0" smtClean="0">
-                <a:solidFill>
-                  <a:schemeClr val="bg1">
-                    <a:lumMod val="65000"/>
-                  </a:schemeClr>
-                </a:solidFill>
-              </a:rPr>
-              <a:t>ironruby.net/Download</a:t>
-            </a:r>
-            <a:endParaRPr lang="en-US" dirty="0">
-              <a:solidFill>
-                <a:schemeClr val="bg1">
-                  <a:lumMod val="65000"/>
-                </a:schemeClr>
-              </a:solidFill>
-            </a:endParaRPr>
+              <a:t>JSON</a:t>
+            </a:r>
+            <a:endParaRPr lang="en-US" dirty="0" smtClean="0"/>
+          </a:p>
+          <a:p>
+            <a:pPr>
+              <a:buNone/>
+            </a:pPr>
+            <a:r>
+              <a:rPr lang="en-US" dirty="0" smtClean="0"/>
+              <a:t>IRDB</a:t>
+            </a:r>
+          </a:p>
+          <a:p>
+            <a:pPr>
+              <a:buNone/>
+            </a:pPr>
+            <a:r>
+              <a:rPr lang="en-US" dirty="0" err="1" smtClean="0"/>
+              <a:t>Ironruby</a:t>
+            </a:r>
+            <a:r>
+              <a:rPr lang="en-US" dirty="0" smtClean="0"/>
+              <a:t>-rack</a:t>
+            </a:r>
+            <a:endParaRPr lang="en-US" dirty="0" smtClean="0"/>
+          </a:p>
+          <a:p>
+            <a:pPr>
+              <a:buNone/>
+            </a:pPr>
+            <a:endParaRPr lang="en-US" dirty="0" smtClean="0"/>
           </a:p>
         </p:txBody>
       </p:sp>
@@ -12756,6 +12433,134 @@
 <file path=ppt/slides/slide30.xml><?xml version="1.0" encoding="utf-8"?>
 <p:sld xmlns:a="http://schemas.openxmlformats.org/drawingml/2006/main" xmlns:r="http://schemas.openxmlformats.org/officeDocument/2006/relationships" xmlns:p="http://schemas.openxmlformats.org/presentationml/2006/main">
   <p:cSld>
+    <p:bg>
+      <p:bgPr shadeToTitle="1">
+        <a:solidFill>
+          <a:srgbClr val="B31919"/>
+        </a:solidFill>
+        <a:effectLst/>
+      </p:bgPr>
+    </p:bg>
+    <p:spTree>
+      <p:nvGrpSpPr>
+        <p:cNvPr id="1" name=""/>
+        <p:cNvGrpSpPr/>
+        <p:nvPr/>
+      </p:nvGrpSpPr>
+      <p:grpSpPr>
+        <a:xfrm>
+          <a:off x="0" y="0"/>
+          <a:ext cx="0" cy="0"/>
+          <a:chOff x="0" y="0"/>
+          <a:chExt cx="0" cy="0"/>
+        </a:xfrm>
+      </p:grpSpPr>
+      <p:sp>
+        <p:nvSpPr>
+          <p:cNvPr id="2" name="Title 1"/>
+          <p:cNvSpPr>
+            <a:spLocks noGrp="1"/>
+          </p:cNvSpPr>
+          <p:nvPr>
+            <p:ph type="ctrTitle"/>
+          </p:nvPr>
+        </p:nvSpPr>
+        <p:spPr>
+          <a:xfrm>
+            <a:off x="685800" y="2693988"/>
+            <a:ext cx="7772400" cy="1470025"/>
+          </a:xfrm>
+        </p:spPr>
+        <p:txBody>
+          <a:bodyPr>
+            <a:normAutofit fontScale="90000"/>
+          </a:bodyPr>
+          <a:lstStyle/>
+          <a:p>
+            <a:r>
+              <a:rPr lang="en-US" sz="6000" b="1" dirty="0" smtClean="0"/>
+              <a:t>ironruby-0.5 </a:t>
+            </a:r>
+            <a:r>
+              <a:rPr lang="en-US" sz="6000" b="1" dirty="0" smtClean="0"/>
+              <a:t>release </a:t>
+            </a:r>
+            <a:br>
+              <a:rPr lang="en-US" sz="6000" b="1" dirty="0" smtClean="0"/>
+            </a:br>
+            <a:r>
+              <a:rPr lang="en-US" sz="6000" b="1" dirty="0" smtClean="0"/>
+              <a:t>this </a:t>
+            </a:r>
+            <a:r>
+              <a:rPr lang="en-US" sz="6000" b="1" dirty="0" err="1" smtClean="0"/>
+              <a:t>friday</a:t>
+            </a:r>
+            <a:r>
+              <a:rPr lang="en-US" b="1" dirty="0" smtClean="0"/>
+              <a:t/>
+            </a:r>
+            <a:br>
+              <a:rPr lang="en-US" b="1" dirty="0" smtClean="0"/>
+            </a:br>
+            <a:r>
+              <a:rPr lang="en-US" b="1" dirty="0" smtClean="0"/>
+              <a:t/>
+            </a:r>
+            <a:br>
+              <a:rPr lang="en-US" b="1" dirty="0" smtClean="0"/>
+            </a:br>
+            <a:r>
+              <a:rPr lang="en-US" dirty="0" smtClean="0">
+                <a:solidFill>
+                  <a:schemeClr val="bg1">
+                    <a:lumMod val="65000"/>
+                  </a:schemeClr>
+                </a:solidFill>
+              </a:rPr>
+              <a:t>http</a:t>
+            </a:r>
+            <a:r>
+              <a:rPr lang="en-US" dirty="0" smtClean="0">
+                <a:solidFill>
+                  <a:schemeClr val="bg1">
+                    <a:lumMod val="65000"/>
+                  </a:schemeClr>
+                </a:solidFill>
+              </a:rPr>
+              <a:t>://ironruby.net/Download</a:t>
+            </a:r>
+            <a:endParaRPr lang="en-US" dirty="0">
+              <a:solidFill>
+                <a:schemeClr val="bg1">
+                  <a:lumMod val="65000"/>
+                </a:schemeClr>
+              </a:solidFill>
+            </a:endParaRPr>
+          </a:p>
+        </p:txBody>
+      </p:sp>
+    </p:spTree>
+  </p:cSld>
+  <p:clrMapOvr>
+    <a:masterClrMapping/>
+  </p:clrMapOvr>
+  <p:transition>
+    <p:fade/>
+  </p:transition>
+  <p:timing>
+    <p:tnLst>
+      <p:par>
+        <p:cTn id="1" dur="indefinite" restart="never" nodeType="tmRoot"/>
+      </p:par>
+    </p:tnLst>
+  </p:timing>
+</p:sld>
+</file>
+
+<file path=ppt/slides/slide31.xml><?xml version="1.0" encoding="utf-8"?>
+<p:sld xmlns:a="http://schemas.openxmlformats.org/drawingml/2006/main" xmlns:r="http://schemas.openxmlformats.org/officeDocument/2006/relationships" xmlns:p="http://schemas.openxmlformats.org/presentationml/2006/main">
+  <p:cSld>
     <p:spTree>
       <p:nvGrpSpPr>
         <p:cNvPr id="1" name=""/>
@@ -12865,7 +12670,7 @@
 </p:sld>
 </file>
 
-<file path=ppt/slides/slide31.xml><?xml version="1.0" encoding="utf-8"?>
+<file path=ppt/slides/slide32.xml><?xml version="1.0" encoding="utf-8"?>
 <p:sld xmlns:a="http://schemas.openxmlformats.org/drawingml/2006/main" xmlns:r="http://schemas.openxmlformats.org/officeDocument/2006/relationships" xmlns:p="http://schemas.openxmlformats.org/presentationml/2006/main">
   <p:cSld>
     <p:bg>
@@ -12920,2970 +12725,6 @@
           </a:p>
         </p:txBody>
       </p:sp>
-    </p:spTree>
-  </p:cSld>
-  <p:clrMapOvr>
-    <a:masterClrMapping/>
-  </p:clrMapOvr>
-  <p:transition>
-    <p:fade/>
-  </p:transition>
-  <p:timing>
-    <p:tnLst>
-      <p:par>
-        <p:cTn id="1" dur="indefinite" restart="never" nodeType="tmRoot"/>
-      </p:par>
-    </p:tnLst>
-  </p:timing>
-</p:sld>
-</file>
-
-<file path=ppt/slides/slide32.xml><?xml version="1.0" encoding="utf-8"?>
-<p:sld xmlns:a="http://schemas.openxmlformats.org/drawingml/2006/main" xmlns:r="http://schemas.openxmlformats.org/officeDocument/2006/relationships" xmlns:p="http://schemas.openxmlformats.org/presentationml/2006/main">
-  <p:cSld>
-    <p:spTree>
-      <p:nvGrpSpPr>
-        <p:cNvPr id="1" name=""/>
-        <p:cNvGrpSpPr/>
-        <p:nvPr/>
-      </p:nvGrpSpPr>
-      <p:grpSpPr>
-        <a:xfrm>
-          <a:off x="0" y="0"/>
-          <a:ext cx="0" cy="0"/>
-          <a:chOff x="0" y="0"/>
-          <a:chExt cx="0" cy="0"/>
-        </a:xfrm>
-      </p:grpSpPr>
-      <p:graphicFrame>
-        <p:nvGraphicFramePr>
-          <p:cNvPr id="4" name="Table 3"/>
-          <p:cNvGraphicFramePr>
-            <a:graphicFrameLocks noGrp="1"/>
-          </p:cNvGraphicFramePr>
-          <p:nvPr/>
-        </p:nvGraphicFramePr>
-        <p:xfrm>
-          <a:off x="457200" y="0"/>
-          <a:ext cx="7964922" cy="6857993"/>
-        </p:xfrm>
-        <a:graphic>
-          <a:graphicData uri="http://schemas.openxmlformats.org/drawingml/2006/table">
-            <a:tbl>
-              <a:tblPr firstRow="1" lastCol="1" bandRow="1">
-                <a:tableStyleId>{2A488322-F2BA-4B5B-9748-0D474271808F}</a:tableStyleId>
-              </a:tblPr>
-              <a:tblGrid>
-                <a:gridCol w="1100060"/>
-                <a:gridCol w="991859"/>
-                <a:gridCol w="1413281"/>
-                <a:gridCol w="1069372"/>
-                <a:gridCol w="607028"/>
-                <a:gridCol w="1076124"/>
-                <a:gridCol w="676476"/>
-                <a:gridCol w="1030722"/>
-              </a:tblGrid>
-              <a:tr h="360947">
-                <a:tc>
-                  <a:txBody>
-                    <a:bodyPr/>
-                    <a:lstStyle/>
-                    <a:p>
-                      <a:pPr algn="ctr" fontAlgn="b"/>
-                      <a:r>
-                        <a:rPr lang="en-US" sz="2000" u="none" strike="noStrike" dirty="0"/>
-                        <a:t>server</a:t>
-                      </a:r>
-                      <a:endParaRPr lang="en-US" sz="2000" b="1" i="0" u="none" strike="noStrike" dirty="0">
-                        <a:solidFill>
-                          <a:schemeClr val="bg1"/>
-                        </a:solidFill>
-                        <a:latin typeface="Calibri"/>
-                      </a:endParaRPr>
-                    </a:p>
-                  </a:txBody>
-                  <a:tcPr marL="18047" marR="18047" marT="18047" marB="0" anchor="b"/>
-                </a:tc>
-                <a:tc>
-                  <a:txBody>
-                    <a:bodyPr/>
-                    <a:lstStyle/>
-                    <a:p>
-                      <a:pPr algn="ctr" fontAlgn="b"/>
-                      <a:r>
-                        <a:rPr lang="en-US" sz="2000" u="none" strike="noStrike"/>
-                        <a:t>fx</a:t>
-                      </a:r>
-                      <a:endParaRPr lang="en-US" sz="2000" b="1" i="0" u="none" strike="noStrike">
-                        <a:solidFill>
-                          <a:schemeClr val="bg1"/>
-                        </a:solidFill>
-                        <a:latin typeface="Calibri"/>
-                      </a:endParaRPr>
-                    </a:p>
-                  </a:txBody>
-                  <a:tcPr marL="18047" marR="18047" marT="18047" marB="0" anchor="b"/>
-                </a:tc>
-                <a:tc>
-                  <a:txBody>
-                    <a:bodyPr/>
-                    <a:lstStyle/>
-                    <a:p>
-                      <a:pPr algn="ctr" fontAlgn="b"/>
-                      <a:r>
-                        <a:rPr lang="en-US" sz="2000" u="none" strike="noStrike"/>
-                        <a:t>benchmark</a:t>
-                      </a:r>
-                      <a:endParaRPr lang="en-US" sz="2000" b="1" i="0" u="none" strike="noStrike">
-                        <a:solidFill>
-                          <a:schemeClr val="bg1"/>
-                        </a:solidFill>
-                        <a:latin typeface="Calibri"/>
-                      </a:endParaRPr>
-                    </a:p>
-                  </a:txBody>
-                  <a:tcPr marL="18047" marR="18047" marT="18047" marB="0" anchor="b"/>
-                </a:tc>
-                <a:tc>
-                  <a:txBody>
-                    <a:bodyPr/>
-                    <a:lstStyle/>
-                    <a:p>
-                      <a:pPr algn="ctr" fontAlgn="b"/>
-                      <a:r>
-                        <a:rPr lang="en-US" sz="2000" u="none" strike="noStrike"/>
-                        <a:t>ir</a:t>
-                      </a:r>
-                      <a:endParaRPr lang="en-US" sz="2000" b="1" i="0" u="none" strike="noStrike">
-                        <a:solidFill>
-                          <a:schemeClr val="bg1"/>
-                        </a:solidFill>
-                        <a:latin typeface="Calibri"/>
-                      </a:endParaRPr>
-                    </a:p>
-                  </a:txBody>
-                  <a:tcPr marL="18047" marR="18047" marT="18047" marB="0" anchor="b"/>
-                </a:tc>
-                <a:tc>
-                  <a:txBody>
-                    <a:bodyPr/>
-                    <a:lstStyle/>
-                    <a:p>
-                      <a:pPr algn="ctr" fontAlgn="b"/>
-                      <a:r>
-                        <a:rPr lang="en-US" sz="2000" u="none" strike="noStrike"/>
-                        <a:t>mb</a:t>
-                      </a:r>
-                      <a:endParaRPr lang="en-US" sz="2000" b="1" i="0" u="none" strike="noStrike">
-                        <a:solidFill>
-                          <a:schemeClr val="bg1"/>
-                        </a:solidFill>
-                        <a:latin typeface="Calibri"/>
-                      </a:endParaRPr>
-                    </a:p>
-                  </a:txBody>
-                  <a:tcPr marL="18047" marR="18047" marT="18047" marB="0" anchor="b"/>
-                </a:tc>
-                <a:tc>
-                  <a:txBody>
-                    <a:bodyPr/>
-                    <a:lstStyle/>
-                    <a:p>
-                      <a:pPr algn="ctr" fontAlgn="b"/>
-                      <a:r>
-                        <a:rPr lang="en-US" sz="2000" u="none" strike="noStrike" dirty="0"/>
-                        <a:t>ruby</a:t>
-                      </a:r>
-                      <a:endParaRPr lang="en-US" sz="2000" b="1" i="0" u="none" strike="noStrike" dirty="0">
-                        <a:solidFill>
-                          <a:schemeClr val="bg1"/>
-                        </a:solidFill>
-                        <a:latin typeface="Calibri"/>
-                      </a:endParaRPr>
-                    </a:p>
-                  </a:txBody>
-                  <a:tcPr marL="18047" marR="18047" marT="18047" marB="0" anchor="b"/>
-                </a:tc>
-                <a:tc>
-                  <a:txBody>
-                    <a:bodyPr/>
-                    <a:lstStyle/>
-                    <a:p>
-                      <a:pPr algn="ctr" fontAlgn="b"/>
-                      <a:r>
-                        <a:rPr lang="en-US" sz="2000" u="none" strike="noStrike" dirty="0" err="1" smtClean="0"/>
-                        <a:t>mb</a:t>
-                      </a:r>
-                      <a:endParaRPr lang="en-US" sz="2000" u="none" strike="noStrike" dirty="0" smtClean="0">
-                        <a:solidFill>
-                          <a:schemeClr val="bg1"/>
-                        </a:solidFill>
-                      </a:endParaRPr>
-                    </a:p>
-                  </a:txBody>
-                  <a:tcPr marL="18047" marR="18047" marT="18047" marB="0" anchor="b"/>
-                </a:tc>
-                <a:tc>
-                  <a:txBody>
-                    <a:bodyPr/>
-                    <a:lstStyle/>
-                    <a:p>
-                      <a:pPr algn="ctr" fontAlgn="b"/>
-                      <a:r>
-                        <a:rPr lang="en-US" sz="2000" u="none" strike="noStrike"/>
-                        <a:t>diff</a:t>
-                      </a:r>
-                      <a:endParaRPr lang="en-US" sz="2000" b="1" i="0" u="none" strike="noStrike">
-                        <a:solidFill>
-                          <a:schemeClr val="bg1"/>
-                        </a:solidFill>
-                        <a:latin typeface="Calibri"/>
-                      </a:endParaRPr>
-                    </a:p>
-                  </a:txBody>
-                  <a:tcPr marL="18047" marR="18047" marT="18047" marB="0" anchor="b"/>
-                </a:tc>
-              </a:tr>
-              <a:tr h="360947">
-                <a:tc>
-                  <a:txBody>
-                    <a:bodyPr/>
-                    <a:lstStyle/>
-                    <a:p>
-                      <a:pPr algn="l" fontAlgn="ctr"/>
-                      <a:r>
-                        <a:rPr lang="en-US" sz="2000" u="none" strike="noStrike" dirty="0" err="1"/>
-                        <a:t>WEBrick</a:t>
-                      </a:r>
-                      <a:endParaRPr lang="en-US" sz="2000" b="1" i="0" u="none" strike="noStrike" dirty="0">
-                        <a:solidFill>
-                          <a:schemeClr val="bg1"/>
-                        </a:solidFill>
-                        <a:latin typeface="Calibri"/>
-                      </a:endParaRPr>
-                    </a:p>
-                  </a:txBody>
-                  <a:tcPr marL="18047" marR="18047" marT="18047" marB="0" anchor="ctr"/>
-                </a:tc>
-                <a:tc>
-                  <a:txBody>
-                    <a:bodyPr/>
-                    <a:lstStyle/>
-                    <a:p>
-                      <a:pPr algn="l" fontAlgn="ctr"/>
-                      <a:r>
-                        <a:rPr lang="en-US" sz="2000" u="none" strike="noStrike"/>
-                        <a:t>Rack</a:t>
-                      </a:r>
-                      <a:endParaRPr lang="en-US" sz="2000" b="0" i="0" u="none" strike="noStrike">
-                        <a:solidFill>
-                          <a:schemeClr val="bg1"/>
-                        </a:solidFill>
-                        <a:latin typeface="Calibri"/>
-                      </a:endParaRPr>
-                    </a:p>
-                  </a:txBody>
-                  <a:tcPr marL="18047" marR="18047" marT="18047" marB="0" anchor="ctr"/>
-                </a:tc>
-                <a:tc>
-                  <a:txBody>
-                    <a:bodyPr/>
-                    <a:lstStyle/>
-                    <a:p>
-                      <a:pPr algn="l" fontAlgn="b"/>
-                      <a:r>
-                        <a:rPr lang="en-US" sz="2000" u="none" strike="noStrike" dirty="0"/>
-                        <a:t>Startup</a:t>
-                      </a:r>
-                      <a:endParaRPr lang="en-US" sz="2000" b="0" i="0" u="none" strike="noStrike" dirty="0">
-                        <a:solidFill>
-                          <a:schemeClr val="bg1"/>
-                        </a:solidFill>
-                        <a:latin typeface="Calibri"/>
-                      </a:endParaRPr>
-                    </a:p>
-                  </a:txBody>
-                  <a:tcPr marL="18047" marR="18047" marT="18047" marB="0" anchor="b"/>
-                </a:tc>
-                <a:tc>
-                  <a:txBody>
-                    <a:bodyPr/>
-                    <a:lstStyle/>
-                    <a:p>
-                      <a:pPr algn="r" fontAlgn="b"/>
-                      <a:r>
-                        <a:rPr lang="en-US" sz="2000" u="none" strike="noStrike"/>
-                        <a:t>7.2</a:t>
-                      </a:r>
-                      <a:endParaRPr lang="en-US" sz="2000" b="0" i="0" u="none" strike="noStrike">
-                        <a:solidFill>
-                          <a:schemeClr val="bg1"/>
-                        </a:solidFill>
-                        <a:latin typeface="Calibri"/>
-                      </a:endParaRPr>
-                    </a:p>
-                  </a:txBody>
-                  <a:tcPr marL="18047" marR="18047" marT="18047" marB="0" anchor="b"/>
-                </a:tc>
-                <a:tc>
-                  <a:txBody>
-                    <a:bodyPr/>
-                    <a:lstStyle/>
-                    <a:p>
-                      <a:pPr algn="r" fontAlgn="b"/>
-                      <a:r>
-                        <a:rPr lang="en-US" sz="2000" u="none" strike="noStrike"/>
-                        <a:t>36</a:t>
-                      </a:r>
-                      <a:endParaRPr lang="en-US" sz="2000" b="0" i="0" u="none" strike="noStrike">
-                        <a:solidFill>
-                          <a:schemeClr val="bg1"/>
-                        </a:solidFill>
-                        <a:latin typeface="Calibri"/>
-                      </a:endParaRPr>
-                    </a:p>
-                  </a:txBody>
-                  <a:tcPr marL="18047" marR="18047" marT="18047" marB="0" anchor="b"/>
-                </a:tc>
-                <a:tc>
-                  <a:txBody>
-                    <a:bodyPr/>
-                    <a:lstStyle/>
-                    <a:p>
-                      <a:pPr algn="r" fontAlgn="b"/>
-                      <a:r>
-                        <a:rPr lang="en-US" sz="2000" u="none" strike="noStrike"/>
-                        <a:t>0.6</a:t>
-                      </a:r>
-                      <a:endParaRPr lang="en-US" sz="2000" b="0" i="0" u="none" strike="noStrike">
-                        <a:solidFill>
-                          <a:schemeClr val="bg1"/>
-                        </a:solidFill>
-                        <a:latin typeface="Calibri"/>
-                      </a:endParaRPr>
-                    </a:p>
-                  </a:txBody>
-                  <a:tcPr marL="18047" marR="18047" marT="18047" marB="0" anchor="b"/>
-                </a:tc>
-                <a:tc>
-                  <a:txBody>
-                    <a:bodyPr/>
-                    <a:lstStyle/>
-                    <a:p>
-                      <a:pPr algn="r" fontAlgn="b"/>
-                      <a:r>
-                        <a:rPr lang="en-US" sz="2000" u="none" strike="noStrike"/>
-                        <a:t>8</a:t>
-                      </a:r>
-                      <a:endParaRPr lang="en-US" sz="2000" b="0" i="0" u="none" strike="noStrike">
-                        <a:solidFill>
-                          <a:schemeClr val="bg1"/>
-                        </a:solidFill>
-                        <a:latin typeface="Calibri"/>
-                      </a:endParaRPr>
-                    </a:p>
-                  </a:txBody>
-                  <a:tcPr marL="18047" marR="18047" marT="18047" marB="0" anchor="b"/>
-                </a:tc>
-                <a:tc>
-                  <a:txBody>
-                    <a:bodyPr/>
-                    <a:lstStyle/>
-                    <a:p>
-                      <a:pPr algn="r" fontAlgn="b"/>
-                      <a:r>
-                        <a:rPr lang="en-US" sz="2000" u="none" strike="noStrike" dirty="0"/>
-                        <a:t>-12.0</a:t>
-                      </a:r>
-                      <a:endParaRPr lang="en-US" sz="2000" b="0" i="0" u="none" strike="noStrike" dirty="0">
-                        <a:solidFill>
-                          <a:schemeClr val="bg1"/>
-                        </a:solidFill>
-                        <a:latin typeface="Calibri"/>
-                      </a:endParaRPr>
-                    </a:p>
-                  </a:txBody>
-                  <a:tcPr marL="18047" marR="18047" marT="18047" marB="0" anchor="b"/>
-                </a:tc>
-              </a:tr>
-              <a:tr h="360947">
-                <a:tc>
-                  <a:txBody>
-                    <a:bodyPr/>
-                    <a:lstStyle/>
-                    <a:p>
-                      <a:pPr algn="l" fontAlgn="ctr"/>
-                      <a:r>
-                        <a:rPr lang="en-US" sz="2000" u="none" strike="noStrike"/>
-                        <a:t>WEBrick</a:t>
-                      </a:r>
-                      <a:endParaRPr lang="en-US" sz="2000" b="1" i="0" u="none" strike="noStrike">
-                        <a:solidFill>
-                          <a:schemeClr val="bg1"/>
-                        </a:solidFill>
-                        <a:latin typeface="Calibri"/>
-                      </a:endParaRPr>
-                    </a:p>
-                  </a:txBody>
-                  <a:tcPr marL="18047" marR="18047" marT="18047" marB="0" anchor="ctr"/>
-                </a:tc>
-                <a:tc>
-                  <a:txBody>
-                    <a:bodyPr/>
-                    <a:lstStyle/>
-                    <a:p>
-                      <a:pPr algn="l" fontAlgn="ctr"/>
-                      <a:r>
-                        <a:rPr lang="en-US" sz="2000" u="none" strike="noStrike"/>
-                        <a:t>Rack</a:t>
-                      </a:r>
-                      <a:endParaRPr lang="en-US" sz="2000" b="0" i="0" u="none" strike="noStrike">
-                        <a:solidFill>
-                          <a:schemeClr val="bg1"/>
-                        </a:solidFill>
-                        <a:latin typeface="Calibri"/>
-                      </a:endParaRPr>
-                    </a:p>
-                  </a:txBody>
-                  <a:tcPr marL="18047" marR="18047" marT="18047" marB="0" anchor="ctr"/>
-                </a:tc>
-                <a:tc>
-                  <a:txBody>
-                    <a:bodyPr/>
-                    <a:lstStyle/>
-                    <a:p>
-                      <a:pPr algn="l" fontAlgn="b"/>
-                      <a:r>
-                        <a:rPr lang="en-US" sz="2000" u="none" strike="noStrike"/>
-                        <a:t>1st Request</a:t>
-                      </a:r>
-                      <a:endParaRPr lang="en-US" sz="2000" b="0" i="0" u="none" strike="noStrike">
-                        <a:solidFill>
-                          <a:schemeClr val="bg1"/>
-                        </a:solidFill>
-                        <a:latin typeface="Calibri"/>
-                      </a:endParaRPr>
-                    </a:p>
-                  </a:txBody>
-                  <a:tcPr marL="18047" marR="18047" marT="18047" marB="0" anchor="b"/>
-                </a:tc>
-                <a:tc>
-                  <a:txBody>
-                    <a:bodyPr/>
-                    <a:lstStyle/>
-                    <a:p>
-                      <a:pPr algn="r" fontAlgn="b"/>
-                      <a:r>
-                        <a:rPr lang="en-US" sz="2000" u="none" strike="noStrike"/>
-                        <a:t>0.162</a:t>
-                      </a:r>
-                      <a:endParaRPr lang="en-US" sz="2000" b="0" i="0" u="none" strike="noStrike">
-                        <a:solidFill>
-                          <a:schemeClr val="bg1"/>
-                        </a:solidFill>
-                        <a:latin typeface="Calibri"/>
-                      </a:endParaRPr>
-                    </a:p>
-                  </a:txBody>
-                  <a:tcPr marL="18047" marR="18047" marT="18047" marB="0" anchor="b"/>
-                </a:tc>
-                <a:tc>
-                  <a:txBody>
-                    <a:bodyPr/>
-                    <a:lstStyle/>
-                    <a:p>
-                      <a:pPr algn="r" fontAlgn="b"/>
-                      <a:r>
-                        <a:rPr lang="en-US" sz="2000" u="none" strike="noStrike"/>
-                        <a:t>36.5</a:t>
-                      </a:r>
-                      <a:endParaRPr lang="en-US" sz="2000" b="0" i="0" u="none" strike="noStrike">
-                        <a:solidFill>
-                          <a:schemeClr val="bg1"/>
-                        </a:solidFill>
-                        <a:latin typeface="Calibri"/>
-                      </a:endParaRPr>
-                    </a:p>
-                  </a:txBody>
-                  <a:tcPr marL="18047" marR="18047" marT="18047" marB="0" anchor="b"/>
-                </a:tc>
-                <a:tc>
-                  <a:txBody>
-                    <a:bodyPr/>
-                    <a:lstStyle/>
-                    <a:p>
-                      <a:pPr algn="r" fontAlgn="b"/>
-                      <a:r>
-                        <a:rPr lang="en-US" sz="2000" u="none" strike="noStrike"/>
-                        <a:t>0.01</a:t>
-                      </a:r>
-                      <a:endParaRPr lang="en-US" sz="2000" b="0" i="0" u="none" strike="noStrike">
-                        <a:solidFill>
-                          <a:schemeClr val="bg1"/>
-                        </a:solidFill>
-                        <a:latin typeface="Calibri"/>
-                      </a:endParaRPr>
-                    </a:p>
-                  </a:txBody>
-                  <a:tcPr marL="18047" marR="18047" marT="18047" marB="0" anchor="b"/>
-                </a:tc>
-                <a:tc>
-                  <a:txBody>
-                    <a:bodyPr/>
-                    <a:lstStyle/>
-                    <a:p>
-                      <a:pPr algn="r" fontAlgn="b"/>
-                      <a:r>
-                        <a:rPr lang="en-US" sz="2000" u="none" strike="noStrike"/>
-                        <a:t>8</a:t>
-                      </a:r>
-                      <a:endParaRPr lang="en-US" sz="2000" b="0" i="0" u="none" strike="noStrike">
-                        <a:solidFill>
-                          <a:schemeClr val="bg1"/>
-                        </a:solidFill>
-                        <a:latin typeface="Calibri"/>
-                      </a:endParaRPr>
-                    </a:p>
-                  </a:txBody>
-                  <a:tcPr marL="18047" marR="18047" marT="18047" marB="0" anchor="b"/>
-                </a:tc>
-                <a:tc>
-                  <a:txBody>
-                    <a:bodyPr/>
-                    <a:lstStyle/>
-                    <a:p>
-                      <a:pPr algn="r" fontAlgn="b"/>
-                      <a:r>
-                        <a:rPr lang="en-US" sz="2000" u="none" strike="noStrike"/>
-                        <a:t>-16.2</a:t>
-                      </a:r>
-                      <a:endParaRPr lang="en-US" sz="2000" b="0" i="0" u="none" strike="noStrike">
-                        <a:solidFill>
-                          <a:schemeClr val="bg1"/>
-                        </a:solidFill>
-                        <a:latin typeface="Calibri"/>
-                      </a:endParaRPr>
-                    </a:p>
-                  </a:txBody>
-                  <a:tcPr marL="18047" marR="18047" marT="18047" marB="0" anchor="b"/>
-                </a:tc>
-              </a:tr>
-              <a:tr h="360947">
-                <a:tc>
-                  <a:txBody>
-                    <a:bodyPr/>
-                    <a:lstStyle/>
-                    <a:p>
-                      <a:pPr algn="l" fontAlgn="ctr"/>
-                      <a:r>
-                        <a:rPr lang="en-US" sz="2000" u="none" strike="noStrike"/>
-                        <a:t>WEBrick</a:t>
-                      </a:r>
-                      <a:endParaRPr lang="en-US" sz="2000" b="1" i="0" u="none" strike="noStrike">
-                        <a:solidFill>
-                          <a:schemeClr val="bg1"/>
-                        </a:solidFill>
-                        <a:latin typeface="Calibri"/>
-                      </a:endParaRPr>
-                    </a:p>
-                  </a:txBody>
-                  <a:tcPr marL="18047" marR="18047" marT="18047" marB="0" anchor="ctr"/>
-                </a:tc>
-                <a:tc>
-                  <a:txBody>
-                    <a:bodyPr/>
-                    <a:lstStyle/>
-                    <a:p>
-                      <a:pPr algn="l" fontAlgn="ctr"/>
-                      <a:r>
-                        <a:rPr lang="en-US" sz="2000" u="none" strike="noStrike"/>
-                        <a:t>Rack</a:t>
-                      </a:r>
-                      <a:endParaRPr lang="en-US" sz="2000" b="0" i="0" u="none" strike="noStrike">
-                        <a:solidFill>
-                          <a:schemeClr val="bg1"/>
-                        </a:solidFill>
-                        <a:latin typeface="Calibri"/>
-                      </a:endParaRPr>
-                    </a:p>
-                  </a:txBody>
-                  <a:tcPr marL="18047" marR="18047" marT="18047" marB="0" anchor="ctr"/>
-                </a:tc>
-                <a:tc>
-                  <a:txBody>
-                    <a:bodyPr/>
-                    <a:lstStyle/>
-                    <a:p>
-                      <a:pPr algn="l" fontAlgn="b"/>
-                      <a:r>
-                        <a:rPr lang="en-US" sz="2000" u="none" strike="noStrike"/>
-                        <a:t>n Requests</a:t>
-                      </a:r>
-                      <a:endParaRPr lang="en-US" sz="2000" b="0" i="0" u="none" strike="noStrike">
-                        <a:solidFill>
-                          <a:schemeClr val="bg1"/>
-                        </a:solidFill>
-                        <a:latin typeface="Calibri"/>
-                      </a:endParaRPr>
-                    </a:p>
-                  </a:txBody>
-                  <a:tcPr marL="18047" marR="18047" marT="18047" marB="0" anchor="b"/>
-                </a:tc>
-                <a:tc>
-                  <a:txBody>
-                    <a:bodyPr/>
-                    <a:lstStyle/>
-                    <a:p>
-                      <a:pPr algn="r" fontAlgn="b"/>
-                      <a:r>
-                        <a:rPr lang="en-US" sz="2000" u="none" strike="noStrike"/>
-                        <a:t>0.012</a:t>
-                      </a:r>
-                      <a:endParaRPr lang="en-US" sz="2000" b="0" i="0" u="none" strike="noStrike">
-                        <a:solidFill>
-                          <a:schemeClr val="bg1"/>
-                        </a:solidFill>
-                        <a:latin typeface="Calibri"/>
-                      </a:endParaRPr>
-                    </a:p>
-                  </a:txBody>
-                  <a:tcPr marL="18047" marR="18047" marT="18047" marB="0" anchor="b"/>
-                </a:tc>
-                <a:tc>
-                  <a:txBody>
-                    <a:bodyPr/>
-                    <a:lstStyle/>
-                    <a:p>
-                      <a:pPr algn="r" fontAlgn="b"/>
-                      <a:r>
-                        <a:rPr lang="en-US" sz="2000" u="none" strike="noStrike"/>
-                        <a:t>36</a:t>
-                      </a:r>
-                      <a:endParaRPr lang="en-US" sz="2000" b="0" i="0" u="none" strike="noStrike">
-                        <a:solidFill>
-                          <a:schemeClr val="bg1"/>
-                        </a:solidFill>
-                        <a:latin typeface="Calibri"/>
-                      </a:endParaRPr>
-                    </a:p>
-                  </a:txBody>
-                  <a:tcPr marL="18047" marR="18047" marT="18047" marB="0" anchor="b"/>
-                </a:tc>
-                <a:tc>
-                  <a:txBody>
-                    <a:bodyPr/>
-                    <a:lstStyle/>
-                    <a:p>
-                      <a:pPr algn="r" fontAlgn="b"/>
-                      <a:r>
-                        <a:rPr lang="en-US" sz="2000" u="none" strike="noStrike"/>
-                        <a:t>0.003</a:t>
-                      </a:r>
-                      <a:endParaRPr lang="en-US" sz="2000" b="0" i="0" u="none" strike="noStrike">
-                        <a:solidFill>
-                          <a:schemeClr val="bg1"/>
-                        </a:solidFill>
-                        <a:latin typeface="Calibri"/>
-                      </a:endParaRPr>
-                    </a:p>
-                  </a:txBody>
-                  <a:tcPr marL="18047" marR="18047" marT="18047" marB="0" anchor="b"/>
-                </a:tc>
-                <a:tc>
-                  <a:txBody>
-                    <a:bodyPr/>
-                    <a:lstStyle/>
-                    <a:p>
-                      <a:pPr algn="r" fontAlgn="b"/>
-                      <a:r>
-                        <a:rPr lang="en-US" sz="2000" u="none" strike="noStrike"/>
-                        <a:t>12</a:t>
-                      </a:r>
-                      <a:endParaRPr lang="en-US" sz="2000" b="0" i="0" u="none" strike="noStrike">
-                        <a:solidFill>
-                          <a:schemeClr val="bg1"/>
-                        </a:solidFill>
-                        <a:latin typeface="Calibri"/>
-                      </a:endParaRPr>
-                    </a:p>
-                  </a:txBody>
-                  <a:tcPr marL="18047" marR="18047" marT="18047" marB="0" anchor="b"/>
-                </a:tc>
-                <a:tc>
-                  <a:txBody>
-                    <a:bodyPr/>
-                    <a:lstStyle/>
-                    <a:p>
-                      <a:pPr algn="r" fontAlgn="b"/>
-                      <a:r>
-                        <a:rPr lang="en-US" sz="2000" u="none" strike="noStrike"/>
-                        <a:t>-4.0</a:t>
-                      </a:r>
-                      <a:endParaRPr lang="en-US" sz="2000" b="0" i="0" u="none" strike="noStrike">
-                        <a:solidFill>
-                          <a:schemeClr val="bg1"/>
-                        </a:solidFill>
-                        <a:latin typeface="Calibri"/>
-                      </a:endParaRPr>
-                    </a:p>
-                  </a:txBody>
-                  <a:tcPr marL="18047" marR="18047" marT="18047" marB="0" anchor="b"/>
-                </a:tc>
-              </a:tr>
-              <a:tr h="360947">
-                <a:tc>
-                  <a:txBody>
-                    <a:bodyPr/>
-                    <a:lstStyle/>
-                    <a:p>
-                      <a:pPr algn="l" fontAlgn="ctr"/>
-                      <a:r>
-                        <a:rPr lang="en-US" sz="2000" u="none" strike="noStrike"/>
-                        <a:t>WEBrick</a:t>
-                      </a:r>
-                      <a:endParaRPr lang="en-US" sz="2000" b="1" i="0" u="none" strike="noStrike">
-                        <a:solidFill>
-                          <a:schemeClr val="bg1"/>
-                        </a:solidFill>
-                        <a:latin typeface="Calibri"/>
-                      </a:endParaRPr>
-                    </a:p>
-                  </a:txBody>
-                  <a:tcPr marL="18047" marR="18047" marT="18047" marB="0" anchor="ctr"/>
-                </a:tc>
-                <a:tc>
-                  <a:txBody>
-                    <a:bodyPr/>
-                    <a:lstStyle/>
-                    <a:p>
-                      <a:pPr algn="l" fontAlgn="ctr"/>
-                      <a:r>
-                        <a:rPr lang="en-US" sz="2000" u="none" strike="noStrike" dirty="0"/>
-                        <a:t>Sinatra</a:t>
-                      </a:r>
-                      <a:endParaRPr lang="en-US" sz="2000" b="0" i="0" u="none" strike="noStrike" dirty="0">
-                        <a:solidFill>
-                          <a:schemeClr val="bg1"/>
-                        </a:solidFill>
-                        <a:latin typeface="Calibri"/>
-                      </a:endParaRPr>
-                    </a:p>
-                  </a:txBody>
-                  <a:tcPr marL="18047" marR="18047" marT="18047" marB="0" anchor="ctr"/>
-                </a:tc>
-                <a:tc>
-                  <a:txBody>
-                    <a:bodyPr/>
-                    <a:lstStyle/>
-                    <a:p>
-                      <a:pPr algn="l" fontAlgn="b"/>
-                      <a:r>
-                        <a:rPr lang="en-US" sz="2000" u="none" strike="noStrike"/>
-                        <a:t>Startup</a:t>
-                      </a:r>
-                      <a:endParaRPr lang="en-US" sz="2000" b="0" i="0" u="none" strike="noStrike">
-                        <a:solidFill>
-                          <a:schemeClr val="bg1"/>
-                        </a:solidFill>
-                        <a:latin typeface="Calibri"/>
-                      </a:endParaRPr>
-                    </a:p>
-                  </a:txBody>
-                  <a:tcPr marL="18047" marR="18047" marT="18047" marB="0" anchor="b"/>
-                </a:tc>
-                <a:tc>
-                  <a:txBody>
-                    <a:bodyPr/>
-                    <a:lstStyle/>
-                    <a:p>
-                      <a:pPr algn="r" fontAlgn="b"/>
-                      <a:r>
-                        <a:rPr lang="en-US" sz="2000" u="none" strike="noStrike"/>
-                        <a:t>6.8</a:t>
-                      </a:r>
-                      <a:endParaRPr lang="en-US" sz="2000" b="0" i="0" u="none" strike="noStrike">
-                        <a:solidFill>
-                          <a:schemeClr val="bg1"/>
-                        </a:solidFill>
-                        <a:latin typeface="Calibri"/>
-                      </a:endParaRPr>
-                    </a:p>
-                  </a:txBody>
-                  <a:tcPr marL="18047" marR="18047" marT="18047" marB="0" anchor="b"/>
-                </a:tc>
-                <a:tc>
-                  <a:txBody>
-                    <a:bodyPr/>
-                    <a:lstStyle/>
-                    <a:p>
-                      <a:pPr algn="r" fontAlgn="b"/>
-                      <a:r>
-                        <a:rPr lang="en-US" sz="2000" u="none" strike="noStrike"/>
-                        <a:t>34</a:t>
-                      </a:r>
-                      <a:endParaRPr lang="en-US" sz="2000" b="0" i="0" u="none" strike="noStrike">
-                        <a:solidFill>
-                          <a:schemeClr val="bg1"/>
-                        </a:solidFill>
-                        <a:latin typeface="Calibri"/>
-                      </a:endParaRPr>
-                    </a:p>
-                  </a:txBody>
-                  <a:tcPr marL="18047" marR="18047" marT="18047" marB="0" anchor="b"/>
-                </a:tc>
-                <a:tc>
-                  <a:txBody>
-                    <a:bodyPr/>
-                    <a:lstStyle/>
-                    <a:p>
-                      <a:pPr algn="r" fontAlgn="b"/>
-                      <a:r>
-                        <a:rPr lang="en-US" sz="2000" u="none" strike="noStrike"/>
-                        <a:t>0.7</a:t>
-                      </a:r>
-                      <a:endParaRPr lang="en-US" sz="2000" b="0" i="0" u="none" strike="noStrike">
-                        <a:solidFill>
-                          <a:schemeClr val="bg1"/>
-                        </a:solidFill>
-                        <a:latin typeface="Calibri"/>
-                      </a:endParaRPr>
-                    </a:p>
-                  </a:txBody>
-                  <a:tcPr marL="18047" marR="18047" marT="18047" marB="0" anchor="b"/>
-                </a:tc>
-                <a:tc>
-                  <a:txBody>
-                    <a:bodyPr/>
-                    <a:lstStyle/>
-                    <a:p>
-                      <a:pPr algn="r" fontAlgn="b"/>
-                      <a:r>
-                        <a:rPr lang="en-US" sz="2000" u="none" strike="noStrike"/>
-                        <a:t>8</a:t>
-                      </a:r>
-                      <a:endParaRPr lang="en-US" sz="2000" b="0" i="0" u="none" strike="noStrike">
-                        <a:solidFill>
-                          <a:schemeClr val="bg1"/>
-                        </a:solidFill>
-                        <a:latin typeface="Calibri"/>
-                      </a:endParaRPr>
-                    </a:p>
-                  </a:txBody>
-                  <a:tcPr marL="18047" marR="18047" marT="18047" marB="0" anchor="b"/>
-                </a:tc>
-                <a:tc>
-                  <a:txBody>
-                    <a:bodyPr/>
-                    <a:lstStyle/>
-                    <a:p>
-                      <a:pPr algn="r" fontAlgn="b"/>
-                      <a:r>
-                        <a:rPr lang="en-US" sz="2000" u="none" strike="noStrike"/>
-                        <a:t>-9.7</a:t>
-                      </a:r>
-                      <a:endParaRPr lang="en-US" sz="2000" b="0" i="0" u="none" strike="noStrike">
-                        <a:solidFill>
-                          <a:schemeClr val="bg1"/>
-                        </a:solidFill>
-                        <a:latin typeface="Calibri"/>
-                      </a:endParaRPr>
-                    </a:p>
-                  </a:txBody>
-                  <a:tcPr marL="18047" marR="18047" marT="18047" marB="0" anchor="b"/>
-                </a:tc>
-              </a:tr>
-              <a:tr h="360947">
-                <a:tc>
-                  <a:txBody>
-                    <a:bodyPr/>
-                    <a:lstStyle/>
-                    <a:p>
-                      <a:pPr algn="l" fontAlgn="ctr"/>
-                      <a:r>
-                        <a:rPr lang="en-US" sz="2000" u="none" strike="noStrike"/>
-                        <a:t>WEBrick</a:t>
-                      </a:r>
-                      <a:endParaRPr lang="en-US" sz="2000" b="1" i="0" u="none" strike="noStrike">
-                        <a:solidFill>
-                          <a:schemeClr val="bg1"/>
-                        </a:solidFill>
-                        <a:latin typeface="Calibri"/>
-                      </a:endParaRPr>
-                    </a:p>
-                  </a:txBody>
-                  <a:tcPr marL="18047" marR="18047" marT="18047" marB="0" anchor="ctr"/>
-                </a:tc>
-                <a:tc>
-                  <a:txBody>
-                    <a:bodyPr/>
-                    <a:lstStyle/>
-                    <a:p>
-                      <a:pPr algn="l" fontAlgn="ctr"/>
-                      <a:r>
-                        <a:rPr lang="en-US" sz="2000" u="none" strike="noStrike"/>
-                        <a:t>Sinatra</a:t>
-                      </a:r>
-                      <a:endParaRPr lang="en-US" sz="2000" b="0" i="0" u="none" strike="noStrike">
-                        <a:solidFill>
-                          <a:schemeClr val="bg1"/>
-                        </a:solidFill>
-                        <a:latin typeface="Calibri"/>
-                      </a:endParaRPr>
-                    </a:p>
-                  </a:txBody>
-                  <a:tcPr marL="18047" marR="18047" marT="18047" marB="0" anchor="ctr"/>
-                </a:tc>
-                <a:tc>
-                  <a:txBody>
-                    <a:bodyPr/>
-                    <a:lstStyle/>
-                    <a:p>
-                      <a:pPr algn="l" fontAlgn="b"/>
-                      <a:r>
-                        <a:rPr lang="en-US" sz="2000" u="none" strike="noStrike" dirty="0"/>
-                        <a:t>1st Request</a:t>
-                      </a:r>
-                      <a:endParaRPr lang="en-US" sz="2000" b="0" i="0" u="none" strike="noStrike" dirty="0">
-                        <a:solidFill>
-                          <a:schemeClr val="bg1"/>
-                        </a:solidFill>
-                        <a:latin typeface="Calibri"/>
-                      </a:endParaRPr>
-                    </a:p>
-                  </a:txBody>
-                  <a:tcPr marL="18047" marR="18047" marT="18047" marB="0" anchor="b"/>
-                </a:tc>
-                <a:tc>
-                  <a:txBody>
-                    <a:bodyPr/>
-                    <a:lstStyle/>
-                    <a:p>
-                      <a:pPr algn="r" fontAlgn="b"/>
-                      <a:r>
-                        <a:rPr lang="en-US" sz="2000" u="none" strike="noStrike"/>
-                        <a:t>0.147</a:t>
-                      </a:r>
-                      <a:endParaRPr lang="en-US" sz="2000" b="0" i="0" u="none" strike="noStrike">
-                        <a:solidFill>
-                          <a:schemeClr val="bg1"/>
-                        </a:solidFill>
-                        <a:latin typeface="Calibri"/>
-                      </a:endParaRPr>
-                    </a:p>
-                  </a:txBody>
-                  <a:tcPr marL="18047" marR="18047" marT="18047" marB="0" anchor="b"/>
-                </a:tc>
-                <a:tc>
-                  <a:txBody>
-                    <a:bodyPr/>
-                    <a:lstStyle/>
-                    <a:p>
-                      <a:pPr algn="r" fontAlgn="b"/>
-                      <a:r>
-                        <a:rPr lang="en-US" sz="2000" u="none" strike="noStrike"/>
-                        <a:t>38</a:t>
-                      </a:r>
-                      <a:endParaRPr lang="en-US" sz="2000" b="0" i="0" u="none" strike="noStrike">
-                        <a:solidFill>
-                          <a:schemeClr val="bg1"/>
-                        </a:solidFill>
-                        <a:latin typeface="Calibri"/>
-                      </a:endParaRPr>
-                    </a:p>
-                  </a:txBody>
-                  <a:tcPr marL="18047" marR="18047" marT="18047" marB="0" anchor="b"/>
-                </a:tc>
-                <a:tc>
-                  <a:txBody>
-                    <a:bodyPr/>
-                    <a:lstStyle/>
-                    <a:p>
-                      <a:pPr algn="r" fontAlgn="b"/>
-                      <a:r>
-                        <a:rPr lang="en-US" sz="2000" u="none" strike="noStrike"/>
-                        <a:t>0.003</a:t>
-                      </a:r>
-                      <a:endParaRPr lang="en-US" sz="2000" b="0" i="0" u="none" strike="noStrike">
-                        <a:solidFill>
-                          <a:schemeClr val="bg1"/>
-                        </a:solidFill>
-                        <a:latin typeface="Calibri"/>
-                      </a:endParaRPr>
-                    </a:p>
-                  </a:txBody>
-                  <a:tcPr marL="18047" marR="18047" marT="18047" marB="0" anchor="b"/>
-                </a:tc>
-                <a:tc>
-                  <a:txBody>
-                    <a:bodyPr/>
-                    <a:lstStyle/>
-                    <a:p>
-                      <a:pPr algn="r" fontAlgn="b"/>
-                      <a:r>
-                        <a:rPr lang="en-US" sz="2000" u="none" strike="noStrike"/>
-                        <a:t>8</a:t>
-                      </a:r>
-                      <a:endParaRPr lang="en-US" sz="2000" b="0" i="0" u="none" strike="noStrike">
-                        <a:solidFill>
-                          <a:schemeClr val="bg1"/>
-                        </a:solidFill>
-                        <a:latin typeface="Calibri"/>
-                      </a:endParaRPr>
-                    </a:p>
-                  </a:txBody>
-                  <a:tcPr marL="18047" marR="18047" marT="18047" marB="0" anchor="b"/>
-                </a:tc>
-                <a:tc>
-                  <a:txBody>
-                    <a:bodyPr/>
-                    <a:lstStyle/>
-                    <a:p>
-                      <a:pPr algn="r" fontAlgn="b"/>
-                      <a:r>
-                        <a:rPr lang="en-US" sz="2000" u="none" strike="noStrike"/>
-                        <a:t>-49.0</a:t>
-                      </a:r>
-                      <a:endParaRPr lang="en-US" sz="2000" b="0" i="0" u="none" strike="noStrike">
-                        <a:solidFill>
-                          <a:schemeClr val="bg1"/>
-                        </a:solidFill>
-                        <a:latin typeface="Calibri"/>
-                      </a:endParaRPr>
-                    </a:p>
-                  </a:txBody>
-                  <a:tcPr marL="18047" marR="18047" marT="18047" marB="0" anchor="b"/>
-                </a:tc>
-              </a:tr>
-              <a:tr h="360947">
-                <a:tc>
-                  <a:txBody>
-                    <a:bodyPr/>
-                    <a:lstStyle/>
-                    <a:p>
-                      <a:pPr algn="l" fontAlgn="ctr"/>
-                      <a:r>
-                        <a:rPr lang="en-US" sz="2000" u="none" strike="noStrike"/>
-                        <a:t>WEBrick</a:t>
-                      </a:r>
-                      <a:endParaRPr lang="en-US" sz="2000" b="1" i="0" u="none" strike="noStrike">
-                        <a:solidFill>
-                          <a:schemeClr val="bg1"/>
-                        </a:solidFill>
-                        <a:latin typeface="Calibri"/>
-                      </a:endParaRPr>
-                    </a:p>
-                  </a:txBody>
-                  <a:tcPr marL="18047" marR="18047" marT="18047" marB="0" anchor="ctr"/>
-                </a:tc>
-                <a:tc>
-                  <a:txBody>
-                    <a:bodyPr/>
-                    <a:lstStyle/>
-                    <a:p>
-                      <a:pPr algn="l" fontAlgn="ctr"/>
-                      <a:r>
-                        <a:rPr lang="en-US" sz="2000" u="none" strike="noStrike"/>
-                        <a:t>Sinatra</a:t>
-                      </a:r>
-                      <a:endParaRPr lang="en-US" sz="2000" b="0" i="0" u="none" strike="noStrike">
-                        <a:solidFill>
-                          <a:schemeClr val="bg1"/>
-                        </a:solidFill>
-                        <a:latin typeface="Calibri"/>
-                      </a:endParaRPr>
-                    </a:p>
-                  </a:txBody>
-                  <a:tcPr marL="18047" marR="18047" marT="18047" marB="0" anchor="ctr"/>
-                </a:tc>
-                <a:tc>
-                  <a:txBody>
-                    <a:bodyPr/>
-                    <a:lstStyle/>
-                    <a:p>
-                      <a:pPr algn="l" fontAlgn="b"/>
-                      <a:r>
-                        <a:rPr lang="en-US" sz="2000" u="none" strike="noStrike"/>
-                        <a:t>n Requests</a:t>
-                      </a:r>
-                      <a:endParaRPr lang="en-US" sz="2000" b="0" i="0" u="none" strike="noStrike">
-                        <a:solidFill>
-                          <a:schemeClr val="bg1"/>
-                        </a:solidFill>
-                        <a:latin typeface="Calibri"/>
-                      </a:endParaRPr>
-                    </a:p>
-                  </a:txBody>
-                  <a:tcPr marL="18047" marR="18047" marT="18047" marB="0" anchor="b"/>
-                </a:tc>
-                <a:tc>
-                  <a:txBody>
-                    <a:bodyPr/>
-                    <a:lstStyle/>
-                    <a:p>
-                      <a:pPr algn="r" fontAlgn="b"/>
-                      <a:r>
-                        <a:rPr lang="en-US" sz="2000" u="none" strike="noStrike"/>
-                        <a:t>0.079</a:t>
-                      </a:r>
-                      <a:endParaRPr lang="en-US" sz="2000" b="0" i="0" u="none" strike="noStrike">
-                        <a:solidFill>
-                          <a:schemeClr val="bg1"/>
-                        </a:solidFill>
-                        <a:latin typeface="Calibri"/>
-                      </a:endParaRPr>
-                    </a:p>
-                  </a:txBody>
-                  <a:tcPr marL="18047" marR="18047" marT="18047" marB="0" anchor="b"/>
-                </a:tc>
-                <a:tc>
-                  <a:txBody>
-                    <a:bodyPr/>
-                    <a:lstStyle/>
-                    <a:p>
-                      <a:pPr algn="r" fontAlgn="b"/>
-                      <a:r>
-                        <a:rPr lang="en-US" sz="2000" u="none" strike="noStrike"/>
-                        <a:t>41</a:t>
-                      </a:r>
-                      <a:endParaRPr lang="en-US" sz="2000" b="0" i="0" u="none" strike="noStrike">
-                        <a:solidFill>
-                          <a:schemeClr val="bg1"/>
-                        </a:solidFill>
-                        <a:latin typeface="Calibri"/>
-                      </a:endParaRPr>
-                    </a:p>
-                  </a:txBody>
-                  <a:tcPr marL="18047" marR="18047" marT="18047" marB="0" anchor="b"/>
-                </a:tc>
-                <a:tc>
-                  <a:txBody>
-                    <a:bodyPr/>
-                    <a:lstStyle/>
-                    <a:p>
-                      <a:pPr algn="r" fontAlgn="b"/>
-                      <a:r>
-                        <a:rPr lang="en-US" sz="2000" u="none" strike="noStrike"/>
-                        <a:t>0.001</a:t>
-                      </a:r>
-                      <a:endParaRPr lang="en-US" sz="2000" b="0" i="0" u="none" strike="noStrike">
-                        <a:solidFill>
-                          <a:schemeClr val="bg1"/>
-                        </a:solidFill>
-                        <a:latin typeface="Calibri"/>
-                      </a:endParaRPr>
-                    </a:p>
-                  </a:txBody>
-                  <a:tcPr marL="18047" marR="18047" marT="18047" marB="0" anchor="b"/>
-                </a:tc>
-                <a:tc>
-                  <a:txBody>
-                    <a:bodyPr/>
-                    <a:lstStyle/>
-                    <a:p>
-                      <a:pPr algn="r" fontAlgn="b"/>
-                      <a:r>
-                        <a:rPr lang="en-US" sz="2000" u="none" strike="noStrike"/>
-                        <a:t>8</a:t>
-                      </a:r>
-                      <a:endParaRPr lang="en-US" sz="2000" b="0" i="0" u="none" strike="noStrike">
-                        <a:solidFill>
-                          <a:schemeClr val="bg1"/>
-                        </a:solidFill>
-                        <a:latin typeface="Calibri"/>
-                      </a:endParaRPr>
-                    </a:p>
-                  </a:txBody>
-                  <a:tcPr marL="18047" marR="18047" marT="18047" marB="0" anchor="b"/>
-                </a:tc>
-                <a:tc>
-                  <a:txBody>
-                    <a:bodyPr/>
-                    <a:lstStyle/>
-                    <a:p>
-                      <a:pPr algn="r" fontAlgn="b"/>
-                      <a:r>
-                        <a:rPr lang="en-US" sz="2000" u="none" strike="noStrike"/>
-                        <a:t>-79.0</a:t>
-                      </a:r>
-                      <a:endParaRPr lang="en-US" sz="2000" b="0" i="0" u="none" strike="noStrike">
-                        <a:solidFill>
-                          <a:schemeClr val="bg1"/>
-                        </a:solidFill>
-                        <a:latin typeface="Calibri"/>
-                      </a:endParaRPr>
-                    </a:p>
-                  </a:txBody>
-                  <a:tcPr marL="18047" marR="18047" marT="18047" marB="0" anchor="b"/>
-                </a:tc>
-              </a:tr>
-              <a:tr h="360947">
-                <a:tc>
-                  <a:txBody>
-                    <a:bodyPr/>
-                    <a:lstStyle/>
-                    <a:p>
-                      <a:pPr algn="l" fontAlgn="ctr"/>
-                      <a:r>
-                        <a:rPr lang="en-US" sz="2000" u="none" strike="noStrike"/>
-                        <a:t>WEBrick</a:t>
-                      </a:r>
-                      <a:endParaRPr lang="en-US" sz="2000" b="1" i="0" u="none" strike="noStrike">
-                        <a:solidFill>
-                          <a:schemeClr val="bg1"/>
-                        </a:solidFill>
-                        <a:latin typeface="Calibri"/>
-                      </a:endParaRPr>
-                    </a:p>
-                  </a:txBody>
-                  <a:tcPr marL="18047" marR="18047" marT="18047" marB="0" anchor="ctr"/>
-                </a:tc>
-                <a:tc>
-                  <a:txBody>
-                    <a:bodyPr/>
-                    <a:lstStyle/>
-                    <a:p>
-                      <a:pPr algn="l" fontAlgn="ctr"/>
-                      <a:r>
-                        <a:rPr lang="en-US" sz="2000" u="none" strike="noStrike"/>
-                        <a:t>Rails</a:t>
-                      </a:r>
-                      <a:endParaRPr lang="en-US" sz="2000" b="0" i="0" u="none" strike="noStrike">
-                        <a:solidFill>
-                          <a:schemeClr val="bg1"/>
-                        </a:solidFill>
-                        <a:latin typeface="Calibri"/>
-                      </a:endParaRPr>
-                    </a:p>
-                  </a:txBody>
-                  <a:tcPr marL="18047" marR="18047" marT="18047" marB="0" anchor="ctr"/>
-                </a:tc>
-                <a:tc>
-                  <a:txBody>
-                    <a:bodyPr/>
-                    <a:lstStyle/>
-                    <a:p>
-                      <a:pPr algn="l" fontAlgn="b"/>
-                      <a:r>
-                        <a:rPr lang="en-US" sz="2000" u="none" strike="noStrike"/>
-                        <a:t>Startup</a:t>
-                      </a:r>
-                      <a:endParaRPr lang="en-US" sz="2000" b="0" i="0" u="none" strike="noStrike">
-                        <a:solidFill>
-                          <a:schemeClr val="bg1"/>
-                        </a:solidFill>
-                        <a:latin typeface="Calibri"/>
-                      </a:endParaRPr>
-                    </a:p>
-                  </a:txBody>
-                  <a:tcPr marL="18047" marR="18047" marT="18047" marB="0" anchor="b"/>
-                </a:tc>
-                <a:tc>
-                  <a:txBody>
-                    <a:bodyPr/>
-                    <a:lstStyle/>
-                    <a:p>
-                      <a:pPr algn="r" fontAlgn="b"/>
-                      <a:r>
-                        <a:rPr lang="en-US" sz="2000" u="none" strike="noStrike"/>
-                        <a:t>39</a:t>
-                      </a:r>
-                      <a:endParaRPr lang="en-US" sz="2000" b="0" i="0" u="none" strike="noStrike">
-                        <a:solidFill>
-                          <a:schemeClr val="bg1"/>
-                        </a:solidFill>
-                        <a:latin typeface="Calibri"/>
-                      </a:endParaRPr>
-                    </a:p>
-                  </a:txBody>
-                  <a:tcPr marL="18047" marR="18047" marT="18047" marB="0" anchor="b"/>
-                </a:tc>
-                <a:tc>
-                  <a:txBody>
-                    <a:bodyPr/>
-                    <a:lstStyle/>
-                    <a:p>
-                      <a:pPr algn="r" fontAlgn="b"/>
-                      <a:r>
-                        <a:rPr lang="en-US" sz="2000" u="none" strike="noStrike"/>
-                        <a:t>99</a:t>
-                      </a:r>
-                      <a:endParaRPr lang="en-US" sz="2000" b="0" i="0" u="none" strike="noStrike">
-                        <a:solidFill>
-                          <a:schemeClr val="bg1"/>
-                        </a:solidFill>
-                        <a:latin typeface="Calibri"/>
-                      </a:endParaRPr>
-                    </a:p>
-                  </a:txBody>
-                  <a:tcPr marL="18047" marR="18047" marT="18047" marB="0" anchor="b"/>
-                </a:tc>
-                <a:tc>
-                  <a:txBody>
-                    <a:bodyPr/>
-                    <a:lstStyle/>
-                    <a:p>
-                      <a:pPr algn="r" fontAlgn="b"/>
-                      <a:r>
-                        <a:rPr lang="en-US" sz="2000" u="none" strike="noStrike"/>
-                        <a:t>6.7</a:t>
-                      </a:r>
-                      <a:endParaRPr lang="en-US" sz="2000" b="0" i="0" u="none" strike="noStrike">
-                        <a:solidFill>
-                          <a:schemeClr val="bg1"/>
-                        </a:solidFill>
-                        <a:latin typeface="Calibri"/>
-                      </a:endParaRPr>
-                    </a:p>
-                  </a:txBody>
-                  <a:tcPr marL="18047" marR="18047" marT="18047" marB="0" anchor="b"/>
-                </a:tc>
-                <a:tc>
-                  <a:txBody>
-                    <a:bodyPr/>
-                    <a:lstStyle/>
-                    <a:p>
-                      <a:pPr algn="r" fontAlgn="b"/>
-                      <a:r>
-                        <a:rPr lang="en-US" sz="2000" u="none" strike="noStrike"/>
-                        <a:t>26</a:t>
-                      </a:r>
-                      <a:endParaRPr lang="en-US" sz="2000" b="0" i="0" u="none" strike="noStrike">
-                        <a:solidFill>
-                          <a:schemeClr val="bg1"/>
-                        </a:solidFill>
-                        <a:latin typeface="Calibri"/>
-                      </a:endParaRPr>
-                    </a:p>
-                  </a:txBody>
-                  <a:tcPr marL="18047" marR="18047" marT="18047" marB="0" anchor="b"/>
-                </a:tc>
-                <a:tc>
-                  <a:txBody>
-                    <a:bodyPr/>
-                    <a:lstStyle/>
-                    <a:p>
-                      <a:pPr algn="r" fontAlgn="b"/>
-                      <a:r>
-                        <a:rPr lang="en-US" sz="2000" u="none" strike="noStrike"/>
-                        <a:t>-5.8</a:t>
-                      </a:r>
-                      <a:endParaRPr lang="en-US" sz="2000" b="0" i="0" u="none" strike="noStrike">
-                        <a:solidFill>
-                          <a:schemeClr val="bg1"/>
-                        </a:solidFill>
-                        <a:latin typeface="Calibri"/>
-                      </a:endParaRPr>
-                    </a:p>
-                  </a:txBody>
-                  <a:tcPr marL="18047" marR="18047" marT="18047" marB="0" anchor="b"/>
-                </a:tc>
-              </a:tr>
-              <a:tr h="360947">
-                <a:tc>
-                  <a:txBody>
-                    <a:bodyPr/>
-                    <a:lstStyle/>
-                    <a:p>
-                      <a:pPr algn="l" fontAlgn="ctr"/>
-                      <a:r>
-                        <a:rPr lang="en-US" sz="2000" u="none" strike="noStrike"/>
-                        <a:t>WEBrick</a:t>
-                      </a:r>
-                      <a:endParaRPr lang="en-US" sz="2000" b="1" i="0" u="none" strike="noStrike">
-                        <a:solidFill>
-                          <a:schemeClr val="bg1"/>
-                        </a:solidFill>
-                        <a:latin typeface="Calibri"/>
-                      </a:endParaRPr>
-                    </a:p>
-                  </a:txBody>
-                  <a:tcPr marL="18047" marR="18047" marT="18047" marB="0" anchor="ctr"/>
-                </a:tc>
-                <a:tc>
-                  <a:txBody>
-                    <a:bodyPr/>
-                    <a:lstStyle/>
-                    <a:p>
-                      <a:pPr algn="l" fontAlgn="ctr"/>
-                      <a:r>
-                        <a:rPr lang="en-US" sz="2000" u="none" strike="noStrike"/>
-                        <a:t>Rails</a:t>
-                      </a:r>
-                      <a:endParaRPr lang="en-US" sz="2000" b="0" i="0" u="none" strike="noStrike">
-                        <a:solidFill>
-                          <a:schemeClr val="bg1"/>
-                        </a:solidFill>
-                        <a:latin typeface="Calibri"/>
-                      </a:endParaRPr>
-                    </a:p>
-                  </a:txBody>
-                  <a:tcPr marL="18047" marR="18047" marT="18047" marB="0" anchor="ctr"/>
-                </a:tc>
-                <a:tc>
-                  <a:txBody>
-                    <a:bodyPr/>
-                    <a:lstStyle/>
-                    <a:p>
-                      <a:pPr algn="l" fontAlgn="b"/>
-                      <a:r>
-                        <a:rPr lang="en-US" sz="2000" u="none" strike="noStrike"/>
-                        <a:t>1st Request</a:t>
-                      </a:r>
-                      <a:endParaRPr lang="en-US" sz="2000" b="0" i="0" u="none" strike="noStrike">
-                        <a:solidFill>
-                          <a:schemeClr val="bg1"/>
-                        </a:solidFill>
-                        <a:latin typeface="Calibri"/>
-                      </a:endParaRPr>
-                    </a:p>
-                  </a:txBody>
-                  <a:tcPr marL="18047" marR="18047" marT="18047" marB="0" anchor="b"/>
-                </a:tc>
-                <a:tc>
-                  <a:txBody>
-                    <a:bodyPr/>
-                    <a:lstStyle/>
-                    <a:p>
-                      <a:pPr algn="r" fontAlgn="b"/>
-                      <a:r>
-                        <a:rPr lang="en-US" sz="2000" u="none" strike="noStrike"/>
-                        <a:t>2.65</a:t>
-                      </a:r>
-                      <a:endParaRPr lang="en-US" sz="2000" b="0" i="0" u="none" strike="noStrike">
-                        <a:solidFill>
-                          <a:schemeClr val="bg1"/>
-                        </a:solidFill>
-                        <a:latin typeface="Calibri"/>
-                      </a:endParaRPr>
-                    </a:p>
-                  </a:txBody>
-                  <a:tcPr marL="18047" marR="18047" marT="18047" marB="0" anchor="b"/>
-                </a:tc>
-                <a:tc>
-                  <a:txBody>
-                    <a:bodyPr/>
-                    <a:lstStyle/>
-                    <a:p>
-                      <a:pPr algn="r" fontAlgn="b"/>
-                      <a:r>
-                        <a:rPr lang="en-US" sz="2000" u="none" strike="noStrike"/>
-                        <a:t>105</a:t>
-                      </a:r>
-                      <a:endParaRPr lang="en-US" sz="2000" b="0" i="0" u="none" strike="noStrike">
-                        <a:solidFill>
-                          <a:schemeClr val="bg1"/>
-                        </a:solidFill>
-                        <a:latin typeface="Calibri"/>
-                      </a:endParaRPr>
-                    </a:p>
-                  </a:txBody>
-                  <a:tcPr marL="18047" marR="18047" marT="18047" marB="0" anchor="b"/>
-                </a:tc>
-                <a:tc>
-                  <a:txBody>
-                    <a:bodyPr/>
-                    <a:lstStyle/>
-                    <a:p>
-                      <a:pPr algn="r" fontAlgn="b"/>
-                      <a:r>
-                        <a:rPr lang="en-US" sz="2000" u="none" strike="noStrike"/>
-                        <a:t>0.998</a:t>
-                      </a:r>
-                      <a:endParaRPr lang="en-US" sz="2000" b="0" i="0" u="none" strike="noStrike">
-                        <a:solidFill>
-                          <a:schemeClr val="bg1"/>
-                        </a:solidFill>
-                        <a:latin typeface="Calibri"/>
-                      </a:endParaRPr>
-                    </a:p>
-                  </a:txBody>
-                  <a:tcPr marL="18047" marR="18047" marT="18047" marB="0" anchor="b"/>
-                </a:tc>
-                <a:tc>
-                  <a:txBody>
-                    <a:bodyPr/>
-                    <a:lstStyle/>
-                    <a:p>
-                      <a:pPr algn="r" fontAlgn="b"/>
-                      <a:r>
-                        <a:rPr lang="en-US" sz="2000" u="none" strike="noStrike"/>
-                        <a:t>25</a:t>
-                      </a:r>
-                      <a:endParaRPr lang="en-US" sz="2000" b="0" i="0" u="none" strike="noStrike">
-                        <a:solidFill>
-                          <a:schemeClr val="bg1"/>
-                        </a:solidFill>
-                        <a:latin typeface="Calibri"/>
-                      </a:endParaRPr>
-                    </a:p>
-                  </a:txBody>
-                  <a:tcPr marL="18047" marR="18047" marT="18047" marB="0" anchor="b"/>
-                </a:tc>
-                <a:tc>
-                  <a:txBody>
-                    <a:bodyPr/>
-                    <a:lstStyle/>
-                    <a:p>
-                      <a:pPr algn="r" fontAlgn="b"/>
-                      <a:r>
-                        <a:rPr lang="en-US" sz="2000" u="none" strike="noStrike"/>
-                        <a:t>-2.7</a:t>
-                      </a:r>
-                      <a:endParaRPr lang="en-US" sz="2000" b="0" i="0" u="none" strike="noStrike">
-                        <a:solidFill>
-                          <a:schemeClr val="bg1"/>
-                        </a:solidFill>
-                        <a:latin typeface="Calibri"/>
-                      </a:endParaRPr>
-                    </a:p>
-                  </a:txBody>
-                  <a:tcPr marL="18047" marR="18047" marT="18047" marB="0" anchor="b"/>
-                </a:tc>
-              </a:tr>
-              <a:tr h="360947">
-                <a:tc>
-                  <a:txBody>
-                    <a:bodyPr/>
-                    <a:lstStyle/>
-                    <a:p>
-                      <a:pPr algn="l" fontAlgn="ctr"/>
-                      <a:r>
-                        <a:rPr lang="en-US" sz="2000" u="none" strike="noStrike"/>
-                        <a:t>WEBrick</a:t>
-                      </a:r>
-                      <a:endParaRPr lang="en-US" sz="2000" b="1" i="0" u="none" strike="noStrike">
-                        <a:solidFill>
-                          <a:schemeClr val="bg1"/>
-                        </a:solidFill>
-                        <a:latin typeface="Calibri"/>
-                      </a:endParaRPr>
-                    </a:p>
-                  </a:txBody>
-                  <a:tcPr marL="18047" marR="18047" marT="18047" marB="0" anchor="ctr"/>
-                </a:tc>
-                <a:tc>
-                  <a:txBody>
-                    <a:bodyPr/>
-                    <a:lstStyle/>
-                    <a:p>
-                      <a:pPr algn="l" fontAlgn="ctr"/>
-                      <a:r>
-                        <a:rPr lang="en-US" sz="2000" u="none" strike="noStrike"/>
-                        <a:t>Rails</a:t>
-                      </a:r>
-                      <a:endParaRPr lang="en-US" sz="2000" b="0" i="0" u="none" strike="noStrike">
-                        <a:solidFill>
-                          <a:schemeClr val="bg1"/>
-                        </a:solidFill>
-                        <a:latin typeface="Calibri"/>
-                      </a:endParaRPr>
-                    </a:p>
-                  </a:txBody>
-                  <a:tcPr marL="18047" marR="18047" marT="18047" marB="0" anchor="ctr"/>
-                </a:tc>
-                <a:tc>
-                  <a:txBody>
-                    <a:bodyPr/>
-                    <a:lstStyle/>
-                    <a:p>
-                      <a:pPr algn="l" fontAlgn="b"/>
-                      <a:r>
-                        <a:rPr lang="en-US" sz="2000" u="none" strike="noStrike" dirty="0"/>
-                        <a:t>n Requests</a:t>
-                      </a:r>
-                      <a:endParaRPr lang="en-US" sz="2000" b="0" i="0" u="none" strike="noStrike" dirty="0">
-                        <a:solidFill>
-                          <a:schemeClr val="bg1"/>
-                        </a:solidFill>
-                        <a:latin typeface="Calibri"/>
-                      </a:endParaRPr>
-                    </a:p>
-                  </a:txBody>
-                  <a:tcPr marL="18047" marR="18047" marT="18047" marB="0" anchor="b"/>
-                </a:tc>
-                <a:tc>
-                  <a:txBody>
-                    <a:bodyPr/>
-                    <a:lstStyle/>
-                    <a:p>
-                      <a:pPr algn="r" fontAlgn="b"/>
-                      <a:r>
-                        <a:rPr lang="en-US" sz="2000" u="none" strike="noStrike" dirty="0"/>
-                        <a:t>0.304</a:t>
-                      </a:r>
-                      <a:endParaRPr lang="en-US" sz="2000" b="0" i="0" u="none" strike="noStrike" dirty="0">
-                        <a:solidFill>
-                          <a:schemeClr val="bg1"/>
-                        </a:solidFill>
-                        <a:latin typeface="Calibri"/>
-                      </a:endParaRPr>
-                    </a:p>
-                  </a:txBody>
-                  <a:tcPr marL="18047" marR="18047" marT="18047" marB="0" anchor="b"/>
-                </a:tc>
-                <a:tc>
-                  <a:txBody>
-                    <a:bodyPr/>
-                    <a:lstStyle/>
-                    <a:p>
-                      <a:pPr algn="r" fontAlgn="b"/>
-                      <a:r>
-                        <a:rPr lang="en-US" sz="2000" u="none" strike="noStrike"/>
-                        <a:t>113</a:t>
-                      </a:r>
-                      <a:endParaRPr lang="en-US" sz="2000" b="0" i="0" u="none" strike="noStrike">
-                        <a:solidFill>
-                          <a:schemeClr val="bg1"/>
-                        </a:solidFill>
-                        <a:latin typeface="Calibri"/>
-                      </a:endParaRPr>
-                    </a:p>
-                  </a:txBody>
-                  <a:tcPr marL="18047" marR="18047" marT="18047" marB="0" anchor="b"/>
-                </a:tc>
-                <a:tc>
-                  <a:txBody>
-                    <a:bodyPr/>
-                    <a:lstStyle/>
-                    <a:p>
-                      <a:pPr algn="r" fontAlgn="b"/>
-                      <a:r>
-                        <a:rPr lang="en-US" sz="2000" u="none" strike="noStrike"/>
-                        <a:t>0.067</a:t>
-                      </a:r>
-                      <a:endParaRPr lang="en-US" sz="2000" b="0" i="0" u="none" strike="noStrike">
-                        <a:solidFill>
-                          <a:schemeClr val="bg1"/>
-                        </a:solidFill>
-                        <a:latin typeface="Calibri"/>
-                      </a:endParaRPr>
-                    </a:p>
-                  </a:txBody>
-                  <a:tcPr marL="18047" marR="18047" marT="18047" marB="0" anchor="b"/>
-                </a:tc>
-                <a:tc>
-                  <a:txBody>
-                    <a:bodyPr/>
-                    <a:lstStyle/>
-                    <a:p>
-                      <a:pPr algn="r" fontAlgn="b"/>
-                      <a:r>
-                        <a:rPr lang="en-US" sz="2000" u="none" strike="noStrike"/>
-                        <a:t>25</a:t>
-                      </a:r>
-                      <a:endParaRPr lang="en-US" sz="2000" b="0" i="0" u="none" strike="noStrike">
-                        <a:solidFill>
-                          <a:schemeClr val="bg1"/>
-                        </a:solidFill>
-                        <a:latin typeface="Calibri"/>
-                      </a:endParaRPr>
-                    </a:p>
-                  </a:txBody>
-                  <a:tcPr marL="18047" marR="18047" marT="18047" marB="0" anchor="b"/>
-                </a:tc>
-                <a:tc>
-                  <a:txBody>
-                    <a:bodyPr/>
-                    <a:lstStyle/>
-                    <a:p>
-                      <a:pPr algn="r" fontAlgn="b"/>
-                      <a:r>
-                        <a:rPr lang="en-US" sz="2000" u="none" strike="noStrike"/>
-                        <a:t>-4.5</a:t>
-                      </a:r>
-                      <a:endParaRPr lang="en-US" sz="2000" b="0" i="0" u="none" strike="noStrike">
-                        <a:solidFill>
-                          <a:schemeClr val="bg1"/>
-                        </a:solidFill>
-                        <a:latin typeface="Calibri"/>
-                      </a:endParaRPr>
-                    </a:p>
-                  </a:txBody>
-                  <a:tcPr marL="18047" marR="18047" marT="18047" marB="0" anchor="b"/>
-                </a:tc>
-              </a:tr>
-              <a:tr h="360947">
-                <a:tc>
-                  <a:txBody>
-                    <a:bodyPr/>
-                    <a:lstStyle/>
-                    <a:p>
-                      <a:pPr algn="ctr" fontAlgn="ctr"/>
-                      <a:r>
-                        <a:rPr lang="en-US" sz="2000" u="none" strike="noStrike"/>
-                        <a:t>IIS</a:t>
-                      </a:r>
-                      <a:endParaRPr lang="en-US" sz="2000" b="1" i="0" u="none" strike="noStrike">
-                        <a:solidFill>
-                          <a:schemeClr val="bg1"/>
-                        </a:solidFill>
-                        <a:latin typeface="Calibri"/>
-                      </a:endParaRPr>
-                    </a:p>
-                  </a:txBody>
-                  <a:tcPr marL="18047" marR="18047" marT="18047" marB="0" anchor="ctr"/>
-                </a:tc>
-                <a:tc>
-                  <a:txBody>
-                    <a:bodyPr/>
-                    <a:lstStyle/>
-                    <a:p>
-                      <a:pPr algn="l" fontAlgn="ctr"/>
-                      <a:r>
-                        <a:rPr lang="en-US" sz="2000" u="none" strike="noStrike"/>
-                        <a:t>Rack</a:t>
-                      </a:r>
-                      <a:endParaRPr lang="en-US" sz="2000" b="0" i="0" u="none" strike="noStrike">
-                        <a:solidFill>
-                          <a:schemeClr val="bg1"/>
-                        </a:solidFill>
-                        <a:latin typeface="Calibri"/>
-                      </a:endParaRPr>
-                    </a:p>
-                  </a:txBody>
-                  <a:tcPr marL="18047" marR="18047" marT="18047" marB="0" anchor="ctr"/>
-                </a:tc>
-                <a:tc>
-                  <a:txBody>
-                    <a:bodyPr/>
-                    <a:lstStyle/>
-                    <a:p>
-                      <a:pPr algn="l" fontAlgn="b"/>
-                      <a:r>
-                        <a:rPr lang="en-US" sz="2000" u="none" strike="noStrike"/>
-                        <a:t>Startup</a:t>
-                      </a:r>
-                      <a:endParaRPr lang="en-US" sz="2000" b="0" i="0" u="none" strike="noStrike">
-                        <a:solidFill>
-                          <a:schemeClr val="bg1"/>
-                        </a:solidFill>
-                        <a:latin typeface="Calibri"/>
-                      </a:endParaRPr>
-                    </a:p>
-                  </a:txBody>
-                  <a:tcPr marL="18047" marR="18047" marT="18047" marB="0" anchor="b"/>
-                </a:tc>
-                <a:tc>
-                  <a:txBody>
-                    <a:bodyPr/>
-                    <a:lstStyle/>
-                    <a:p>
-                      <a:pPr algn="l" fontAlgn="b"/>
-                      <a:endParaRPr lang="en-US" sz="2000" b="0" i="0" u="none" strike="noStrike">
-                        <a:solidFill>
-                          <a:schemeClr val="bg1"/>
-                        </a:solidFill>
-                        <a:latin typeface="Calibri"/>
-                      </a:endParaRPr>
-                    </a:p>
-                  </a:txBody>
-                  <a:tcPr marL="18047" marR="18047" marT="18047" marB="0" anchor="b"/>
-                </a:tc>
-                <a:tc>
-                  <a:txBody>
-                    <a:bodyPr/>
-                    <a:lstStyle/>
-                    <a:p>
-                      <a:pPr algn="l" fontAlgn="b"/>
-                      <a:endParaRPr lang="en-US" sz="2000" b="0" i="0" u="none" strike="noStrike">
-                        <a:solidFill>
-                          <a:schemeClr val="bg1"/>
-                        </a:solidFill>
-                        <a:latin typeface="Calibri"/>
-                      </a:endParaRPr>
-                    </a:p>
-                  </a:txBody>
-                  <a:tcPr marL="18047" marR="18047" marT="18047" marB="0" anchor="b"/>
-                </a:tc>
-                <a:tc>
-                  <a:txBody>
-                    <a:bodyPr/>
-                    <a:lstStyle/>
-                    <a:p>
-                      <a:pPr algn="l" fontAlgn="b"/>
-                      <a:endParaRPr lang="en-US" sz="2000" b="0" i="0" u="none" strike="noStrike">
-                        <a:solidFill>
-                          <a:schemeClr val="bg1"/>
-                        </a:solidFill>
-                        <a:latin typeface="Calibri"/>
-                      </a:endParaRPr>
-                    </a:p>
-                  </a:txBody>
-                  <a:tcPr marL="18047" marR="18047" marT="18047" marB="0" anchor="b"/>
-                </a:tc>
-                <a:tc>
-                  <a:txBody>
-                    <a:bodyPr/>
-                    <a:lstStyle/>
-                    <a:p>
-                      <a:pPr algn="l" fontAlgn="b"/>
-                      <a:endParaRPr lang="en-US" sz="2000" b="0" i="0" u="none" strike="noStrike">
-                        <a:solidFill>
-                          <a:schemeClr val="bg1"/>
-                        </a:solidFill>
-                        <a:latin typeface="Calibri"/>
-                      </a:endParaRPr>
-                    </a:p>
-                  </a:txBody>
-                  <a:tcPr marL="18047" marR="18047" marT="18047" marB="0" anchor="b"/>
-                </a:tc>
-                <a:tc>
-                  <a:txBody>
-                    <a:bodyPr/>
-                    <a:lstStyle/>
-                    <a:p>
-                      <a:pPr algn="l" fontAlgn="b"/>
-                      <a:endParaRPr lang="en-US" sz="2000" b="0" i="0" u="none" strike="noStrike">
-                        <a:solidFill>
-                          <a:schemeClr val="bg1"/>
-                        </a:solidFill>
-                        <a:latin typeface="Calibri"/>
-                      </a:endParaRPr>
-                    </a:p>
-                  </a:txBody>
-                  <a:tcPr marL="18047" marR="18047" marT="18047" marB="0" anchor="b"/>
-                </a:tc>
-              </a:tr>
-              <a:tr h="360947">
-                <a:tc>
-                  <a:txBody>
-                    <a:bodyPr/>
-                    <a:lstStyle/>
-                    <a:p>
-                      <a:pPr algn="ctr" fontAlgn="ctr"/>
-                      <a:r>
-                        <a:rPr lang="en-US" sz="2000" u="none" strike="noStrike"/>
-                        <a:t>IIS</a:t>
-                      </a:r>
-                      <a:endParaRPr lang="en-US" sz="2000" b="1" i="0" u="none" strike="noStrike">
-                        <a:solidFill>
-                          <a:schemeClr val="bg1"/>
-                        </a:solidFill>
-                        <a:latin typeface="Calibri"/>
-                      </a:endParaRPr>
-                    </a:p>
-                  </a:txBody>
-                  <a:tcPr marL="18047" marR="18047" marT="18047" marB="0" anchor="ctr"/>
-                </a:tc>
-                <a:tc>
-                  <a:txBody>
-                    <a:bodyPr/>
-                    <a:lstStyle/>
-                    <a:p>
-                      <a:pPr algn="l" fontAlgn="ctr"/>
-                      <a:r>
-                        <a:rPr lang="en-US" sz="2000" u="none" strike="noStrike"/>
-                        <a:t>Rack</a:t>
-                      </a:r>
-                      <a:endParaRPr lang="en-US" sz="2000" b="0" i="0" u="none" strike="noStrike">
-                        <a:solidFill>
-                          <a:schemeClr val="bg1"/>
-                        </a:solidFill>
-                        <a:latin typeface="Calibri"/>
-                      </a:endParaRPr>
-                    </a:p>
-                  </a:txBody>
-                  <a:tcPr marL="18047" marR="18047" marT="18047" marB="0" anchor="ctr"/>
-                </a:tc>
-                <a:tc>
-                  <a:txBody>
-                    <a:bodyPr/>
-                    <a:lstStyle/>
-                    <a:p>
-                      <a:pPr algn="l" fontAlgn="b"/>
-                      <a:r>
-                        <a:rPr lang="en-US" sz="2000" u="none" strike="noStrike"/>
-                        <a:t>1st Request</a:t>
-                      </a:r>
-                      <a:endParaRPr lang="en-US" sz="2000" b="0" i="0" u="none" strike="noStrike">
-                        <a:solidFill>
-                          <a:schemeClr val="bg1"/>
-                        </a:solidFill>
-                        <a:latin typeface="Calibri"/>
-                      </a:endParaRPr>
-                    </a:p>
-                  </a:txBody>
-                  <a:tcPr marL="18047" marR="18047" marT="18047" marB="0" anchor="b"/>
-                </a:tc>
-                <a:tc>
-                  <a:txBody>
-                    <a:bodyPr/>
-                    <a:lstStyle/>
-                    <a:p>
-                      <a:pPr algn="l" fontAlgn="b"/>
-                      <a:endParaRPr lang="en-US" sz="2000" b="0" i="0" u="none" strike="noStrike">
-                        <a:solidFill>
-                          <a:schemeClr val="bg1"/>
-                        </a:solidFill>
-                        <a:latin typeface="Calibri"/>
-                      </a:endParaRPr>
-                    </a:p>
-                  </a:txBody>
-                  <a:tcPr marL="18047" marR="18047" marT="18047" marB="0" anchor="b"/>
-                </a:tc>
-                <a:tc>
-                  <a:txBody>
-                    <a:bodyPr/>
-                    <a:lstStyle/>
-                    <a:p>
-                      <a:pPr algn="l" fontAlgn="b"/>
-                      <a:endParaRPr lang="en-US" sz="2000" b="0" i="0" u="none" strike="noStrike">
-                        <a:solidFill>
-                          <a:schemeClr val="bg1"/>
-                        </a:solidFill>
-                        <a:latin typeface="Calibri"/>
-                      </a:endParaRPr>
-                    </a:p>
-                  </a:txBody>
-                  <a:tcPr marL="18047" marR="18047" marT="18047" marB="0" anchor="b"/>
-                </a:tc>
-                <a:tc>
-                  <a:txBody>
-                    <a:bodyPr/>
-                    <a:lstStyle/>
-                    <a:p>
-                      <a:pPr algn="l" fontAlgn="b"/>
-                      <a:endParaRPr lang="en-US" sz="2000" b="0" i="0" u="none" strike="noStrike">
-                        <a:solidFill>
-                          <a:schemeClr val="bg1"/>
-                        </a:solidFill>
-                        <a:latin typeface="Calibri"/>
-                      </a:endParaRPr>
-                    </a:p>
-                  </a:txBody>
-                  <a:tcPr marL="18047" marR="18047" marT="18047" marB="0" anchor="b"/>
-                </a:tc>
-                <a:tc>
-                  <a:txBody>
-                    <a:bodyPr/>
-                    <a:lstStyle/>
-                    <a:p>
-                      <a:pPr algn="l" fontAlgn="b"/>
-                      <a:endParaRPr lang="en-US" sz="2000" b="0" i="0" u="none" strike="noStrike">
-                        <a:solidFill>
-                          <a:schemeClr val="bg1"/>
-                        </a:solidFill>
-                        <a:latin typeface="Calibri"/>
-                      </a:endParaRPr>
-                    </a:p>
-                  </a:txBody>
-                  <a:tcPr marL="18047" marR="18047" marT="18047" marB="0" anchor="b"/>
-                </a:tc>
-                <a:tc>
-                  <a:txBody>
-                    <a:bodyPr/>
-                    <a:lstStyle/>
-                    <a:p>
-                      <a:pPr algn="l" fontAlgn="b"/>
-                      <a:endParaRPr lang="en-US" sz="2000" b="0" i="0" u="none" strike="noStrike">
-                        <a:solidFill>
-                          <a:schemeClr val="bg1"/>
-                        </a:solidFill>
-                        <a:latin typeface="Calibri"/>
-                      </a:endParaRPr>
-                    </a:p>
-                  </a:txBody>
-                  <a:tcPr marL="18047" marR="18047" marT="18047" marB="0" anchor="b"/>
-                </a:tc>
-              </a:tr>
-              <a:tr h="360947">
-                <a:tc>
-                  <a:txBody>
-                    <a:bodyPr/>
-                    <a:lstStyle/>
-                    <a:p>
-                      <a:pPr algn="ctr" fontAlgn="ctr"/>
-                      <a:r>
-                        <a:rPr lang="en-US" sz="2000" u="none" strike="noStrike"/>
-                        <a:t>IIS</a:t>
-                      </a:r>
-                      <a:endParaRPr lang="en-US" sz="2000" b="1" i="0" u="none" strike="noStrike">
-                        <a:solidFill>
-                          <a:schemeClr val="bg1"/>
-                        </a:solidFill>
-                        <a:latin typeface="Calibri"/>
-                      </a:endParaRPr>
-                    </a:p>
-                  </a:txBody>
-                  <a:tcPr marL="18047" marR="18047" marT="18047" marB="0" anchor="ctr"/>
-                </a:tc>
-                <a:tc>
-                  <a:txBody>
-                    <a:bodyPr/>
-                    <a:lstStyle/>
-                    <a:p>
-                      <a:pPr algn="l" fontAlgn="ctr"/>
-                      <a:r>
-                        <a:rPr lang="en-US" sz="2000" u="none" strike="noStrike"/>
-                        <a:t>Rack</a:t>
-                      </a:r>
-                      <a:endParaRPr lang="en-US" sz="2000" b="0" i="0" u="none" strike="noStrike">
-                        <a:solidFill>
-                          <a:schemeClr val="bg1"/>
-                        </a:solidFill>
-                        <a:latin typeface="Calibri"/>
-                      </a:endParaRPr>
-                    </a:p>
-                  </a:txBody>
-                  <a:tcPr marL="18047" marR="18047" marT="18047" marB="0" anchor="ctr"/>
-                </a:tc>
-                <a:tc>
-                  <a:txBody>
-                    <a:bodyPr/>
-                    <a:lstStyle/>
-                    <a:p>
-                      <a:pPr algn="l" fontAlgn="b"/>
-                      <a:r>
-                        <a:rPr lang="en-US" sz="2000" u="none" strike="noStrike"/>
-                        <a:t>n Requests</a:t>
-                      </a:r>
-                      <a:endParaRPr lang="en-US" sz="2000" b="0" i="0" u="none" strike="noStrike">
-                        <a:solidFill>
-                          <a:schemeClr val="bg1"/>
-                        </a:solidFill>
-                        <a:latin typeface="Calibri"/>
-                      </a:endParaRPr>
-                    </a:p>
-                  </a:txBody>
-                  <a:tcPr marL="18047" marR="18047" marT="18047" marB="0" anchor="b"/>
-                </a:tc>
-                <a:tc>
-                  <a:txBody>
-                    <a:bodyPr/>
-                    <a:lstStyle/>
-                    <a:p>
-                      <a:pPr algn="l" fontAlgn="b"/>
-                      <a:endParaRPr lang="en-US" sz="2000" b="0" i="0" u="none" strike="noStrike">
-                        <a:solidFill>
-                          <a:schemeClr val="bg1"/>
-                        </a:solidFill>
-                        <a:latin typeface="Calibri"/>
-                      </a:endParaRPr>
-                    </a:p>
-                  </a:txBody>
-                  <a:tcPr marL="18047" marR="18047" marT="18047" marB="0" anchor="b"/>
-                </a:tc>
-                <a:tc>
-                  <a:txBody>
-                    <a:bodyPr/>
-                    <a:lstStyle/>
-                    <a:p>
-                      <a:pPr algn="l" fontAlgn="b"/>
-                      <a:endParaRPr lang="en-US" sz="2000" b="0" i="0" u="none" strike="noStrike">
-                        <a:solidFill>
-                          <a:schemeClr val="bg1"/>
-                        </a:solidFill>
-                        <a:latin typeface="Calibri"/>
-                      </a:endParaRPr>
-                    </a:p>
-                  </a:txBody>
-                  <a:tcPr marL="18047" marR="18047" marT="18047" marB="0" anchor="b"/>
-                </a:tc>
-                <a:tc>
-                  <a:txBody>
-                    <a:bodyPr/>
-                    <a:lstStyle/>
-                    <a:p>
-                      <a:pPr algn="l" fontAlgn="b"/>
-                      <a:endParaRPr lang="en-US" sz="2000" b="0" i="0" u="none" strike="noStrike">
-                        <a:solidFill>
-                          <a:schemeClr val="bg1"/>
-                        </a:solidFill>
-                        <a:latin typeface="Calibri"/>
-                      </a:endParaRPr>
-                    </a:p>
-                  </a:txBody>
-                  <a:tcPr marL="18047" marR="18047" marT="18047" marB="0" anchor="b"/>
-                </a:tc>
-                <a:tc>
-                  <a:txBody>
-                    <a:bodyPr/>
-                    <a:lstStyle/>
-                    <a:p>
-                      <a:pPr algn="l" fontAlgn="b"/>
-                      <a:endParaRPr lang="en-US" sz="2000" b="0" i="0" u="none" strike="noStrike">
-                        <a:solidFill>
-                          <a:schemeClr val="bg1"/>
-                        </a:solidFill>
-                        <a:latin typeface="Calibri"/>
-                      </a:endParaRPr>
-                    </a:p>
-                  </a:txBody>
-                  <a:tcPr marL="18047" marR="18047" marT="18047" marB="0" anchor="b"/>
-                </a:tc>
-                <a:tc>
-                  <a:txBody>
-                    <a:bodyPr/>
-                    <a:lstStyle/>
-                    <a:p>
-                      <a:pPr algn="l" fontAlgn="b"/>
-                      <a:endParaRPr lang="en-US" sz="2000" b="0" i="0" u="none" strike="noStrike" dirty="0">
-                        <a:solidFill>
-                          <a:schemeClr val="bg1"/>
-                        </a:solidFill>
-                        <a:latin typeface="Calibri"/>
-                      </a:endParaRPr>
-                    </a:p>
-                  </a:txBody>
-                  <a:tcPr marL="18047" marR="18047" marT="18047" marB="0" anchor="b"/>
-                </a:tc>
-              </a:tr>
-              <a:tr h="360947">
-                <a:tc>
-                  <a:txBody>
-                    <a:bodyPr/>
-                    <a:lstStyle/>
-                    <a:p>
-                      <a:pPr algn="ctr" fontAlgn="ctr"/>
-                      <a:r>
-                        <a:rPr lang="en-US" sz="2000" u="none" strike="noStrike"/>
-                        <a:t>IIS</a:t>
-                      </a:r>
-                      <a:endParaRPr lang="en-US" sz="2000" b="1" i="0" u="none" strike="noStrike">
-                        <a:solidFill>
-                          <a:schemeClr val="bg1"/>
-                        </a:solidFill>
-                        <a:latin typeface="Calibri"/>
-                      </a:endParaRPr>
-                    </a:p>
-                  </a:txBody>
-                  <a:tcPr marL="18047" marR="18047" marT="18047" marB="0" anchor="ctr"/>
-                </a:tc>
-                <a:tc>
-                  <a:txBody>
-                    <a:bodyPr/>
-                    <a:lstStyle/>
-                    <a:p>
-                      <a:pPr algn="l" fontAlgn="ctr"/>
-                      <a:r>
-                        <a:rPr lang="en-US" sz="2000" u="none" strike="noStrike"/>
-                        <a:t>Sinatra</a:t>
-                      </a:r>
-                      <a:endParaRPr lang="en-US" sz="2000" b="0" i="0" u="none" strike="noStrike">
-                        <a:solidFill>
-                          <a:schemeClr val="bg1"/>
-                        </a:solidFill>
-                        <a:latin typeface="Calibri"/>
-                      </a:endParaRPr>
-                    </a:p>
-                  </a:txBody>
-                  <a:tcPr marL="18047" marR="18047" marT="18047" marB="0" anchor="ctr"/>
-                </a:tc>
-                <a:tc>
-                  <a:txBody>
-                    <a:bodyPr/>
-                    <a:lstStyle/>
-                    <a:p>
-                      <a:pPr algn="l" fontAlgn="b"/>
-                      <a:r>
-                        <a:rPr lang="en-US" sz="2000" u="none" strike="noStrike"/>
-                        <a:t>Startup</a:t>
-                      </a:r>
-                      <a:endParaRPr lang="en-US" sz="2000" b="0" i="0" u="none" strike="noStrike">
-                        <a:solidFill>
-                          <a:schemeClr val="bg1"/>
-                        </a:solidFill>
-                        <a:latin typeface="Calibri"/>
-                      </a:endParaRPr>
-                    </a:p>
-                  </a:txBody>
-                  <a:tcPr marL="18047" marR="18047" marT="18047" marB="0" anchor="b"/>
-                </a:tc>
-                <a:tc>
-                  <a:txBody>
-                    <a:bodyPr/>
-                    <a:lstStyle/>
-                    <a:p>
-                      <a:pPr algn="l" fontAlgn="b"/>
-                      <a:endParaRPr lang="en-US" sz="2000" b="0" i="0" u="none" strike="noStrike">
-                        <a:solidFill>
-                          <a:schemeClr val="bg1"/>
-                        </a:solidFill>
-                        <a:latin typeface="Calibri"/>
-                      </a:endParaRPr>
-                    </a:p>
-                  </a:txBody>
-                  <a:tcPr marL="18047" marR="18047" marT="18047" marB="0" anchor="b"/>
-                </a:tc>
-                <a:tc>
-                  <a:txBody>
-                    <a:bodyPr/>
-                    <a:lstStyle/>
-                    <a:p>
-                      <a:pPr algn="l" fontAlgn="b"/>
-                      <a:endParaRPr lang="en-US" sz="2000" b="0" i="0" u="none" strike="noStrike">
-                        <a:solidFill>
-                          <a:schemeClr val="bg1"/>
-                        </a:solidFill>
-                        <a:latin typeface="Calibri"/>
-                      </a:endParaRPr>
-                    </a:p>
-                  </a:txBody>
-                  <a:tcPr marL="18047" marR="18047" marT="18047" marB="0" anchor="b"/>
-                </a:tc>
-                <a:tc>
-                  <a:txBody>
-                    <a:bodyPr/>
-                    <a:lstStyle/>
-                    <a:p>
-                      <a:pPr algn="l" fontAlgn="b"/>
-                      <a:endParaRPr lang="en-US" sz="2000" b="0" i="0" u="none" strike="noStrike">
-                        <a:solidFill>
-                          <a:schemeClr val="bg1"/>
-                        </a:solidFill>
-                        <a:latin typeface="Calibri"/>
-                      </a:endParaRPr>
-                    </a:p>
-                  </a:txBody>
-                  <a:tcPr marL="18047" marR="18047" marT="18047" marB="0" anchor="b"/>
-                </a:tc>
-                <a:tc>
-                  <a:txBody>
-                    <a:bodyPr/>
-                    <a:lstStyle/>
-                    <a:p>
-                      <a:pPr algn="l" fontAlgn="b"/>
-                      <a:endParaRPr lang="en-US" sz="2000" b="0" i="0" u="none" strike="noStrike">
-                        <a:solidFill>
-                          <a:schemeClr val="bg1"/>
-                        </a:solidFill>
-                        <a:latin typeface="Calibri"/>
-                      </a:endParaRPr>
-                    </a:p>
-                  </a:txBody>
-                  <a:tcPr marL="18047" marR="18047" marT="18047" marB="0" anchor="b"/>
-                </a:tc>
-                <a:tc>
-                  <a:txBody>
-                    <a:bodyPr/>
-                    <a:lstStyle/>
-                    <a:p>
-                      <a:pPr algn="l" fontAlgn="b"/>
-                      <a:endParaRPr lang="en-US" sz="2000" b="0" i="0" u="none" strike="noStrike">
-                        <a:solidFill>
-                          <a:schemeClr val="bg1"/>
-                        </a:solidFill>
-                        <a:latin typeface="Calibri"/>
-                      </a:endParaRPr>
-                    </a:p>
-                  </a:txBody>
-                  <a:tcPr marL="18047" marR="18047" marT="18047" marB="0" anchor="b"/>
-                </a:tc>
-              </a:tr>
-              <a:tr h="360947">
-                <a:tc>
-                  <a:txBody>
-                    <a:bodyPr/>
-                    <a:lstStyle/>
-                    <a:p>
-                      <a:pPr algn="ctr" fontAlgn="ctr"/>
-                      <a:r>
-                        <a:rPr lang="en-US" sz="2000" u="none" strike="noStrike"/>
-                        <a:t>IIS</a:t>
-                      </a:r>
-                      <a:endParaRPr lang="en-US" sz="2000" b="1" i="0" u="none" strike="noStrike">
-                        <a:solidFill>
-                          <a:schemeClr val="bg1"/>
-                        </a:solidFill>
-                        <a:latin typeface="Calibri"/>
-                      </a:endParaRPr>
-                    </a:p>
-                  </a:txBody>
-                  <a:tcPr marL="18047" marR="18047" marT="18047" marB="0" anchor="ctr"/>
-                </a:tc>
-                <a:tc>
-                  <a:txBody>
-                    <a:bodyPr/>
-                    <a:lstStyle/>
-                    <a:p>
-                      <a:pPr algn="l" fontAlgn="ctr"/>
-                      <a:r>
-                        <a:rPr lang="en-US" sz="2000" u="none" strike="noStrike"/>
-                        <a:t>Sinatra</a:t>
-                      </a:r>
-                      <a:endParaRPr lang="en-US" sz="2000" b="0" i="0" u="none" strike="noStrike">
-                        <a:solidFill>
-                          <a:schemeClr val="bg1"/>
-                        </a:solidFill>
-                        <a:latin typeface="Calibri"/>
-                      </a:endParaRPr>
-                    </a:p>
-                  </a:txBody>
-                  <a:tcPr marL="18047" marR="18047" marT="18047" marB="0" anchor="ctr"/>
-                </a:tc>
-                <a:tc>
-                  <a:txBody>
-                    <a:bodyPr/>
-                    <a:lstStyle/>
-                    <a:p>
-                      <a:pPr algn="l" fontAlgn="b"/>
-                      <a:r>
-                        <a:rPr lang="en-US" sz="2000" u="none" strike="noStrike"/>
-                        <a:t>1st Request</a:t>
-                      </a:r>
-                      <a:endParaRPr lang="en-US" sz="2000" b="0" i="0" u="none" strike="noStrike">
-                        <a:solidFill>
-                          <a:schemeClr val="bg1"/>
-                        </a:solidFill>
-                        <a:latin typeface="Calibri"/>
-                      </a:endParaRPr>
-                    </a:p>
-                  </a:txBody>
-                  <a:tcPr marL="18047" marR="18047" marT="18047" marB="0" anchor="b"/>
-                </a:tc>
-                <a:tc>
-                  <a:txBody>
-                    <a:bodyPr/>
-                    <a:lstStyle/>
-                    <a:p>
-                      <a:pPr algn="l" fontAlgn="b"/>
-                      <a:endParaRPr lang="en-US" sz="2000" b="0" i="0" u="none" strike="noStrike">
-                        <a:solidFill>
-                          <a:schemeClr val="bg1"/>
-                        </a:solidFill>
-                        <a:latin typeface="Calibri"/>
-                      </a:endParaRPr>
-                    </a:p>
-                  </a:txBody>
-                  <a:tcPr marL="18047" marR="18047" marT="18047" marB="0" anchor="b"/>
-                </a:tc>
-                <a:tc>
-                  <a:txBody>
-                    <a:bodyPr/>
-                    <a:lstStyle/>
-                    <a:p>
-                      <a:pPr algn="l" fontAlgn="b"/>
-                      <a:endParaRPr lang="en-US" sz="2000" b="0" i="0" u="none" strike="noStrike">
-                        <a:solidFill>
-                          <a:schemeClr val="bg1"/>
-                        </a:solidFill>
-                        <a:latin typeface="Calibri"/>
-                      </a:endParaRPr>
-                    </a:p>
-                  </a:txBody>
-                  <a:tcPr marL="18047" marR="18047" marT="18047" marB="0" anchor="b"/>
-                </a:tc>
-                <a:tc>
-                  <a:txBody>
-                    <a:bodyPr/>
-                    <a:lstStyle/>
-                    <a:p>
-                      <a:pPr algn="l" fontAlgn="b"/>
-                      <a:endParaRPr lang="en-US" sz="2000" b="0" i="0" u="none" strike="noStrike">
-                        <a:solidFill>
-                          <a:schemeClr val="bg1"/>
-                        </a:solidFill>
-                        <a:latin typeface="Calibri"/>
-                      </a:endParaRPr>
-                    </a:p>
-                  </a:txBody>
-                  <a:tcPr marL="18047" marR="18047" marT="18047" marB="0" anchor="b"/>
-                </a:tc>
-                <a:tc>
-                  <a:txBody>
-                    <a:bodyPr/>
-                    <a:lstStyle/>
-                    <a:p>
-                      <a:pPr algn="l" fontAlgn="b"/>
-                      <a:endParaRPr lang="en-US" sz="2000" b="0" i="0" u="none" strike="noStrike">
-                        <a:solidFill>
-                          <a:schemeClr val="bg1"/>
-                        </a:solidFill>
-                        <a:latin typeface="Calibri"/>
-                      </a:endParaRPr>
-                    </a:p>
-                  </a:txBody>
-                  <a:tcPr marL="18047" marR="18047" marT="18047" marB="0" anchor="b"/>
-                </a:tc>
-                <a:tc>
-                  <a:txBody>
-                    <a:bodyPr/>
-                    <a:lstStyle/>
-                    <a:p>
-                      <a:pPr algn="l" fontAlgn="b"/>
-                      <a:endParaRPr lang="en-US" sz="2000" b="0" i="0" u="none" strike="noStrike" dirty="0">
-                        <a:solidFill>
-                          <a:schemeClr val="bg1"/>
-                        </a:solidFill>
-                        <a:latin typeface="Calibri"/>
-                      </a:endParaRPr>
-                    </a:p>
-                  </a:txBody>
-                  <a:tcPr marL="18047" marR="18047" marT="18047" marB="0" anchor="b"/>
-                </a:tc>
-              </a:tr>
-              <a:tr h="360947">
-                <a:tc>
-                  <a:txBody>
-                    <a:bodyPr/>
-                    <a:lstStyle/>
-                    <a:p>
-                      <a:pPr algn="ctr" fontAlgn="ctr"/>
-                      <a:r>
-                        <a:rPr lang="en-US" sz="2000" u="none" strike="noStrike" dirty="0"/>
-                        <a:t>IIS</a:t>
-                      </a:r>
-                      <a:endParaRPr lang="en-US" sz="2000" b="1" i="0" u="none" strike="noStrike" dirty="0">
-                        <a:solidFill>
-                          <a:schemeClr val="bg1"/>
-                        </a:solidFill>
-                        <a:latin typeface="Calibri"/>
-                      </a:endParaRPr>
-                    </a:p>
-                  </a:txBody>
-                  <a:tcPr marL="18047" marR="18047" marT="18047" marB="0" anchor="ctr"/>
-                </a:tc>
-                <a:tc>
-                  <a:txBody>
-                    <a:bodyPr/>
-                    <a:lstStyle/>
-                    <a:p>
-                      <a:pPr algn="l" fontAlgn="ctr"/>
-                      <a:r>
-                        <a:rPr lang="en-US" sz="2000" u="none" strike="noStrike"/>
-                        <a:t>Sinatra</a:t>
-                      </a:r>
-                      <a:endParaRPr lang="en-US" sz="2000" b="0" i="0" u="none" strike="noStrike">
-                        <a:solidFill>
-                          <a:schemeClr val="bg1"/>
-                        </a:solidFill>
-                        <a:latin typeface="Calibri"/>
-                      </a:endParaRPr>
-                    </a:p>
-                  </a:txBody>
-                  <a:tcPr marL="18047" marR="18047" marT="18047" marB="0" anchor="ctr"/>
-                </a:tc>
-                <a:tc>
-                  <a:txBody>
-                    <a:bodyPr/>
-                    <a:lstStyle/>
-                    <a:p>
-                      <a:pPr algn="l" fontAlgn="b"/>
-                      <a:r>
-                        <a:rPr lang="en-US" sz="2000" u="none" strike="noStrike"/>
-                        <a:t>n Requests</a:t>
-                      </a:r>
-                      <a:endParaRPr lang="en-US" sz="2000" b="0" i="0" u="none" strike="noStrike">
-                        <a:solidFill>
-                          <a:schemeClr val="bg1"/>
-                        </a:solidFill>
-                        <a:latin typeface="Calibri"/>
-                      </a:endParaRPr>
-                    </a:p>
-                  </a:txBody>
-                  <a:tcPr marL="18047" marR="18047" marT="18047" marB="0" anchor="b"/>
-                </a:tc>
-                <a:tc>
-                  <a:txBody>
-                    <a:bodyPr/>
-                    <a:lstStyle/>
-                    <a:p>
-                      <a:pPr algn="l" fontAlgn="b"/>
-                      <a:endParaRPr lang="en-US" sz="2000" b="0" i="0" u="none" strike="noStrike">
-                        <a:solidFill>
-                          <a:schemeClr val="bg1"/>
-                        </a:solidFill>
-                        <a:latin typeface="Calibri"/>
-                      </a:endParaRPr>
-                    </a:p>
-                  </a:txBody>
-                  <a:tcPr marL="18047" marR="18047" marT="18047" marB="0" anchor="b"/>
-                </a:tc>
-                <a:tc>
-                  <a:txBody>
-                    <a:bodyPr/>
-                    <a:lstStyle/>
-                    <a:p>
-                      <a:pPr algn="l" fontAlgn="b"/>
-                      <a:endParaRPr lang="en-US" sz="2000" b="0" i="0" u="none" strike="noStrike">
-                        <a:solidFill>
-                          <a:schemeClr val="bg1"/>
-                        </a:solidFill>
-                        <a:latin typeface="Calibri"/>
-                      </a:endParaRPr>
-                    </a:p>
-                  </a:txBody>
-                  <a:tcPr marL="18047" marR="18047" marT="18047" marB="0" anchor="b"/>
-                </a:tc>
-                <a:tc>
-                  <a:txBody>
-                    <a:bodyPr/>
-                    <a:lstStyle/>
-                    <a:p>
-                      <a:pPr algn="l" fontAlgn="b"/>
-                      <a:endParaRPr lang="en-US" sz="2000" b="0" i="0" u="none" strike="noStrike">
-                        <a:solidFill>
-                          <a:schemeClr val="bg1"/>
-                        </a:solidFill>
-                        <a:latin typeface="Calibri"/>
-                      </a:endParaRPr>
-                    </a:p>
-                  </a:txBody>
-                  <a:tcPr marL="18047" marR="18047" marT="18047" marB="0" anchor="b"/>
-                </a:tc>
-                <a:tc>
-                  <a:txBody>
-                    <a:bodyPr/>
-                    <a:lstStyle/>
-                    <a:p>
-                      <a:pPr algn="l" fontAlgn="b"/>
-                      <a:endParaRPr lang="en-US" sz="2000" b="0" i="0" u="none" strike="noStrike">
-                        <a:solidFill>
-                          <a:schemeClr val="bg1"/>
-                        </a:solidFill>
-                        <a:latin typeface="Calibri"/>
-                      </a:endParaRPr>
-                    </a:p>
-                  </a:txBody>
-                  <a:tcPr marL="18047" marR="18047" marT="18047" marB="0" anchor="b"/>
-                </a:tc>
-                <a:tc>
-                  <a:txBody>
-                    <a:bodyPr/>
-                    <a:lstStyle/>
-                    <a:p>
-                      <a:pPr algn="l" fontAlgn="b"/>
-                      <a:endParaRPr lang="en-US" sz="2000" b="0" i="0" u="none" strike="noStrike">
-                        <a:solidFill>
-                          <a:schemeClr val="bg1"/>
-                        </a:solidFill>
-                        <a:latin typeface="Calibri"/>
-                      </a:endParaRPr>
-                    </a:p>
-                  </a:txBody>
-                  <a:tcPr marL="18047" marR="18047" marT="18047" marB="0" anchor="b"/>
-                </a:tc>
-              </a:tr>
-              <a:tr h="360947">
-                <a:tc>
-                  <a:txBody>
-                    <a:bodyPr/>
-                    <a:lstStyle/>
-                    <a:p>
-                      <a:pPr algn="ctr" fontAlgn="ctr"/>
-                      <a:r>
-                        <a:rPr lang="en-US" sz="2000" u="none" strike="noStrike"/>
-                        <a:t>IIS</a:t>
-                      </a:r>
-                      <a:endParaRPr lang="en-US" sz="2000" b="1" i="0" u="none" strike="noStrike">
-                        <a:solidFill>
-                          <a:schemeClr val="bg1"/>
-                        </a:solidFill>
-                        <a:latin typeface="Calibri"/>
-                      </a:endParaRPr>
-                    </a:p>
-                  </a:txBody>
-                  <a:tcPr marL="18047" marR="18047" marT="18047" marB="0" anchor="ctr"/>
-                </a:tc>
-                <a:tc>
-                  <a:txBody>
-                    <a:bodyPr/>
-                    <a:lstStyle/>
-                    <a:p>
-                      <a:pPr algn="l" fontAlgn="ctr"/>
-                      <a:r>
-                        <a:rPr lang="en-US" sz="2000" u="none" strike="noStrike"/>
-                        <a:t>Rails</a:t>
-                      </a:r>
-                      <a:endParaRPr lang="en-US" sz="2000" b="0" i="0" u="none" strike="noStrike">
-                        <a:solidFill>
-                          <a:schemeClr val="bg1"/>
-                        </a:solidFill>
-                        <a:latin typeface="Calibri"/>
-                      </a:endParaRPr>
-                    </a:p>
-                  </a:txBody>
-                  <a:tcPr marL="18047" marR="18047" marT="18047" marB="0" anchor="ctr"/>
-                </a:tc>
-                <a:tc>
-                  <a:txBody>
-                    <a:bodyPr/>
-                    <a:lstStyle/>
-                    <a:p>
-                      <a:pPr algn="l" fontAlgn="b"/>
-                      <a:r>
-                        <a:rPr lang="en-US" sz="2000" u="none" strike="noStrike"/>
-                        <a:t>Startup</a:t>
-                      </a:r>
-                      <a:endParaRPr lang="en-US" sz="2000" b="0" i="0" u="none" strike="noStrike">
-                        <a:solidFill>
-                          <a:schemeClr val="bg1"/>
-                        </a:solidFill>
-                        <a:latin typeface="Calibri"/>
-                      </a:endParaRPr>
-                    </a:p>
-                  </a:txBody>
-                  <a:tcPr marL="18047" marR="18047" marT="18047" marB="0" anchor="b"/>
-                </a:tc>
-                <a:tc>
-                  <a:txBody>
-                    <a:bodyPr/>
-                    <a:lstStyle/>
-                    <a:p>
-                      <a:pPr algn="l" fontAlgn="b"/>
-                      <a:endParaRPr lang="en-US" sz="2000" b="0" i="0" u="none" strike="noStrike">
-                        <a:solidFill>
-                          <a:schemeClr val="bg1"/>
-                        </a:solidFill>
-                        <a:latin typeface="Calibri"/>
-                      </a:endParaRPr>
-                    </a:p>
-                  </a:txBody>
-                  <a:tcPr marL="18047" marR="18047" marT="18047" marB="0" anchor="b"/>
-                </a:tc>
-                <a:tc>
-                  <a:txBody>
-                    <a:bodyPr/>
-                    <a:lstStyle/>
-                    <a:p>
-                      <a:pPr algn="l" fontAlgn="b"/>
-                      <a:endParaRPr lang="en-US" sz="2000" b="0" i="0" u="none" strike="noStrike">
-                        <a:solidFill>
-                          <a:schemeClr val="bg1"/>
-                        </a:solidFill>
-                        <a:latin typeface="Calibri"/>
-                      </a:endParaRPr>
-                    </a:p>
-                  </a:txBody>
-                  <a:tcPr marL="18047" marR="18047" marT="18047" marB="0" anchor="b"/>
-                </a:tc>
-                <a:tc>
-                  <a:txBody>
-                    <a:bodyPr/>
-                    <a:lstStyle/>
-                    <a:p>
-                      <a:pPr algn="l" fontAlgn="b"/>
-                      <a:endParaRPr lang="en-US" sz="2000" b="0" i="0" u="none" strike="noStrike">
-                        <a:solidFill>
-                          <a:schemeClr val="bg1"/>
-                        </a:solidFill>
-                        <a:latin typeface="Calibri"/>
-                      </a:endParaRPr>
-                    </a:p>
-                  </a:txBody>
-                  <a:tcPr marL="18047" marR="18047" marT="18047" marB="0" anchor="b"/>
-                </a:tc>
-                <a:tc>
-                  <a:txBody>
-                    <a:bodyPr/>
-                    <a:lstStyle/>
-                    <a:p>
-                      <a:pPr algn="l" fontAlgn="b"/>
-                      <a:endParaRPr lang="en-US" sz="2000" b="0" i="0" u="none" strike="noStrike">
-                        <a:solidFill>
-                          <a:schemeClr val="bg1"/>
-                        </a:solidFill>
-                        <a:latin typeface="Calibri"/>
-                      </a:endParaRPr>
-                    </a:p>
-                  </a:txBody>
-                  <a:tcPr marL="18047" marR="18047" marT="18047" marB="0" anchor="b"/>
-                </a:tc>
-                <a:tc>
-                  <a:txBody>
-                    <a:bodyPr/>
-                    <a:lstStyle/>
-                    <a:p>
-                      <a:pPr algn="l" fontAlgn="b"/>
-                      <a:endParaRPr lang="en-US" sz="2000" b="0" i="0" u="none" strike="noStrike">
-                        <a:solidFill>
-                          <a:schemeClr val="bg1"/>
-                        </a:solidFill>
-                        <a:latin typeface="Calibri"/>
-                      </a:endParaRPr>
-                    </a:p>
-                  </a:txBody>
-                  <a:tcPr marL="18047" marR="18047" marT="18047" marB="0" anchor="b"/>
-                </a:tc>
-              </a:tr>
-              <a:tr h="360947">
-                <a:tc>
-                  <a:txBody>
-                    <a:bodyPr/>
-                    <a:lstStyle/>
-                    <a:p>
-                      <a:pPr algn="ctr" fontAlgn="ctr"/>
-                      <a:r>
-                        <a:rPr lang="en-US" sz="2000" u="none" strike="noStrike"/>
-                        <a:t>IIS</a:t>
-                      </a:r>
-                      <a:endParaRPr lang="en-US" sz="2000" b="1" i="0" u="none" strike="noStrike">
-                        <a:solidFill>
-                          <a:schemeClr val="bg1"/>
-                        </a:solidFill>
-                        <a:latin typeface="Calibri"/>
-                      </a:endParaRPr>
-                    </a:p>
-                  </a:txBody>
-                  <a:tcPr marL="18047" marR="18047" marT="18047" marB="0" anchor="ctr"/>
-                </a:tc>
-                <a:tc>
-                  <a:txBody>
-                    <a:bodyPr/>
-                    <a:lstStyle/>
-                    <a:p>
-                      <a:pPr algn="l" fontAlgn="ctr"/>
-                      <a:r>
-                        <a:rPr lang="en-US" sz="2000" u="none" strike="noStrike"/>
-                        <a:t>Rails</a:t>
-                      </a:r>
-                      <a:endParaRPr lang="en-US" sz="2000" b="0" i="0" u="none" strike="noStrike">
-                        <a:solidFill>
-                          <a:schemeClr val="bg1"/>
-                        </a:solidFill>
-                        <a:latin typeface="Calibri"/>
-                      </a:endParaRPr>
-                    </a:p>
-                  </a:txBody>
-                  <a:tcPr marL="18047" marR="18047" marT="18047" marB="0" anchor="ctr"/>
-                </a:tc>
-                <a:tc>
-                  <a:txBody>
-                    <a:bodyPr/>
-                    <a:lstStyle/>
-                    <a:p>
-                      <a:pPr algn="l" fontAlgn="b"/>
-                      <a:r>
-                        <a:rPr lang="en-US" sz="2000" u="none" strike="noStrike"/>
-                        <a:t>1st Request</a:t>
-                      </a:r>
-                      <a:endParaRPr lang="en-US" sz="2000" b="0" i="0" u="none" strike="noStrike">
-                        <a:solidFill>
-                          <a:schemeClr val="bg1"/>
-                        </a:solidFill>
-                        <a:latin typeface="Calibri"/>
-                      </a:endParaRPr>
-                    </a:p>
-                  </a:txBody>
-                  <a:tcPr marL="18047" marR="18047" marT="18047" marB="0" anchor="b"/>
-                </a:tc>
-                <a:tc>
-                  <a:txBody>
-                    <a:bodyPr/>
-                    <a:lstStyle/>
-                    <a:p>
-                      <a:pPr algn="l" fontAlgn="b"/>
-                      <a:endParaRPr lang="en-US" sz="2000" b="0" i="0" u="none" strike="noStrike">
-                        <a:solidFill>
-                          <a:schemeClr val="bg1"/>
-                        </a:solidFill>
-                        <a:latin typeface="Calibri"/>
-                      </a:endParaRPr>
-                    </a:p>
-                  </a:txBody>
-                  <a:tcPr marL="18047" marR="18047" marT="18047" marB="0" anchor="b"/>
-                </a:tc>
-                <a:tc>
-                  <a:txBody>
-                    <a:bodyPr/>
-                    <a:lstStyle/>
-                    <a:p>
-                      <a:pPr algn="l" fontAlgn="b"/>
-                      <a:endParaRPr lang="en-US" sz="2000" b="0" i="0" u="none" strike="noStrike">
-                        <a:solidFill>
-                          <a:schemeClr val="bg1"/>
-                        </a:solidFill>
-                        <a:latin typeface="Calibri"/>
-                      </a:endParaRPr>
-                    </a:p>
-                  </a:txBody>
-                  <a:tcPr marL="18047" marR="18047" marT="18047" marB="0" anchor="b"/>
-                </a:tc>
-                <a:tc>
-                  <a:txBody>
-                    <a:bodyPr/>
-                    <a:lstStyle/>
-                    <a:p>
-                      <a:pPr algn="l" fontAlgn="b"/>
-                      <a:endParaRPr lang="en-US" sz="2000" b="0" i="0" u="none" strike="noStrike">
-                        <a:solidFill>
-                          <a:schemeClr val="bg1"/>
-                        </a:solidFill>
-                        <a:latin typeface="Calibri"/>
-                      </a:endParaRPr>
-                    </a:p>
-                  </a:txBody>
-                  <a:tcPr marL="18047" marR="18047" marT="18047" marB="0" anchor="b"/>
-                </a:tc>
-                <a:tc>
-                  <a:txBody>
-                    <a:bodyPr/>
-                    <a:lstStyle/>
-                    <a:p>
-                      <a:pPr algn="l" fontAlgn="b"/>
-                      <a:endParaRPr lang="en-US" sz="2000" b="0" i="0" u="none" strike="noStrike">
-                        <a:solidFill>
-                          <a:schemeClr val="bg1"/>
-                        </a:solidFill>
-                        <a:latin typeface="Calibri"/>
-                      </a:endParaRPr>
-                    </a:p>
-                  </a:txBody>
-                  <a:tcPr marL="18047" marR="18047" marT="18047" marB="0" anchor="b"/>
-                </a:tc>
-                <a:tc>
-                  <a:txBody>
-                    <a:bodyPr/>
-                    <a:lstStyle/>
-                    <a:p>
-                      <a:pPr algn="l" fontAlgn="b"/>
-                      <a:endParaRPr lang="en-US" sz="2000" b="0" i="0" u="none" strike="noStrike">
-                        <a:solidFill>
-                          <a:schemeClr val="bg1"/>
-                        </a:solidFill>
-                        <a:latin typeface="Calibri"/>
-                      </a:endParaRPr>
-                    </a:p>
-                  </a:txBody>
-                  <a:tcPr marL="18047" marR="18047" marT="18047" marB="0" anchor="b"/>
-                </a:tc>
-              </a:tr>
-              <a:tr h="360947">
-                <a:tc>
-                  <a:txBody>
-                    <a:bodyPr/>
-                    <a:lstStyle/>
-                    <a:p>
-                      <a:pPr algn="ctr" fontAlgn="ctr"/>
-                      <a:r>
-                        <a:rPr lang="en-US" sz="2000" u="none" strike="noStrike"/>
-                        <a:t>IIS</a:t>
-                      </a:r>
-                      <a:endParaRPr lang="en-US" sz="2000" b="1" i="0" u="none" strike="noStrike">
-                        <a:solidFill>
-                          <a:schemeClr val="bg1"/>
-                        </a:solidFill>
-                        <a:latin typeface="Calibri"/>
-                      </a:endParaRPr>
-                    </a:p>
-                  </a:txBody>
-                  <a:tcPr marL="18047" marR="18047" marT="18047" marB="0" anchor="ctr"/>
-                </a:tc>
-                <a:tc>
-                  <a:txBody>
-                    <a:bodyPr/>
-                    <a:lstStyle/>
-                    <a:p>
-                      <a:pPr algn="l" fontAlgn="ctr"/>
-                      <a:r>
-                        <a:rPr lang="en-US" sz="2000" u="none" strike="noStrike"/>
-                        <a:t>Rails</a:t>
-                      </a:r>
-                      <a:endParaRPr lang="en-US" sz="2000" b="0" i="0" u="none" strike="noStrike">
-                        <a:solidFill>
-                          <a:schemeClr val="bg1"/>
-                        </a:solidFill>
-                        <a:latin typeface="Calibri"/>
-                      </a:endParaRPr>
-                    </a:p>
-                  </a:txBody>
-                  <a:tcPr marL="18047" marR="18047" marT="18047" marB="0" anchor="ctr"/>
-                </a:tc>
-                <a:tc>
-                  <a:txBody>
-                    <a:bodyPr/>
-                    <a:lstStyle/>
-                    <a:p>
-                      <a:pPr algn="l" fontAlgn="b"/>
-                      <a:r>
-                        <a:rPr lang="en-US" sz="2000" u="none" strike="noStrike"/>
-                        <a:t>n Requests</a:t>
-                      </a:r>
-                      <a:endParaRPr lang="en-US" sz="2000" b="0" i="0" u="none" strike="noStrike">
-                        <a:solidFill>
-                          <a:schemeClr val="bg1"/>
-                        </a:solidFill>
-                        <a:latin typeface="Calibri"/>
-                      </a:endParaRPr>
-                    </a:p>
-                  </a:txBody>
-                  <a:tcPr marL="18047" marR="18047" marT="18047" marB="0" anchor="b"/>
-                </a:tc>
-                <a:tc>
-                  <a:txBody>
-                    <a:bodyPr/>
-                    <a:lstStyle/>
-                    <a:p>
-                      <a:pPr algn="l" fontAlgn="b"/>
-                      <a:endParaRPr lang="en-US" sz="2000" b="0" i="0" u="none" strike="noStrike">
-                        <a:solidFill>
-                          <a:schemeClr val="bg1"/>
-                        </a:solidFill>
-                        <a:latin typeface="Calibri"/>
-                      </a:endParaRPr>
-                    </a:p>
-                  </a:txBody>
-                  <a:tcPr marL="18047" marR="18047" marT="18047" marB="0" anchor="b"/>
-                </a:tc>
-                <a:tc>
-                  <a:txBody>
-                    <a:bodyPr/>
-                    <a:lstStyle/>
-                    <a:p>
-                      <a:pPr algn="l" fontAlgn="b"/>
-                      <a:endParaRPr lang="en-US" sz="2000" b="0" i="0" u="none" strike="noStrike">
-                        <a:solidFill>
-                          <a:schemeClr val="bg1"/>
-                        </a:solidFill>
-                        <a:latin typeface="Calibri"/>
-                      </a:endParaRPr>
-                    </a:p>
-                  </a:txBody>
-                  <a:tcPr marL="18047" marR="18047" marT="18047" marB="0" anchor="b"/>
-                </a:tc>
-                <a:tc>
-                  <a:txBody>
-                    <a:bodyPr/>
-                    <a:lstStyle/>
-                    <a:p>
-                      <a:pPr algn="l" fontAlgn="b"/>
-                      <a:endParaRPr lang="en-US" sz="2000" b="0" i="0" u="none" strike="noStrike">
-                        <a:solidFill>
-                          <a:schemeClr val="bg1"/>
-                        </a:solidFill>
-                        <a:latin typeface="Calibri"/>
-                      </a:endParaRPr>
-                    </a:p>
-                  </a:txBody>
-                  <a:tcPr marL="18047" marR="18047" marT="18047" marB="0" anchor="b"/>
-                </a:tc>
-                <a:tc>
-                  <a:txBody>
-                    <a:bodyPr/>
-                    <a:lstStyle/>
-                    <a:p>
-                      <a:pPr algn="l" fontAlgn="b"/>
-                      <a:endParaRPr lang="en-US" sz="2000" b="0" i="0" u="none" strike="noStrike">
-                        <a:solidFill>
-                          <a:schemeClr val="bg1"/>
-                        </a:solidFill>
-                        <a:latin typeface="Calibri"/>
-                      </a:endParaRPr>
-                    </a:p>
-                  </a:txBody>
-                  <a:tcPr marL="18047" marR="18047" marT="18047" marB="0" anchor="b"/>
-                </a:tc>
-                <a:tc>
-                  <a:txBody>
-                    <a:bodyPr/>
-                    <a:lstStyle/>
-                    <a:p>
-                      <a:pPr algn="l" fontAlgn="b"/>
-                      <a:endParaRPr lang="en-US" sz="2000" b="0" i="0" u="none" strike="noStrike" dirty="0">
-                        <a:solidFill>
-                          <a:schemeClr val="bg1"/>
-                        </a:solidFill>
-                        <a:latin typeface="Calibri"/>
-                      </a:endParaRPr>
-                    </a:p>
-                  </a:txBody>
-                  <a:tcPr marL="18047" marR="18047" marT="18047" marB="0" anchor="b"/>
-                </a:tc>
-              </a:tr>
-            </a:tbl>
-          </a:graphicData>
-        </a:graphic>
-      </p:graphicFrame>
     </p:spTree>
   </p:cSld>
   <p:clrMapOvr>
@@ -15960,27 +12801,7 @@
                   </a:schemeClr>
                 </a:solidFill>
               </a:rPr>
-              <a:t>http</a:t>
-            </a:r>
-            <a:r>
-              <a:rPr lang="en-US" sz="3600" u="sng" dirty="0" smtClean="0">
-                <a:solidFill>
-                  <a:schemeClr val="bg1">
-                    <a:lumMod val="65000"/>
-                  </a:schemeClr>
-                </a:solidFill>
-              </a:rPr>
-              <a:t>://</a:t>
-            </a:r>
-            <a:r>
-              <a:rPr lang="en-US" sz="3600" u="sng" dirty="0" smtClean="0">
-                <a:solidFill>
-                  <a:schemeClr val="bg1">
-                    <a:lumMod val="65000"/>
-                  </a:schemeClr>
-                </a:solidFill>
-              </a:rPr>
-              <a:t>ironruby.net/Documentation/Rails</a:t>
+              <a:t>http://ironruby.net/Documentation/Rails</a:t>
             </a:r>
             <a:endParaRPr lang="en-US" sz="3600" dirty="0">
               <a:solidFill>
@@ -21531,15 +18352,7 @@
           <a:p>
             <a:r>
               <a:rPr lang="en-US" sz="8000" dirty="0" smtClean="0"/>
-              <a:t>Why </a:t>
-            </a:r>
-            <a:r>
-              <a:rPr lang="en-US" sz="8000" dirty="0" smtClean="0"/>
-              <a:t>are you here</a:t>
-            </a:r>
-            <a:r>
-              <a:rPr lang="en-US" sz="8000" dirty="0" smtClean="0"/>
-              <a:t>?</a:t>
+              <a:t>Why are you here?</a:t>
             </a:r>
             <a:endParaRPr lang="en-US" sz="8000" dirty="0"/>
           </a:p>
